--- a/ChikenJumper.pptx
+++ b/ChikenJumper.pptx
@@ -1,24 +1,499 @@
 
 <file path=ppt/presentation.xml><?xml version="1.0" encoding="utf-8"?>
-<p:presentation xmlns:a="http://schemas.openxmlformats.org/drawingml/2006/main" xmlns:p="http://schemas.openxmlformats.org/presentationml/2006/main" xmlns:r="http://schemas.openxmlformats.org/officeDocument/2006/relationships" xmlns:p14="http://schemas.microsoft.com/office/powerpoint/2010/main" xmlns:p15="http://schemas.microsoft.com/office/powerpoint/2012/main" xmlns:mc="http://schemas.openxmlformats.org/markup-compatibility/2006">
+<p:presentation xmlns:a="http://schemas.openxmlformats.org/drawingml/2006/main" xmlns:r="http://schemas.openxmlformats.org/officeDocument/2006/relationships" xmlns:p="http://schemas.openxmlformats.org/presentationml/2006/main">
   <p:sldMasterIdLst>
-    <p:sldMasterId id="2147483648" r:id="rId2"/>
-    <p:sldMasterId id="2147483649" r:id="rId3"/>
-    <p:sldMasterId id="2147483651" r:id="rId4"/>
-    <p:sldMasterId id="2147483653" r:id="rId5"/>
+    <p:sldMasterId id="2147483649" r:id="rId1"/>
+    <p:sldMasterId id="2147483651" r:id="rId2"/>
+    <p:sldMasterId id="2147483653" r:id="rId3"/>
   </p:sldMasterIdLst>
+  <p:notesMasterIdLst>
+    <p:notesMasterId r:id="rId9"/>
+  </p:notesMasterIdLst>
   <p:sldIdLst>
-    <p:sldId id="256" r:id="rId6"/>
-    <p:sldId id="257" r:id="rId7"/>
-    <p:sldId id="258" r:id="rId8"/>
+    <p:sldId id="256" r:id="rId4"/>
+    <p:sldId id="257" r:id="rId5"/>
+    <p:sldId id="258" r:id="rId6"/>
+    <p:sldId id="261" r:id="rId7"/>
+    <p:sldId id="262" r:id="rId8"/>
   </p:sldIdLst>
   <p:sldSz cx="10080625" cy="5670550"/>
   <p:notesSz cx="7559675" cy="10691813"/>
+  <p:defaultTextStyle>
+    <a:defPPr>
+      <a:defRPr lang="ru-RU"/>
+    </a:defPPr>
+    <a:lvl1pPr marL="0" algn="l" defTabSz="914400" rtl="0" eaLnBrk="1" latinLnBrk="0" hangingPunct="1">
+      <a:defRPr sz="1800" kern="1200">
+        <a:solidFill>
+          <a:schemeClr val="tx1"/>
+        </a:solidFill>
+        <a:latin typeface="+mn-lt"/>
+        <a:ea typeface="+mn-ea"/>
+        <a:cs typeface="+mn-cs"/>
+      </a:defRPr>
+    </a:lvl1pPr>
+    <a:lvl2pPr marL="457200" algn="l" defTabSz="914400" rtl="0" eaLnBrk="1" latinLnBrk="0" hangingPunct="1">
+      <a:defRPr sz="1800" kern="1200">
+        <a:solidFill>
+          <a:schemeClr val="tx1"/>
+        </a:solidFill>
+        <a:latin typeface="+mn-lt"/>
+        <a:ea typeface="+mn-ea"/>
+        <a:cs typeface="+mn-cs"/>
+      </a:defRPr>
+    </a:lvl2pPr>
+    <a:lvl3pPr marL="914400" algn="l" defTabSz="914400" rtl="0" eaLnBrk="1" latinLnBrk="0" hangingPunct="1">
+      <a:defRPr sz="1800" kern="1200">
+        <a:solidFill>
+          <a:schemeClr val="tx1"/>
+        </a:solidFill>
+        <a:latin typeface="+mn-lt"/>
+        <a:ea typeface="+mn-ea"/>
+        <a:cs typeface="+mn-cs"/>
+      </a:defRPr>
+    </a:lvl3pPr>
+    <a:lvl4pPr marL="1371600" algn="l" defTabSz="914400" rtl="0" eaLnBrk="1" latinLnBrk="0" hangingPunct="1">
+      <a:defRPr sz="1800" kern="1200">
+        <a:solidFill>
+          <a:schemeClr val="tx1"/>
+        </a:solidFill>
+        <a:latin typeface="+mn-lt"/>
+        <a:ea typeface="+mn-ea"/>
+        <a:cs typeface="+mn-cs"/>
+      </a:defRPr>
+    </a:lvl4pPr>
+    <a:lvl5pPr marL="1828800" algn="l" defTabSz="914400" rtl="0" eaLnBrk="1" latinLnBrk="0" hangingPunct="1">
+      <a:defRPr sz="1800" kern="1200">
+        <a:solidFill>
+          <a:schemeClr val="tx1"/>
+        </a:solidFill>
+        <a:latin typeface="+mn-lt"/>
+        <a:ea typeface="+mn-ea"/>
+        <a:cs typeface="+mn-cs"/>
+      </a:defRPr>
+    </a:lvl5pPr>
+    <a:lvl6pPr marL="2286000" algn="l" defTabSz="914400" rtl="0" eaLnBrk="1" latinLnBrk="0" hangingPunct="1">
+      <a:defRPr sz="1800" kern="1200">
+        <a:solidFill>
+          <a:schemeClr val="tx1"/>
+        </a:solidFill>
+        <a:latin typeface="+mn-lt"/>
+        <a:ea typeface="+mn-ea"/>
+        <a:cs typeface="+mn-cs"/>
+      </a:defRPr>
+    </a:lvl6pPr>
+    <a:lvl7pPr marL="2743200" algn="l" defTabSz="914400" rtl="0" eaLnBrk="1" latinLnBrk="0" hangingPunct="1">
+      <a:defRPr sz="1800" kern="1200">
+        <a:solidFill>
+          <a:schemeClr val="tx1"/>
+        </a:solidFill>
+        <a:latin typeface="+mn-lt"/>
+        <a:ea typeface="+mn-ea"/>
+        <a:cs typeface="+mn-cs"/>
+      </a:defRPr>
+    </a:lvl7pPr>
+    <a:lvl8pPr marL="3200400" algn="l" defTabSz="914400" rtl="0" eaLnBrk="1" latinLnBrk="0" hangingPunct="1">
+      <a:defRPr sz="1800" kern="1200">
+        <a:solidFill>
+          <a:schemeClr val="tx1"/>
+        </a:solidFill>
+        <a:latin typeface="+mn-lt"/>
+        <a:ea typeface="+mn-ea"/>
+        <a:cs typeface="+mn-cs"/>
+      </a:defRPr>
+    </a:lvl8pPr>
+    <a:lvl9pPr marL="3657600" algn="l" defTabSz="914400" rtl="0" eaLnBrk="1" latinLnBrk="0" hangingPunct="1">
+      <a:defRPr sz="1800" kern="1200">
+        <a:solidFill>
+          <a:schemeClr val="tx1"/>
+        </a:solidFill>
+        <a:latin typeface="+mn-lt"/>
+        <a:ea typeface="+mn-ea"/>
+        <a:cs typeface="+mn-cs"/>
+      </a:defRPr>
+    </a:lvl9pPr>
+  </p:defaultTextStyle>
 </p:presentation>
 </file>
 
+<file path=ppt/commentAuthors.xml><?xml version="1.0" encoding="utf-8"?>
+<p:cmAuthorLst xmlns:a="http://schemas.openxmlformats.org/drawingml/2006/main" xmlns:r="http://schemas.openxmlformats.org/officeDocument/2006/relationships" xmlns:p="http://schemas.openxmlformats.org/presentationml/2006/main">
+  <p:cmAuthor id="1" name="Vova" initials="V" lastIdx="1" clrIdx="0">
+    <p:extLst>
+      <p:ext uri="{19B8F6BF-5375-455C-9EA6-DF929625EA0E}">
+        <p15:presenceInfo xmlns:p15="http://schemas.microsoft.com/office/powerpoint/2012/main" userId="c6e43a243827328a" providerId="Windows Live"/>
+      </p:ext>
+    </p:extLst>
+  </p:cmAuthor>
+</p:cmAuthorLst>
+</file>
+
+<file path=ppt/comments/comment1.xml><?xml version="1.0" encoding="utf-8"?>
+<p:cmLst xmlns:a="http://schemas.openxmlformats.org/drawingml/2006/main" xmlns:r="http://schemas.openxmlformats.org/officeDocument/2006/relationships" xmlns:p="http://schemas.openxmlformats.org/presentationml/2006/main">
+  <p:cm authorId="1" dt="2025-02-02T22:35:20.953" idx="1">
+    <p:pos x="10" y="10"/>
+    <p:text/>
+    <p:extLst>
+      <p:ext uri="{C676402C-5697-4E1C-873F-D02D1690AC5C}">
+        <p15:threadingInfo xmlns:p15="http://schemas.microsoft.com/office/powerpoint/2012/main" timeZoneBias="-180"/>
+      </p:ext>
+    </p:extLst>
+  </p:cm>
+</p:cmLst>
+</file>
+
+<file path=ppt/notesMasters/notesMaster1.xml><?xml version="1.0" encoding="utf-8"?>
+<p:notesMaster xmlns:a="http://schemas.openxmlformats.org/drawingml/2006/main" xmlns:r="http://schemas.openxmlformats.org/officeDocument/2006/relationships" xmlns:p="http://schemas.openxmlformats.org/presentationml/2006/main">
+  <p:cSld>
+    <p:bg>
+      <p:bgRef idx="1001">
+        <a:schemeClr val="bg1"/>
+      </p:bgRef>
+    </p:bg>
+    <p:spTree>
+      <p:nvGrpSpPr>
+        <p:cNvPr id="1" name=""/>
+        <p:cNvGrpSpPr/>
+        <p:nvPr/>
+      </p:nvGrpSpPr>
+      <p:grpSpPr>
+        <a:xfrm>
+          <a:off x="0" y="0"/>
+          <a:ext cx="0" cy="0"/>
+          <a:chOff x="0" y="0"/>
+          <a:chExt cx="0" cy="0"/>
+        </a:xfrm>
+      </p:grpSpPr>
+      <p:sp>
+        <p:nvSpPr>
+          <p:cNvPr id="2" name="Верхний колонтитул 1"/>
+          <p:cNvSpPr>
+            <a:spLocks noGrp="1"/>
+          </p:cNvSpPr>
+          <p:nvPr>
+            <p:ph type="hdr" sz="quarter"/>
+          </p:nvPr>
+        </p:nvSpPr>
+        <p:spPr>
+          <a:xfrm>
+            <a:off x="0" y="0"/>
+            <a:ext cx="3276600" cy="536575"/>
+          </a:xfrm>
+          <a:prstGeom prst="rect">
+            <a:avLst/>
+          </a:prstGeom>
+        </p:spPr>
+        <p:txBody>
+          <a:bodyPr vert="horz" lIns="91440" tIns="45720" rIns="91440" bIns="45720" rtlCol="0"/>
+          <a:lstStyle>
+            <a:lvl1pPr algn="l">
+              <a:defRPr sz="1200"/>
+            </a:lvl1pPr>
+          </a:lstStyle>
+          <a:p>
+            <a:endParaRPr lang="ru-RU"/>
+          </a:p>
+        </p:txBody>
+      </p:sp>
+      <p:sp>
+        <p:nvSpPr>
+          <p:cNvPr id="3" name="Дата 2"/>
+          <p:cNvSpPr>
+            <a:spLocks noGrp="1"/>
+          </p:cNvSpPr>
+          <p:nvPr>
+            <p:ph type="dt" idx="1"/>
+          </p:nvPr>
+        </p:nvSpPr>
+        <p:spPr>
+          <a:xfrm>
+            <a:off x="4281488" y="0"/>
+            <a:ext cx="3276600" cy="536575"/>
+          </a:xfrm>
+          <a:prstGeom prst="rect">
+            <a:avLst/>
+          </a:prstGeom>
+        </p:spPr>
+        <p:txBody>
+          <a:bodyPr vert="horz" lIns="91440" tIns="45720" rIns="91440" bIns="45720" rtlCol="0"/>
+          <a:lstStyle>
+            <a:lvl1pPr algn="r">
+              <a:defRPr sz="1200"/>
+            </a:lvl1pPr>
+          </a:lstStyle>
+          <a:p>
+            <a:fld id="{A240A0E8-D866-4121-BB6C-3EEED0496C7B}" type="datetimeFigureOut">
+              <a:rPr lang="ru-RU" smtClean="0"/>
+              <a:t>02.02.2025</a:t>
+            </a:fld>
+            <a:endParaRPr lang="ru-RU"/>
+          </a:p>
+        </p:txBody>
+      </p:sp>
+      <p:sp>
+        <p:nvSpPr>
+          <p:cNvPr id="4" name="Образ слайда 3"/>
+          <p:cNvSpPr>
+            <a:spLocks noGrp="1" noRot="1" noChangeAspect="1"/>
+          </p:cNvSpPr>
+          <p:nvPr>
+            <p:ph type="sldImg" idx="2"/>
+          </p:nvPr>
+        </p:nvSpPr>
+        <p:spPr>
+          <a:xfrm>
+            <a:off x="573088" y="1336675"/>
+            <a:ext cx="6413500" cy="3608388"/>
+          </a:xfrm>
+          <a:prstGeom prst="rect">
+            <a:avLst/>
+          </a:prstGeom>
+          <a:noFill/>
+          <a:ln w="12700">
+            <a:solidFill>
+              <a:prstClr val="black"/>
+            </a:solidFill>
+          </a:ln>
+        </p:spPr>
+        <p:txBody>
+          <a:bodyPr vert="horz" lIns="91440" tIns="45720" rIns="91440" bIns="45720" rtlCol="0" anchor="ctr"/>
+          <a:lstStyle/>
+          <a:p>
+            <a:endParaRPr lang="ru-RU"/>
+          </a:p>
+        </p:txBody>
+      </p:sp>
+      <p:sp>
+        <p:nvSpPr>
+          <p:cNvPr id="5" name="Заметки 4"/>
+          <p:cNvSpPr>
+            <a:spLocks noGrp="1"/>
+          </p:cNvSpPr>
+          <p:nvPr>
+            <p:ph type="body" sz="quarter" idx="3"/>
+          </p:nvPr>
+        </p:nvSpPr>
+        <p:spPr>
+          <a:xfrm>
+            <a:off x="755650" y="5145088"/>
+            <a:ext cx="6048375" cy="4210050"/>
+          </a:xfrm>
+          <a:prstGeom prst="rect">
+            <a:avLst/>
+          </a:prstGeom>
+        </p:spPr>
+        <p:txBody>
+          <a:bodyPr vert="horz" lIns="91440" tIns="45720" rIns="91440" bIns="45720" rtlCol="0"/>
+          <a:lstStyle/>
+          <a:p>
+            <a:pPr lvl="0"/>
+            <a:r>
+              <a:rPr lang="ru-RU" smtClean="0"/>
+              <a:t>Образец текста</a:t>
+            </a:r>
+          </a:p>
+          <a:p>
+            <a:pPr lvl="1"/>
+            <a:r>
+              <a:rPr lang="ru-RU" smtClean="0"/>
+              <a:t>Второй уровень</a:t>
+            </a:r>
+          </a:p>
+          <a:p>
+            <a:pPr lvl="2"/>
+            <a:r>
+              <a:rPr lang="ru-RU" smtClean="0"/>
+              <a:t>Третий уровень</a:t>
+            </a:r>
+          </a:p>
+          <a:p>
+            <a:pPr lvl="3"/>
+            <a:r>
+              <a:rPr lang="ru-RU" smtClean="0"/>
+              <a:t>Четвертый уровень</a:t>
+            </a:r>
+          </a:p>
+          <a:p>
+            <a:pPr lvl="4"/>
+            <a:r>
+              <a:rPr lang="ru-RU" smtClean="0"/>
+              <a:t>Пятый уровень</a:t>
+            </a:r>
+            <a:endParaRPr lang="ru-RU"/>
+          </a:p>
+        </p:txBody>
+      </p:sp>
+      <p:sp>
+        <p:nvSpPr>
+          <p:cNvPr id="6" name="Нижний колонтитул 5"/>
+          <p:cNvSpPr>
+            <a:spLocks noGrp="1"/>
+          </p:cNvSpPr>
+          <p:nvPr>
+            <p:ph type="ftr" sz="quarter" idx="4"/>
+          </p:nvPr>
+        </p:nvSpPr>
+        <p:spPr>
+          <a:xfrm>
+            <a:off x="0" y="10155238"/>
+            <a:ext cx="3276600" cy="536575"/>
+          </a:xfrm>
+          <a:prstGeom prst="rect">
+            <a:avLst/>
+          </a:prstGeom>
+        </p:spPr>
+        <p:txBody>
+          <a:bodyPr vert="horz" lIns="91440" tIns="45720" rIns="91440" bIns="45720" rtlCol="0" anchor="b"/>
+          <a:lstStyle>
+            <a:lvl1pPr algn="l">
+              <a:defRPr sz="1200"/>
+            </a:lvl1pPr>
+          </a:lstStyle>
+          <a:p>
+            <a:endParaRPr lang="ru-RU"/>
+          </a:p>
+        </p:txBody>
+      </p:sp>
+      <p:sp>
+        <p:nvSpPr>
+          <p:cNvPr id="7" name="Номер слайда 6"/>
+          <p:cNvSpPr>
+            <a:spLocks noGrp="1"/>
+          </p:cNvSpPr>
+          <p:nvPr>
+            <p:ph type="sldNum" sz="quarter" idx="5"/>
+          </p:nvPr>
+        </p:nvSpPr>
+        <p:spPr>
+          <a:xfrm>
+            <a:off x="4281488" y="10155238"/>
+            <a:ext cx="3276600" cy="536575"/>
+          </a:xfrm>
+          <a:prstGeom prst="rect">
+            <a:avLst/>
+          </a:prstGeom>
+        </p:spPr>
+        <p:txBody>
+          <a:bodyPr vert="horz" lIns="91440" tIns="45720" rIns="91440" bIns="45720" rtlCol="0" anchor="b"/>
+          <a:lstStyle>
+            <a:lvl1pPr algn="r">
+              <a:defRPr sz="1200"/>
+            </a:lvl1pPr>
+          </a:lstStyle>
+          <a:p>
+            <a:fld id="{7F6F8F7B-6DBC-4595-93CE-7BC2EA684BD9}" type="slidenum">
+              <a:rPr lang="ru-RU" smtClean="0"/>
+              <a:t>‹#›</a:t>
+            </a:fld>
+            <a:endParaRPr lang="ru-RU"/>
+          </a:p>
+        </p:txBody>
+      </p:sp>
+    </p:spTree>
+    <p:extLst>
+      <p:ext uri="{BB962C8B-B14F-4D97-AF65-F5344CB8AC3E}">
+        <p14:creationId xmlns:p14="http://schemas.microsoft.com/office/powerpoint/2010/main" val="3475710217"/>
+      </p:ext>
+    </p:extLst>
+  </p:cSld>
+  <p:clrMap bg1="lt1" tx1="dk1" bg2="lt2" tx2="dk2" accent1="accent1" accent2="accent2" accent3="accent3" accent4="accent4" accent5="accent5" accent6="accent6" hlink="hlink" folHlink="folHlink"/>
+  <p:notesStyle>
+    <a:lvl1pPr marL="0" algn="l" defTabSz="914400" rtl="0" eaLnBrk="1" latinLnBrk="0" hangingPunct="1">
+      <a:defRPr sz="1200" kern="1200">
+        <a:solidFill>
+          <a:schemeClr val="tx1"/>
+        </a:solidFill>
+        <a:latin typeface="+mn-lt"/>
+        <a:ea typeface="+mn-ea"/>
+        <a:cs typeface="+mn-cs"/>
+      </a:defRPr>
+    </a:lvl1pPr>
+    <a:lvl2pPr marL="457200" algn="l" defTabSz="914400" rtl="0" eaLnBrk="1" latinLnBrk="0" hangingPunct="1">
+      <a:defRPr sz="1200" kern="1200">
+        <a:solidFill>
+          <a:schemeClr val="tx1"/>
+        </a:solidFill>
+        <a:latin typeface="+mn-lt"/>
+        <a:ea typeface="+mn-ea"/>
+        <a:cs typeface="+mn-cs"/>
+      </a:defRPr>
+    </a:lvl2pPr>
+    <a:lvl3pPr marL="914400" algn="l" defTabSz="914400" rtl="0" eaLnBrk="1" latinLnBrk="0" hangingPunct="1">
+      <a:defRPr sz="1200" kern="1200">
+        <a:solidFill>
+          <a:schemeClr val="tx1"/>
+        </a:solidFill>
+        <a:latin typeface="+mn-lt"/>
+        <a:ea typeface="+mn-ea"/>
+        <a:cs typeface="+mn-cs"/>
+      </a:defRPr>
+    </a:lvl3pPr>
+    <a:lvl4pPr marL="1371600" algn="l" defTabSz="914400" rtl="0" eaLnBrk="1" latinLnBrk="0" hangingPunct="1">
+      <a:defRPr sz="1200" kern="1200">
+        <a:solidFill>
+          <a:schemeClr val="tx1"/>
+        </a:solidFill>
+        <a:latin typeface="+mn-lt"/>
+        <a:ea typeface="+mn-ea"/>
+        <a:cs typeface="+mn-cs"/>
+      </a:defRPr>
+    </a:lvl4pPr>
+    <a:lvl5pPr marL="1828800" algn="l" defTabSz="914400" rtl="0" eaLnBrk="1" latinLnBrk="0" hangingPunct="1">
+      <a:defRPr sz="1200" kern="1200">
+        <a:solidFill>
+          <a:schemeClr val="tx1"/>
+        </a:solidFill>
+        <a:latin typeface="+mn-lt"/>
+        <a:ea typeface="+mn-ea"/>
+        <a:cs typeface="+mn-cs"/>
+      </a:defRPr>
+    </a:lvl5pPr>
+    <a:lvl6pPr marL="2286000" algn="l" defTabSz="914400" rtl="0" eaLnBrk="1" latinLnBrk="0" hangingPunct="1">
+      <a:defRPr sz="1200" kern="1200">
+        <a:solidFill>
+          <a:schemeClr val="tx1"/>
+        </a:solidFill>
+        <a:latin typeface="+mn-lt"/>
+        <a:ea typeface="+mn-ea"/>
+        <a:cs typeface="+mn-cs"/>
+      </a:defRPr>
+    </a:lvl6pPr>
+    <a:lvl7pPr marL="2743200" algn="l" defTabSz="914400" rtl="0" eaLnBrk="1" latinLnBrk="0" hangingPunct="1">
+      <a:defRPr sz="1200" kern="1200">
+        <a:solidFill>
+          <a:schemeClr val="tx1"/>
+        </a:solidFill>
+        <a:latin typeface="+mn-lt"/>
+        <a:ea typeface="+mn-ea"/>
+        <a:cs typeface="+mn-cs"/>
+      </a:defRPr>
+    </a:lvl7pPr>
+    <a:lvl8pPr marL="3200400" algn="l" defTabSz="914400" rtl="0" eaLnBrk="1" latinLnBrk="0" hangingPunct="1">
+      <a:defRPr sz="1200" kern="1200">
+        <a:solidFill>
+          <a:schemeClr val="tx1"/>
+        </a:solidFill>
+        <a:latin typeface="+mn-lt"/>
+        <a:ea typeface="+mn-ea"/>
+        <a:cs typeface="+mn-cs"/>
+      </a:defRPr>
+    </a:lvl8pPr>
+    <a:lvl9pPr marL="3657600" algn="l" defTabSz="914400" rtl="0" eaLnBrk="1" latinLnBrk="0" hangingPunct="1">
+      <a:defRPr sz="1200" kern="1200">
+        <a:solidFill>
+          <a:schemeClr val="tx1"/>
+        </a:solidFill>
+        <a:latin typeface="+mn-lt"/>
+        <a:ea typeface="+mn-ea"/>
+        <a:cs typeface="+mn-cs"/>
+      </a:defRPr>
+    </a:lvl9pPr>
+  </p:notesStyle>
+</p:notesMaster>
+</file>
+
 <file path=ppt/slideLayouts/slideLayout1.xml><?xml version="1.0" encoding="utf-8"?>
-<p:sldLayout xmlns:a="http://schemas.openxmlformats.org/drawingml/2006/main" xmlns:p="http://schemas.openxmlformats.org/presentationml/2006/main" xmlns:r="http://schemas.openxmlformats.org/officeDocument/2006/relationships" xmlns:p14="http://schemas.microsoft.com/office/powerpoint/2010/main" xmlns:p15="http://schemas.microsoft.com/office/powerpoint/2012/main" xmlns:mc="http://schemas.openxmlformats.org/markup-compatibility/2006" type="title" preserve="1">
+<p:sldLayout xmlns:a="http://schemas.openxmlformats.org/drawingml/2006/main" xmlns:r="http://schemas.openxmlformats.org/officeDocument/2006/relationships" xmlns:p="http://schemas.openxmlformats.org/presentationml/2006/main" type="title" preserve="1">
   <p:cSld name="TITLE">
     <p:spTree>
       <p:nvGrpSpPr>
@@ -58,14 +533,15 @@
           </a:ln>
         </p:spPr>
         <p:txBody>
-          <a:bodyPr lIns="0" rIns="0" tIns="0" bIns="0" anchor="ctr">
+          <a:bodyPr lIns="0" tIns="0" rIns="0" bIns="0" anchor="ctr">
             <a:noAutofit/>
           </a:bodyPr>
+          <a:lstStyle/>
           <a:p>
             <a:pPr indent="0">
               <a:buNone/>
             </a:pPr>
-            <a:endParaRPr b="0" lang="ru-RU" sz="1800" strike="noStrike" u="none">
+            <a:endParaRPr lang="ru-RU" sz="1800" b="0" u="none" strike="noStrike">
               <a:solidFill>
                 <a:srgbClr val="000000"/>
               </a:solidFill>
@@ -99,14 +575,15 @@
           </a:ln>
         </p:spPr>
         <p:txBody>
-          <a:bodyPr lIns="0" rIns="0" tIns="0" bIns="0" anchor="ctr">
+          <a:bodyPr lIns="0" tIns="0" rIns="0" bIns="0" anchor="ctr">
             <a:noAutofit/>
           </a:bodyPr>
+          <a:lstStyle/>
           <a:p>
             <a:pPr indent="0" algn="ctr">
               <a:buNone/>
             </a:pPr>
-            <a:endParaRPr b="0" lang="ru-RU" sz="3200" strike="noStrike" u="none">
+            <a:endParaRPr lang="ru-RU" sz="3200" b="0" u="none" strike="noStrike">
               <a:solidFill>
                 <a:srgbClr val="000000"/>
               </a:solidFill>
@@ -118,11 +595,14 @@
       </p:sp>
     </p:spTree>
   </p:cSld>
+  <p:clrMapOvr>
+    <a:masterClrMapping/>
+  </p:clrMapOvr>
 </p:sldLayout>
 </file>
 
 <file path=ppt/slideLayouts/slideLayout2.xml><?xml version="1.0" encoding="utf-8"?>
-<p:sldLayout xmlns:a="http://schemas.openxmlformats.org/drawingml/2006/main" xmlns:p="http://schemas.openxmlformats.org/presentationml/2006/main" xmlns:r="http://schemas.openxmlformats.org/officeDocument/2006/relationships" xmlns:p14="http://schemas.microsoft.com/office/powerpoint/2010/main" xmlns:p15="http://schemas.microsoft.com/office/powerpoint/2012/main" xmlns:mc="http://schemas.openxmlformats.org/markup-compatibility/2006" type="blank" preserve="1">
+<p:sldLayout xmlns:a="http://schemas.openxmlformats.org/drawingml/2006/main" xmlns:r="http://schemas.openxmlformats.org/officeDocument/2006/relationships" xmlns:p="http://schemas.openxmlformats.org/presentationml/2006/main" type="blank" preserve="1">
   <p:cSld name="ONE_COLUMN_TEXT">
     <p:spTree>
       <p:nvGrpSpPr>
@@ -140,11 +620,14 @@
       </p:grpSpPr>
     </p:spTree>
   </p:cSld>
+  <p:clrMapOvr>
+    <a:masterClrMapping/>
+  </p:clrMapOvr>
 </p:sldLayout>
 </file>
 
 <file path=ppt/slideLayouts/slideLayout3.xml><?xml version="1.0" encoding="utf-8"?>
-<p:sldLayout xmlns:a="http://schemas.openxmlformats.org/drawingml/2006/main" xmlns:p="http://schemas.openxmlformats.org/presentationml/2006/main" xmlns:r="http://schemas.openxmlformats.org/officeDocument/2006/relationships" xmlns:p14="http://schemas.microsoft.com/office/powerpoint/2010/main" xmlns:p15="http://schemas.microsoft.com/office/powerpoint/2012/main" xmlns:mc="http://schemas.openxmlformats.org/markup-compatibility/2006" type="blank" preserve="1">
+<p:sldLayout xmlns:a="http://schemas.openxmlformats.org/drawingml/2006/main" xmlns:r="http://schemas.openxmlformats.org/officeDocument/2006/relationships" xmlns:p="http://schemas.openxmlformats.org/presentationml/2006/main" type="blank" preserve="1">
   <p:cSld name="SECTION_TITLE_AND_DESCRIPTION_1_1_1">
     <p:spTree>
       <p:nvGrpSpPr>
@@ -162,520 +645,21 @@
       </p:grpSpPr>
     </p:spTree>
   </p:cSld>
+  <p:clrMapOvr>
+    <a:masterClrMapping/>
+  </p:clrMapOvr>
 </p:sldLayout>
 </file>
 
 <file path=ppt/slideMasters/slideMaster1.xml><?xml version="1.0" encoding="utf-8"?>
-<p:sldMaster xmlns:a="http://schemas.openxmlformats.org/drawingml/2006/main" xmlns:p="http://schemas.openxmlformats.org/presentationml/2006/main" xmlns:r="http://schemas.openxmlformats.org/officeDocument/2006/relationships" xmlns:p14="http://schemas.microsoft.com/office/powerpoint/2010/main" xmlns:p15="http://schemas.microsoft.com/office/powerpoint/2012/main" xmlns:mc="http://schemas.openxmlformats.org/markup-compatibility/2006">
-  <p:cSld>
-    <p:spTree>
-      <p:nvGrpSpPr>
-        <p:cNvPr id="1" name=""/>
-        <p:cNvGrpSpPr/>
-        <p:nvPr/>
-      </p:nvGrpSpPr>
-      <p:grpSpPr>
-        <a:xfrm>
-          <a:off x="0" y="0"/>
-          <a:ext cx="0" cy="0"/>
-          <a:chOff x="0" y="0"/>
-          <a:chExt cx="0" cy="0"/>
-        </a:xfrm>
-      </p:grpSpPr>
-      <p:sp>
-        <p:nvSpPr>
-          <p:cNvPr id="0" name="PlaceHolder 1"/>
-          <p:cNvSpPr>
-            <a:spLocks noGrp="1"/>
-          </p:cNvSpPr>
-          <p:nvPr>
-            <p:ph type="title"/>
-          </p:nvPr>
-        </p:nvSpPr>
-        <p:spPr>
-          <a:xfrm>
-            <a:off x="504000" y="226080"/>
-            <a:ext cx="9071640" cy="946440"/>
-          </a:xfrm>
-          <a:prstGeom prst="rect">
-            <a:avLst/>
-          </a:prstGeom>
-          <a:noFill/>
-          <a:ln w="0">
-            <a:noFill/>
-          </a:ln>
-        </p:spPr>
-        <p:txBody>
-          <a:bodyPr lIns="0" rIns="0" tIns="0" bIns="0" anchor="ctr">
-            <a:noAutofit/>
-          </a:bodyPr>
-          <a:p>
-            <a:pPr indent="0" algn="ctr">
-              <a:buNone/>
-            </a:pPr>
-            <a:r>
-              <a:rPr b="0" lang="ru-RU" sz="4400" strike="noStrike" u="none">
-                <a:solidFill>
-                  <a:srgbClr val="000000"/>
-                </a:solidFill>
-                <a:uFillTx/>
-                <a:latin typeface="Arial"/>
-              </a:rPr>
-              <a:t>Для правки текста заглавия щёлкните мышью</a:t>
-            </a:r>
-            <a:endParaRPr b="0" lang="ru-RU" sz="4400" strike="noStrike" u="none">
-              <a:solidFill>
-                <a:srgbClr val="000000"/>
-              </a:solidFill>
-              <a:uFillTx/>
-              <a:latin typeface="Arial"/>
-            </a:endParaRPr>
-          </a:p>
-        </p:txBody>
-      </p:sp>
-      <p:sp>
-        <p:nvSpPr>
-          <p:cNvPr id="1" name="PlaceHolder 2"/>
-          <p:cNvSpPr>
-            <a:spLocks noGrp="1"/>
-          </p:cNvSpPr>
-          <p:nvPr>
-            <p:ph type="body"/>
-          </p:nvPr>
-        </p:nvSpPr>
-        <p:spPr>
-          <a:xfrm>
-            <a:off x="504000" y="1326600"/>
-            <a:ext cx="9071640" cy="3288240"/>
-          </a:xfrm>
-          <a:prstGeom prst="rect">
-            <a:avLst/>
-          </a:prstGeom>
-          <a:noFill/>
-          <a:ln w="0">
-            <a:noFill/>
-          </a:ln>
-        </p:spPr>
-        <p:txBody>
-          <a:bodyPr lIns="0" rIns="0" tIns="0" bIns="0" anchor="t">
-            <a:normAutofit/>
-          </a:bodyPr>
-          <a:p>
-            <a:pPr marL="432000" indent="-324000">
-              <a:spcBef>
-                <a:spcPts val="1417"/>
-              </a:spcBef>
-              <a:buClr>
-                <a:srgbClr val="000000"/>
-              </a:buClr>
-              <a:buSzPct val="45000"/>
-              <a:buFont typeface="Wingdings" charset="2"/>
-              <a:buChar char=""/>
-            </a:pPr>
-            <a:r>
-              <a:rPr b="0" lang="ru-RU" sz="3200" strike="noStrike" u="none">
-                <a:solidFill>
-                  <a:srgbClr val="000000"/>
-                </a:solidFill>
-                <a:uFillTx/>
-                <a:latin typeface="Arial"/>
-              </a:rPr>
-              <a:t>Для правки структуры щёлкните мышью</a:t>
-            </a:r>
-            <a:endParaRPr b="0" lang="ru-RU" sz="3200" strike="noStrike" u="none">
-              <a:solidFill>
-                <a:srgbClr val="000000"/>
-              </a:solidFill>
-              <a:uFillTx/>
-              <a:latin typeface="Arial"/>
-            </a:endParaRPr>
-          </a:p>
-          <a:p>
-            <a:pPr lvl="1" marL="864000" indent="-324000">
-              <a:spcBef>
-                <a:spcPts val="1134"/>
-              </a:spcBef>
-              <a:buClr>
-                <a:srgbClr val="000000"/>
-              </a:buClr>
-              <a:buSzPct val="75000"/>
-              <a:buFont typeface="Symbol" charset="2"/>
-              <a:buChar char=""/>
-            </a:pPr>
-            <a:r>
-              <a:rPr b="0" lang="ru-RU" sz="2800" strike="noStrike" u="none">
-                <a:solidFill>
-                  <a:srgbClr val="000000"/>
-                </a:solidFill>
-                <a:uFillTx/>
-                <a:latin typeface="Arial"/>
-              </a:rPr>
-              <a:t>Второй уровень структуры</a:t>
-            </a:r>
-            <a:endParaRPr b="0" lang="ru-RU" sz="2800" strike="noStrike" u="none">
-              <a:solidFill>
-                <a:srgbClr val="000000"/>
-              </a:solidFill>
-              <a:uFillTx/>
-              <a:latin typeface="Arial"/>
-            </a:endParaRPr>
-          </a:p>
-          <a:p>
-            <a:pPr lvl="2" marL="1296000" indent="-288000">
-              <a:spcBef>
-                <a:spcPts val="850"/>
-              </a:spcBef>
-              <a:buClr>
-                <a:srgbClr val="000000"/>
-              </a:buClr>
-              <a:buSzPct val="45000"/>
-              <a:buFont typeface="Wingdings" charset="2"/>
-              <a:buChar char=""/>
-            </a:pPr>
-            <a:r>
-              <a:rPr b="0" lang="ru-RU" sz="2400" strike="noStrike" u="none">
-                <a:solidFill>
-                  <a:srgbClr val="000000"/>
-                </a:solidFill>
-                <a:uFillTx/>
-                <a:latin typeface="Arial"/>
-              </a:rPr>
-              <a:t>Третий уровень структуры</a:t>
-            </a:r>
-            <a:endParaRPr b="0" lang="ru-RU" sz="2400" strike="noStrike" u="none">
-              <a:solidFill>
-                <a:srgbClr val="000000"/>
-              </a:solidFill>
-              <a:uFillTx/>
-              <a:latin typeface="Arial"/>
-            </a:endParaRPr>
-          </a:p>
-          <a:p>
-            <a:pPr lvl="3" marL="1728000" indent="-216000">
-              <a:spcBef>
-                <a:spcPts val="567"/>
-              </a:spcBef>
-              <a:buClr>
-                <a:srgbClr val="000000"/>
-              </a:buClr>
-              <a:buSzPct val="75000"/>
-              <a:buFont typeface="Symbol" charset="2"/>
-              <a:buChar char=""/>
-            </a:pPr>
-            <a:r>
-              <a:rPr b="0" lang="ru-RU" sz="2000" strike="noStrike" u="none">
-                <a:solidFill>
-                  <a:srgbClr val="000000"/>
-                </a:solidFill>
-                <a:uFillTx/>
-                <a:latin typeface="Arial"/>
-              </a:rPr>
-              <a:t>Четвёртый уровень структуры</a:t>
-            </a:r>
-            <a:endParaRPr b="0" lang="ru-RU" sz="2000" strike="noStrike" u="none">
-              <a:solidFill>
-                <a:srgbClr val="000000"/>
-              </a:solidFill>
-              <a:uFillTx/>
-              <a:latin typeface="Arial"/>
-            </a:endParaRPr>
-          </a:p>
-          <a:p>
-            <a:pPr lvl="4" marL="2160000" indent="-216000">
-              <a:spcBef>
-                <a:spcPts val="283"/>
-              </a:spcBef>
-              <a:buClr>
-                <a:srgbClr val="000000"/>
-              </a:buClr>
-              <a:buSzPct val="45000"/>
-              <a:buFont typeface="Wingdings" charset="2"/>
-              <a:buChar char=""/>
-            </a:pPr>
-            <a:r>
-              <a:rPr b="0" lang="ru-RU" sz="2000" strike="noStrike" u="none">
-                <a:solidFill>
-                  <a:srgbClr val="000000"/>
-                </a:solidFill>
-                <a:uFillTx/>
-                <a:latin typeface="Arial"/>
-              </a:rPr>
-              <a:t>Пятый уровень структуры</a:t>
-            </a:r>
-            <a:endParaRPr b="0" lang="ru-RU" sz="2000" strike="noStrike" u="none">
-              <a:solidFill>
-                <a:srgbClr val="000000"/>
-              </a:solidFill>
-              <a:uFillTx/>
-              <a:latin typeface="Arial"/>
-            </a:endParaRPr>
-          </a:p>
-          <a:p>
-            <a:pPr lvl="5" marL="2592000" indent="-216000">
-              <a:spcBef>
-                <a:spcPts val="283"/>
-              </a:spcBef>
-              <a:buClr>
-                <a:srgbClr val="000000"/>
-              </a:buClr>
-              <a:buSzPct val="45000"/>
-              <a:buFont typeface="Wingdings" charset="2"/>
-              <a:buChar char=""/>
-            </a:pPr>
-            <a:r>
-              <a:rPr b="0" lang="ru-RU" sz="2000" strike="noStrike" u="none">
-                <a:solidFill>
-                  <a:srgbClr val="000000"/>
-                </a:solidFill>
-                <a:uFillTx/>
-                <a:latin typeface="Arial"/>
-              </a:rPr>
-              <a:t>Шестой уровень структуры</a:t>
-            </a:r>
-            <a:endParaRPr b="0" lang="ru-RU" sz="2000" strike="noStrike" u="none">
-              <a:solidFill>
-                <a:srgbClr val="000000"/>
-              </a:solidFill>
-              <a:uFillTx/>
-              <a:latin typeface="Arial"/>
-            </a:endParaRPr>
-          </a:p>
-          <a:p>
-            <a:pPr lvl="6" marL="3024000" indent="-216000">
-              <a:spcBef>
-                <a:spcPts val="283"/>
-              </a:spcBef>
-              <a:buClr>
-                <a:srgbClr val="000000"/>
-              </a:buClr>
-              <a:buSzPct val="45000"/>
-              <a:buFont typeface="Wingdings" charset="2"/>
-              <a:buChar char=""/>
-            </a:pPr>
-            <a:r>
-              <a:rPr b="0" lang="ru-RU" sz="2000" strike="noStrike" u="none">
-                <a:solidFill>
-                  <a:srgbClr val="000000"/>
-                </a:solidFill>
-                <a:uFillTx/>
-                <a:latin typeface="Arial"/>
-              </a:rPr>
-              <a:t>Седьмой уровень структуры</a:t>
-            </a:r>
-            <a:endParaRPr b="0" lang="ru-RU" sz="2000" strike="noStrike" u="none">
-              <a:solidFill>
-                <a:srgbClr val="000000"/>
-              </a:solidFill>
-              <a:uFillTx/>
-              <a:latin typeface="Arial"/>
-            </a:endParaRPr>
-          </a:p>
-        </p:txBody>
-      </p:sp>
-      <p:sp>
-        <p:nvSpPr>
-          <p:cNvPr id="2" name="PlaceHolder 3"/>
-          <p:cNvSpPr>
-            <a:spLocks noGrp="1"/>
-          </p:cNvSpPr>
-          <p:nvPr>
-            <p:ph type="dt" idx="1"/>
-          </p:nvPr>
-        </p:nvSpPr>
-        <p:spPr>
-          <a:xfrm>
-            <a:off x="504000" y="5165280"/>
-            <a:ext cx="2348280" cy="390600"/>
-          </a:xfrm>
-          <a:prstGeom prst="rect">
-            <a:avLst/>
-          </a:prstGeom>
-          <a:noFill/>
-          <a:ln w="0">
-            <a:noFill/>
-          </a:ln>
-        </p:spPr>
-        <p:txBody>
-          <a:bodyPr lIns="0" rIns="0" tIns="0" bIns="0" anchor="t">
-            <a:noAutofit/>
-          </a:bodyPr>
-          <a:lstStyle>
-            <a:lvl1pPr indent="0">
-              <a:buNone/>
-              <a:defRPr b="0" lang="ru-RU" sz="1400" strike="noStrike" u="none">
-                <a:solidFill>
-                  <a:srgbClr val="000000"/>
-                </a:solidFill>
-                <a:uFillTx/>
-                <a:latin typeface="Times New Roman"/>
-              </a:defRPr>
-            </a:lvl1pPr>
-          </a:lstStyle>
-          <a:p>
-            <a:pPr indent="0">
-              <a:buNone/>
-            </a:pPr>
-            <a:r>
-              <a:rPr b="0" lang="ru-RU" sz="1400" strike="noStrike" u="none">
-                <a:solidFill>
-                  <a:srgbClr val="000000"/>
-                </a:solidFill>
-                <a:uFillTx/>
-                <a:latin typeface="Times New Roman"/>
-              </a:rPr>
-              <a:t>&lt;дата/время&gt;</a:t>
-            </a:r>
-            <a:endParaRPr b="0" lang="ru-RU" sz="1400" strike="noStrike" u="none">
-              <a:solidFill>
-                <a:srgbClr val="000000"/>
-              </a:solidFill>
-              <a:uFillTx/>
-              <a:latin typeface="Times New Roman"/>
-            </a:endParaRPr>
-          </a:p>
-        </p:txBody>
-      </p:sp>
-      <p:sp>
-        <p:nvSpPr>
-          <p:cNvPr id="3" name="PlaceHolder 4"/>
-          <p:cNvSpPr>
-            <a:spLocks noGrp="1"/>
-          </p:cNvSpPr>
-          <p:nvPr>
-            <p:ph type="ftr" idx="2"/>
-          </p:nvPr>
-        </p:nvSpPr>
-        <p:spPr>
-          <a:xfrm>
-            <a:off x="3447360" y="5165280"/>
-            <a:ext cx="3195000" cy="390600"/>
-          </a:xfrm>
-          <a:prstGeom prst="rect">
-            <a:avLst/>
-          </a:prstGeom>
-          <a:noFill/>
-          <a:ln w="0">
-            <a:noFill/>
-          </a:ln>
-        </p:spPr>
-        <p:txBody>
-          <a:bodyPr lIns="0" rIns="0" tIns="0" bIns="0" anchor="t">
-            <a:noAutofit/>
-          </a:bodyPr>
-          <a:lstStyle>
-            <a:lvl1pPr indent="0" algn="ctr">
-              <a:buNone/>
-              <a:defRPr b="0" lang="ru-RU" sz="1400" strike="noStrike" u="none">
-                <a:solidFill>
-                  <a:srgbClr val="000000"/>
-                </a:solidFill>
-                <a:uFillTx/>
-                <a:latin typeface="Times New Roman"/>
-              </a:defRPr>
-            </a:lvl1pPr>
-          </a:lstStyle>
-          <a:p>
-            <a:pPr indent="0" algn="ctr">
-              <a:buNone/>
-            </a:pPr>
-            <a:r>
-              <a:rPr b="0" lang="ru-RU" sz="1400" strike="noStrike" u="none">
-                <a:solidFill>
-                  <a:srgbClr val="000000"/>
-                </a:solidFill>
-                <a:uFillTx/>
-                <a:latin typeface="Times New Roman"/>
-              </a:rPr>
-              <a:t>&lt;нижний колонтитул&gt;</a:t>
-            </a:r>
-            <a:endParaRPr b="0" lang="ru-RU" sz="1400" strike="noStrike" u="none">
-              <a:solidFill>
-                <a:srgbClr val="000000"/>
-              </a:solidFill>
-              <a:uFillTx/>
-              <a:latin typeface="Times New Roman"/>
-            </a:endParaRPr>
-          </a:p>
-        </p:txBody>
-      </p:sp>
-      <p:sp>
-        <p:nvSpPr>
-          <p:cNvPr id="4" name="PlaceHolder 5"/>
-          <p:cNvSpPr>
-            <a:spLocks noGrp="1"/>
-          </p:cNvSpPr>
-          <p:nvPr>
-            <p:ph type="sldNum" idx="3"/>
-          </p:nvPr>
-        </p:nvSpPr>
-        <p:spPr>
-          <a:xfrm>
-            <a:off x="7227360" y="5165280"/>
-            <a:ext cx="2348280" cy="390600"/>
-          </a:xfrm>
-          <a:prstGeom prst="rect">
-            <a:avLst/>
-          </a:prstGeom>
-          <a:noFill/>
-          <a:ln w="0">
-            <a:noFill/>
-          </a:ln>
-        </p:spPr>
-        <p:txBody>
-          <a:bodyPr lIns="0" rIns="0" tIns="0" bIns="0" anchor="t">
-            <a:noAutofit/>
-          </a:bodyPr>
-          <a:lstStyle>
-            <a:lvl1pPr indent="0" algn="r">
-              <a:buNone/>
-              <a:defRPr b="0" lang="ru-RU" sz="1400" strike="noStrike" u="none">
-                <a:solidFill>
-                  <a:srgbClr val="000000"/>
-                </a:solidFill>
-                <a:uFillTx/>
-                <a:latin typeface="Times New Roman"/>
-              </a:defRPr>
-            </a:lvl1pPr>
-          </a:lstStyle>
-          <a:p>
-            <a:pPr indent="0" algn="r">
-              <a:buNone/>
-            </a:pPr>
-            <a:fld id="{A5D05E1B-2F0C-4469-A17A-FF4D9069FF2F}" type="slidenum">
-              <a:rPr b="0" lang="ru-RU" sz="1400" strike="noStrike" u="none">
-                <a:solidFill>
-                  <a:srgbClr val="000000"/>
-                </a:solidFill>
-                <a:uFillTx/>
-                <a:latin typeface="Times New Roman"/>
-              </a:rPr>
-              <a:t>&lt;номер&gt;</a:t>
-            </a:fld>
-            <a:endParaRPr b="0" lang="ru-RU" sz="1400" strike="noStrike" u="none">
-              <a:solidFill>
-                <a:srgbClr val="000000"/>
-              </a:solidFill>
-              <a:uFillTx/>
-              <a:latin typeface="Times New Roman"/>
-            </a:endParaRPr>
-          </a:p>
-        </p:txBody>
-      </p:sp>
-    </p:spTree>
-  </p:cSld>
-  <p:clrMap bg1="lt1" tx1="dk1" bg2="lt2" tx2="dk2" accent1="accent1" accent2="accent2" accent3="accent3" accent4="accent4" accent5="accent5" accent6="accent6" hlink="hlink" folHlink="folHlink"/>
-  <p:sldLayoutIdLst/>
-</p:sldMaster>
-</file>
-
-<file path=ppt/slideMasters/slideMaster2.xml><?xml version="1.0" encoding="utf-8"?>
-<p:sldMaster xmlns:a="http://schemas.openxmlformats.org/drawingml/2006/main" xmlns:p="http://schemas.openxmlformats.org/presentationml/2006/main" xmlns:r="http://schemas.openxmlformats.org/officeDocument/2006/relationships" xmlns:p14="http://schemas.microsoft.com/office/powerpoint/2010/main" xmlns:p15="http://schemas.microsoft.com/office/powerpoint/2012/main" xmlns:mc="http://schemas.openxmlformats.org/markup-compatibility/2006">
+<p:sldMaster xmlns:a="http://schemas.openxmlformats.org/drawingml/2006/main" xmlns:r="http://schemas.openxmlformats.org/officeDocument/2006/relationships" xmlns:p="http://schemas.openxmlformats.org/presentationml/2006/main">
   <p:cSld>
     <p:bg>
       <p:bgPr>
         <a:solidFill>
           <a:schemeClr val="lt2"/>
         </a:solidFill>
+        <a:effectLst/>
       </p:bgPr>
     </p:bg>
     <p:spTree>
@@ -694,15 +678,15 @@
       </p:grpSpPr>
       <p:pic>
         <p:nvPicPr>
-          <p:cNvPr id="5" name="Google Shape;9;p2" descr=""/>
+          <p:cNvPr id="5" name="Google Shape;9;p2"/>
           <p:cNvPicPr/>
           <p:nvPr/>
         </p:nvPicPr>
         <p:blipFill>
-          <a:blip r:embed="rId2">
+          <a:blip r:embed="rId3">
             <a:alphaModFix amt="28000"/>
           </a:blip>
-          <a:srcRect l="0" t="3044" r="0" b="39505"/>
+          <a:srcRect t="3044" b="39505"/>
           <a:stretch/>
         </p:blipFill>
         <p:spPr>
@@ -721,13 +705,13 @@
       </p:pic>
       <p:pic>
         <p:nvPicPr>
-          <p:cNvPr id="6" name="Google Shape;10;p2" descr=""/>
+          <p:cNvPr id="6" name="Google Shape;10;p2"/>
           <p:cNvPicPr/>
           <p:nvPr/>
         </p:nvPicPr>
         <p:blipFill>
-          <a:blip r:embed="rId3"/>
-          <a:srcRect l="0" t="0" r="0" b="61087"/>
+          <a:blip r:embed="rId4"/>
+          <a:srcRect b="61087"/>
           <a:stretch/>
         </p:blipFill>
         <p:spPr>
@@ -746,13 +730,13 @@
       </p:pic>
       <p:pic>
         <p:nvPicPr>
-          <p:cNvPr id="7" name="Google Shape;11;p2" descr=""/>
+          <p:cNvPr id="7" name="Google Shape;11;p2"/>
           <p:cNvPicPr/>
           <p:nvPr/>
         </p:nvPicPr>
         <p:blipFill>
-          <a:blip r:embed="rId4"/>
-          <a:srcRect l="0" t="0" r="1544" b="6837"/>
+          <a:blip r:embed="rId5"/>
+          <a:srcRect r="1544" b="6837"/>
           <a:stretch/>
         </p:blipFill>
         <p:spPr>
@@ -771,12 +755,12 @@
       </p:pic>
       <p:pic>
         <p:nvPicPr>
-          <p:cNvPr id="8" name="Google Shape;12;p2" descr=""/>
+          <p:cNvPr id="8" name="Google Shape;12;p2"/>
           <p:cNvPicPr/>
           <p:nvPr/>
         </p:nvPicPr>
         <p:blipFill>
-          <a:blip r:embed="rId5"/>
+          <a:blip r:embed="rId6"/>
           <a:stretch/>
         </p:blipFill>
         <p:spPr>
@@ -792,7 +776,7 @@
             <a:noFill/>
           </a:ln>
           <a:effectLst>
-            <a:outerShdw algn="bl" blurRad="57240" dir="3305850" dist="18875" rotWithShape="0">
+            <a:outerShdw blurRad="57240" dist="18875" dir="3305850" algn="bl" rotWithShape="0">
               <a:srgbClr val="000000">
                 <a:alpha val="34000"/>
               </a:srgbClr>
@@ -824,15 +808,16 @@
           </a:ln>
         </p:spPr>
         <p:txBody>
-          <a:bodyPr lIns="91440" rIns="91440" tIns="91440" bIns="91440" anchor="b">
+          <a:bodyPr lIns="91440" tIns="91440" rIns="91440" bIns="91440" anchor="b">
             <a:noAutofit/>
           </a:bodyPr>
+          <a:lstStyle/>
           <a:p>
             <a:pPr indent="0">
               <a:buNone/>
             </a:pPr>
             <a:r>
-              <a:rPr b="0" lang="ru-RU" sz="6000" strike="noStrike" u="none">
+              <a:rPr lang="ru-RU" sz="6000" b="0" u="none" strike="noStrike">
                 <a:solidFill>
                   <a:srgbClr val="000000"/>
                 </a:solidFill>
@@ -841,13 +826,6 @@
               </a:rPr>
               <a:t>Для правки текста заглавия щёлкните мышью</a:t>
             </a:r>
-            <a:endParaRPr b="0" lang="ru-RU" sz="6000" strike="noStrike" u="none">
-              <a:solidFill>
-                <a:srgbClr val="000000"/>
-              </a:solidFill>
-              <a:uFillTx/>
-              <a:latin typeface="Arial"/>
-            </a:endParaRPr>
           </a:p>
         </p:txBody>
       </p:sp>
@@ -875,9 +853,10 @@
           </a:ln>
         </p:spPr>
         <p:txBody>
-          <a:bodyPr lIns="0" rIns="0" tIns="0" bIns="0" anchor="t">
+          <a:bodyPr lIns="0" tIns="0" rIns="0" bIns="0" anchor="t">
             <a:normAutofit/>
           </a:bodyPr>
+          <a:lstStyle/>
           <a:p>
             <a:pPr marL="432000" indent="-324000">
               <a:spcBef>
@@ -891,7 +870,7 @@
               <a:buChar char=""/>
             </a:pPr>
             <a:r>
-              <a:rPr b="0" lang="ru-RU" sz="1540" strike="noStrike" u="none">
+              <a:rPr lang="ru-RU" sz="1540" b="0" u="none" strike="noStrike">
                 <a:solidFill>
                   <a:srgbClr val="000000"/>
                 </a:solidFill>
@@ -900,16 +879,9 @@
               </a:rPr>
               <a:t>Для правки структуры щёлкните мышью</a:t>
             </a:r>
-            <a:endParaRPr b="0" lang="ru-RU" sz="1540" strike="noStrike" u="none">
-              <a:solidFill>
-                <a:srgbClr val="000000"/>
-              </a:solidFill>
-              <a:uFillTx/>
-              <a:latin typeface="Arial"/>
-            </a:endParaRPr>
           </a:p>
           <a:p>
-            <a:pPr lvl="1" marL="864000" indent="-324000">
+            <a:pPr marL="864000" lvl="1" indent="-324000">
               <a:spcBef>
                 <a:spcPts val="1247"/>
               </a:spcBef>
@@ -921,7 +893,7 @@
               <a:buChar char=""/>
             </a:pPr>
             <a:r>
-              <a:rPr b="0" lang="ru-RU" sz="1540" strike="noStrike" u="none">
+              <a:rPr lang="ru-RU" sz="1540" b="0" u="none" strike="noStrike">
                 <a:solidFill>
                   <a:srgbClr val="000000"/>
                 </a:solidFill>
@@ -930,16 +902,9 @@
               </a:rPr>
               <a:t>Второй уровень структуры</a:t>
             </a:r>
-            <a:endParaRPr b="0" lang="ru-RU" sz="1540" strike="noStrike" u="none">
-              <a:solidFill>
-                <a:srgbClr val="000000"/>
-              </a:solidFill>
-              <a:uFillTx/>
-              <a:latin typeface="Arial"/>
-            </a:endParaRPr>
           </a:p>
           <a:p>
-            <a:pPr lvl="2" marL="1296000" indent="-288000">
+            <a:pPr marL="1296000" lvl="2" indent="-288000">
               <a:spcBef>
                 <a:spcPts val="935"/>
               </a:spcBef>
@@ -951,7 +916,7 @@
               <a:buChar char=""/>
             </a:pPr>
             <a:r>
-              <a:rPr b="0" lang="ru-RU" sz="1540" strike="noStrike" u="none">
+              <a:rPr lang="ru-RU" sz="1540" b="0" u="none" strike="noStrike">
                 <a:solidFill>
                   <a:srgbClr val="000000"/>
                 </a:solidFill>
@@ -960,16 +925,9 @@
               </a:rPr>
               <a:t>Третий уровень структуры</a:t>
             </a:r>
-            <a:endParaRPr b="0" lang="ru-RU" sz="1540" strike="noStrike" u="none">
-              <a:solidFill>
-                <a:srgbClr val="000000"/>
-              </a:solidFill>
-              <a:uFillTx/>
-              <a:latin typeface="Arial"/>
-            </a:endParaRPr>
           </a:p>
           <a:p>
-            <a:pPr lvl="3" marL="1728000" indent="-216000">
+            <a:pPr marL="1728000" lvl="3" indent="-216000">
               <a:spcBef>
                 <a:spcPts val="624"/>
               </a:spcBef>
@@ -981,7 +939,7 @@
               <a:buChar char=""/>
             </a:pPr>
             <a:r>
-              <a:rPr b="0" lang="ru-RU" sz="1540" strike="noStrike" u="none">
+              <a:rPr lang="ru-RU" sz="1540" b="0" u="none" strike="noStrike">
                 <a:solidFill>
                   <a:srgbClr val="000000"/>
                 </a:solidFill>
@@ -990,16 +948,9 @@
               </a:rPr>
               <a:t>Четвёртый уровень структуры</a:t>
             </a:r>
-            <a:endParaRPr b="0" lang="ru-RU" sz="1540" strike="noStrike" u="none">
-              <a:solidFill>
-                <a:srgbClr val="000000"/>
-              </a:solidFill>
-              <a:uFillTx/>
-              <a:latin typeface="Arial"/>
-            </a:endParaRPr>
           </a:p>
           <a:p>
-            <a:pPr lvl="4" marL="2160000" indent="-216000">
+            <a:pPr marL="2160000" lvl="4" indent="-216000">
               <a:spcBef>
                 <a:spcPts val="312"/>
               </a:spcBef>
@@ -1011,7 +962,7 @@
               <a:buChar char=""/>
             </a:pPr>
             <a:r>
-              <a:rPr b="0" lang="ru-RU" sz="2210" strike="noStrike" u="none">
+              <a:rPr lang="ru-RU" sz="2210" b="0" u="none" strike="noStrike">
                 <a:solidFill>
                   <a:srgbClr val="000000"/>
                 </a:solidFill>
@@ -1020,16 +971,9 @@
               </a:rPr>
               <a:t>Пятый уровень структуры</a:t>
             </a:r>
-            <a:endParaRPr b="0" lang="ru-RU" sz="2210" strike="noStrike" u="none">
-              <a:solidFill>
-                <a:srgbClr val="000000"/>
-              </a:solidFill>
-              <a:uFillTx/>
-              <a:latin typeface="Arial"/>
-            </a:endParaRPr>
           </a:p>
           <a:p>
-            <a:pPr lvl="5" marL="2592000" indent="-216000">
+            <a:pPr marL="2592000" lvl="5" indent="-216000">
               <a:spcBef>
                 <a:spcPts val="312"/>
               </a:spcBef>
@@ -1041,7 +985,7 @@
               <a:buChar char=""/>
             </a:pPr>
             <a:r>
-              <a:rPr b="0" lang="ru-RU" sz="2210" strike="noStrike" u="none">
+              <a:rPr lang="ru-RU" sz="2210" b="0" u="none" strike="noStrike">
                 <a:solidFill>
                   <a:srgbClr val="000000"/>
                 </a:solidFill>
@@ -1050,16 +994,9 @@
               </a:rPr>
               <a:t>Шестой уровень структуры</a:t>
             </a:r>
-            <a:endParaRPr b="0" lang="ru-RU" sz="2210" strike="noStrike" u="none">
-              <a:solidFill>
-                <a:srgbClr val="000000"/>
-              </a:solidFill>
-              <a:uFillTx/>
-              <a:latin typeface="Arial"/>
-            </a:endParaRPr>
           </a:p>
           <a:p>
-            <a:pPr lvl="6" marL="3024000" indent="-216000">
+            <a:pPr marL="3024000" lvl="6" indent="-216000">
               <a:spcBef>
                 <a:spcPts val="312"/>
               </a:spcBef>
@@ -1071,7 +1008,7 @@
               <a:buChar char=""/>
             </a:pPr>
             <a:r>
-              <a:rPr b="0" lang="ru-RU" sz="2210" strike="noStrike" u="none">
+              <a:rPr lang="ru-RU" sz="2210" b="0" u="none" strike="noStrike">
                 <a:solidFill>
                   <a:srgbClr val="000000"/>
                 </a:solidFill>
@@ -1080,13 +1017,6 @@
               </a:rPr>
               <a:t>Седьмой уровень структуры</a:t>
             </a:r>
-            <a:endParaRPr b="0" lang="ru-RU" sz="2210" strike="noStrike" u="none">
-              <a:solidFill>
-                <a:srgbClr val="000000"/>
-              </a:solidFill>
-              <a:uFillTx/>
-              <a:latin typeface="Arial"/>
-            </a:endParaRPr>
           </a:p>
         </p:txBody>
       </p:sp>
@@ -1094,19 +1024,300 @@
   </p:cSld>
   <p:clrMap bg1="lt1" tx1="dk1" bg2="lt2" tx2="dk2" accent1="accent1" accent2="accent2" accent3="accent3" accent4="accent4" accent5="accent5" accent6="accent6" hlink="hlink" folHlink="folHlink"/>
   <p:sldLayoutIdLst>
-    <p:sldLayoutId id="2147483650" r:id="rId6"/>
+    <p:sldLayoutId id="2147483650" r:id="rId1"/>
   </p:sldLayoutIdLst>
+  <p:txStyles>
+    <p:titleStyle>
+      <a:lvl1pPr algn="l" defTabSz="914400" rtl="0" eaLnBrk="1" latinLnBrk="0" hangingPunct="1">
+        <a:lnSpc>
+          <a:spcPct val="90000"/>
+        </a:lnSpc>
+        <a:spcBef>
+          <a:spcPct val="0"/>
+        </a:spcBef>
+        <a:buNone/>
+        <a:defRPr sz="4400" kern="1200">
+          <a:solidFill>
+            <a:schemeClr val="tx1"/>
+          </a:solidFill>
+          <a:latin typeface="+mj-lt"/>
+          <a:ea typeface="+mj-ea"/>
+          <a:cs typeface="+mj-cs"/>
+        </a:defRPr>
+      </a:lvl1pPr>
+    </p:titleStyle>
+    <p:bodyStyle>
+      <a:lvl1pPr marL="228600" indent="-228600" algn="l" defTabSz="914400" rtl="0" eaLnBrk="1" latinLnBrk="0" hangingPunct="1">
+        <a:lnSpc>
+          <a:spcPct val="90000"/>
+        </a:lnSpc>
+        <a:spcBef>
+          <a:spcPts val="1000"/>
+        </a:spcBef>
+        <a:buFont typeface="Arial" panose="020B0604020202020204" pitchFamily="34" charset="0"/>
+        <a:buChar char="•"/>
+        <a:defRPr sz="2800" kern="1200">
+          <a:solidFill>
+            <a:schemeClr val="tx1"/>
+          </a:solidFill>
+          <a:latin typeface="+mn-lt"/>
+          <a:ea typeface="+mn-ea"/>
+          <a:cs typeface="+mn-cs"/>
+        </a:defRPr>
+      </a:lvl1pPr>
+      <a:lvl2pPr marL="685800" indent="-228600" algn="l" defTabSz="914400" rtl="0" eaLnBrk="1" latinLnBrk="0" hangingPunct="1">
+        <a:lnSpc>
+          <a:spcPct val="90000"/>
+        </a:lnSpc>
+        <a:spcBef>
+          <a:spcPts val="500"/>
+        </a:spcBef>
+        <a:buFont typeface="Arial" panose="020B0604020202020204" pitchFamily="34" charset="0"/>
+        <a:buChar char="•"/>
+        <a:defRPr sz="2400" kern="1200">
+          <a:solidFill>
+            <a:schemeClr val="tx1"/>
+          </a:solidFill>
+          <a:latin typeface="+mn-lt"/>
+          <a:ea typeface="+mn-ea"/>
+          <a:cs typeface="+mn-cs"/>
+        </a:defRPr>
+      </a:lvl2pPr>
+      <a:lvl3pPr marL="1143000" indent="-228600" algn="l" defTabSz="914400" rtl="0" eaLnBrk="1" latinLnBrk="0" hangingPunct="1">
+        <a:lnSpc>
+          <a:spcPct val="90000"/>
+        </a:lnSpc>
+        <a:spcBef>
+          <a:spcPts val="500"/>
+        </a:spcBef>
+        <a:buFont typeface="Arial" panose="020B0604020202020204" pitchFamily="34" charset="0"/>
+        <a:buChar char="•"/>
+        <a:defRPr sz="2000" kern="1200">
+          <a:solidFill>
+            <a:schemeClr val="tx1"/>
+          </a:solidFill>
+          <a:latin typeface="+mn-lt"/>
+          <a:ea typeface="+mn-ea"/>
+          <a:cs typeface="+mn-cs"/>
+        </a:defRPr>
+      </a:lvl3pPr>
+      <a:lvl4pPr marL="1600200" indent="-228600" algn="l" defTabSz="914400" rtl="0" eaLnBrk="1" latinLnBrk="0" hangingPunct="1">
+        <a:lnSpc>
+          <a:spcPct val="90000"/>
+        </a:lnSpc>
+        <a:spcBef>
+          <a:spcPts val="500"/>
+        </a:spcBef>
+        <a:buFont typeface="Arial" panose="020B0604020202020204" pitchFamily="34" charset="0"/>
+        <a:buChar char="•"/>
+        <a:defRPr sz="1800" kern="1200">
+          <a:solidFill>
+            <a:schemeClr val="tx1"/>
+          </a:solidFill>
+          <a:latin typeface="+mn-lt"/>
+          <a:ea typeface="+mn-ea"/>
+          <a:cs typeface="+mn-cs"/>
+        </a:defRPr>
+      </a:lvl4pPr>
+      <a:lvl5pPr marL="2057400" indent="-228600" algn="l" defTabSz="914400" rtl="0" eaLnBrk="1" latinLnBrk="0" hangingPunct="1">
+        <a:lnSpc>
+          <a:spcPct val="90000"/>
+        </a:lnSpc>
+        <a:spcBef>
+          <a:spcPts val="500"/>
+        </a:spcBef>
+        <a:buFont typeface="Arial" panose="020B0604020202020204" pitchFamily="34" charset="0"/>
+        <a:buChar char="•"/>
+        <a:defRPr sz="1800" kern="1200">
+          <a:solidFill>
+            <a:schemeClr val="tx1"/>
+          </a:solidFill>
+          <a:latin typeface="+mn-lt"/>
+          <a:ea typeface="+mn-ea"/>
+          <a:cs typeface="+mn-cs"/>
+        </a:defRPr>
+      </a:lvl5pPr>
+      <a:lvl6pPr marL="2514600" indent="-228600" algn="l" defTabSz="914400" rtl="0" eaLnBrk="1" latinLnBrk="0" hangingPunct="1">
+        <a:lnSpc>
+          <a:spcPct val="90000"/>
+        </a:lnSpc>
+        <a:spcBef>
+          <a:spcPts val="500"/>
+        </a:spcBef>
+        <a:buFont typeface="Arial" panose="020B0604020202020204" pitchFamily="34" charset="0"/>
+        <a:buChar char="•"/>
+        <a:defRPr sz="1800" kern="1200">
+          <a:solidFill>
+            <a:schemeClr val="tx1"/>
+          </a:solidFill>
+          <a:latin typeface="+mn-lt"/>
+          <a:ea typeface="+mn-ea"/>
+          <a:cs typeface="+mn-cs"/>
+        </a:defRPr>
+      </a:lvl6pPr>
+      <a:lvl7pPr marL="2971800" indent="-228600" algn="l" defTabSz="914400" rtl="0" eaLnBrk="1" latinLnBrk="0" hangingPunct="1">
+        <a:lnSpc>
+          <a:spcPct val="90000"/>
+        </a:lnSpc>
+        <a:spcBef>
+          <a:spcPts val="500"/>
+        </a:spcBef>
+        <a:buFont typeface="Arial" panose="020B0604020202020204" pitchFamily="34" charset="0"/>
+        <a:buChar char="•"/>
+        <a:defRPr sz="1800" kern="1200">
+          <a:solidFill>
+            <a:schemeClr val="tx1"/>
+          </a:solidFill>
+          <a:latin typeface="+mn-lt"/>
+          <a:ea typeface="+mn-ea"/>
+          <a:cs typeface="+mn-cs"/>
+        </a:defRPr>
+      </a:lvl7pPr>
+      <a:lvl8pPr marL="3429000" indent="-228600" algn="l" defTabSz="914400" rtl="0" eaLnBrk="1" latinLnBrk="0" hangingPunct="1">
+        <a:lnSpc>
+          <a:spcPct val="90000"/>
+        </a:lnSpc>
+        <a:spcBef>
+          <a:spcPts val="500"/>
+        </a:spcBef>
+        <a:buFont typeface="Arial" panose="020B0604020202020204" pitchFamily="34" charset="0"/>
+        <a:buChar char="•"/>
+        <a:defRPr sz="1800" kern="1200">
+          <a:solidFill>
+            <a:schemeClr val="tx1"/>
+          </a:solidFill>
+          <a:latin typeface="+mn-lt"/>
+          <a:ea typeface="+mn-ea"/>
+          <a:cs typeface="+mn-cs"/>
+        </a:defRPr>
+      </a:lvl8pPr>
+      <a:lvl9pPr marL="3886200" indent="-228600" algn="l" defTabSz="914400" rtl="0" eaLnBrk="1" latinLnBrk="0" hangingPunct="1">
+        <a:lnSpc>
+          <a:spcPct val="90000"/>
+        </a:lnSpc>
+        <a:spcBef>
+          <a:spcPts val="500"/>
+        </a:spcBef>
+        <a:buFont typeface="Arial" panose="020B0604020202020204" pitchFamily="34" charset="0"/>
+        <a:buChar char="•"/>
+        <a:defRPr sz="1800" kern="1200">
+          <a:solidFill>
+            <a:schemeClr val="tx1"/>
+          </a:solidFill>
+          <a:latin typeface="+mn-lt"/>
+          <a:ea typeface="+mn-ea"/>
+          <a:cs typeface="+mn-cs"/>
+        </a:defRPr>
+      </a:lvl9pPr>
+    </p:bodyStyle>
+    <p:otherStyle>
+      <a:defPPr>
+        <a:defRPr lang="ru-RU"/>
+      </a:defPPr>
+      <a:lvl1pPr marL="0" algn="l" defTabSz="914400" rtl="0" eaLnBrk="1" latinLnBrk="0" hangingPunct="1">
+        <a:defRPr sz="1800" kern="1200">
+          <a:solidFill>
+            <a:schemeClr val="tx1"/>
+          </a:solidFill>
+          <a:latin typeface="+mn-lt"/>
+          <a:ea typeface="+mn-ea"/>
+          <a:cs typeface="+mn-cs"/>
+        </a:defRPr>
+      </a:lvl1pPr>
+      <a:lvl2pPr marL="457200" algn="l" defTabSz="914400" rtl="0" eaLnBrk="1" latinLnBrk="0" hangingPunct="1">
+        <a:defRPr sz="1800" kern="1200">
+          <a:solidFill>
+            <a:schemeClr val="tx1"/>
+          </a:solidFill>
+          <a:latin typeface="+mn-lt"/>
+          <a:ea typeface="+mn-ea"/>
+          <a:cs typeface="+mn-cs"/>
+        </a:defRPr>
+      </a:lvl2pPr>
+      <a:lvl3pPr marL="914400" algn="l" defTabSz="914400" rtl="0" eaLnBrk="1" latinLnBrk="0" hangingPunct="1">
+        <a:defRPr sz="1800" kern="1200">
+          <a:solidFill>
+            <a:schemeClr val="tx1"/>
+          </a:solidFill>
+          <a:latin typeface="+mn-lt"/>
+          <a:ea typeface="+mn-ea"/>
+          <a:cs typeface="+mn-cs"/>
+        </a:defRPr>
+      </a:lvl3pPr>
+      <a:lvl4pPr marL="1371600" algn="l" defTabSz="914400" rtl="0" eaLnBrk="1" latinLnBrk="0" hangingPunct="1">
+        <a:defRPr sz="1800" kern="1200">
+          <a:solidFill>
+            <a:schemeClr val="tx1"/>
+          </a:solidFill>
+          <a:latin typeface="+mn-lt"/>
+          <a:ea typeface="+mn-ea"/>
+          <a:cs typeface="+mn-cs"/>
+        </a:defRPr>
+      </a:lvl4pPr>
+      <a:lvl5pPr marL="1828800" algn="l" defTabSz="914400" rtl="0" eaLnBrk="1" latinLnBrk="0" hangingPunct="1">
+        <a:defRPr sz="1800" kern="1200">
+          <a:solidFill>
+            <a:schemeClr val="tx1"/>
+          </a:solidFill>
+          <a:latin typeface="+mn-lt"/>
+          <a:ea typeface="+mn-ea"/>
+          <a:cs typeface="+mn-cs"/>
+        </a:defRPr>
+      </a:lvl5pPr>
+      <a:lvl6pPr marL="2286000" algn="l" defTabSz="914400" rtl="0" eaLnBrk="1" latinLnBrk="0" hangingPunct="1">
+        <a:defRPr sz="1800" kern="1200">
+          <a:solidFill>
+            <a:schemeClr val="tx1"/>
+          </a:solidFill>
+          <a:latin typeface="+mn-lt"/>
+          <a:ea typeface="+mn-ea"/>
+          <a:cs typeface="+mn-cs"/>
+        </a:defRPr>
+      </a:lvl6pPr>
+      <a:lvl7pPr marL="2743200" algn="l" defTabSz="914400" rtl="0" eaLnBrk="1" latinLnBrk="0" hangingPunct="1">
+        <a:defRPr sz="1800" kern="1200">
+          <a:solidFill>
+            <a:schemeClr val="tx1"/>
+          </a:solidFill>
+          <a:latin typeface="+mn-lt"/>
+          <a:ea typeface="+mn-ea"/>
+          <a:cs typeface="+mn-cs"/>
+        </a:defRPr>
+      </a:lvl7pPr>
+      <a:lvl8pPr marL="3200400" algn="l" defTabSz="914400" rtl="0" eaLnBrk="1" latinLnBrk="0" hangingPunct="1">
+        <a:defRPr sz="1800" kern="1200">
+          <a:solidFill>
+            <a:schemeClr val="tx1"/>
+          </a:solidFill>
+          <a:latin typeface="+mn-lt"/>
+          <a:ea typeface="+mn-ea"/>
+          <a:cs typeface="+mn-cs"/>
+        </a:defRPr>
+      </a:lvl8pPr>
+      <a:lvl9pPr marL="3657600" algn="l" defTabSz="914400" rtl="0" eaLnBrk="1" latinLnBrk="0" hangingPunct="1">
+        <a:defRPr sz="1800" kern="1200">
+          <a:solidFill>
+            <a:schemeClr val="tx1"/>
+          </a:solidFill>
+          <a:latin typeface="+mn-lt"/>
+          <a:ea typeface="+mn-ea"/>
+          <a:cs typeface="+mn-cs"/>
+        </a:defRPr>
+      </a:lvl9pPr>
+    </p:otherStyle>
+  </p:txStyles>
 </p:sldMaster>
 </file>
 
-<file path=ppt/slideMasters/slideMaster3.xml><?xml version="1.0" encoding="utf-8"?>
-<p:sldMaster xmlns:a="http://schemas.openxmlformats.org/drawingml/2006/main" xmlns:p="http://schemas.openxmlformats.org/presentationml/2006/main" xmlns:r="http://schemas.openxmlformats.org/officeDocument/2006/relationships" xmlns:p14="http://schemas.microsoft.com/office/powerpoint/2010/main" xmlns:p15="http://schemas.microsoft.com/office/powerpoint/2012/main" xmlns:mc="http://schemas.openxmlformats.org/markup-compatibility/2006">
+<file path=ppt/slideMasters/slideMaster2.xml><?xml version="1.0" encoding="utf-8"?>
+<p:sldMaster xmlns:a="http://schemas.openxmlformats.org/drawingml/2006/main" xmlns:r="http://schemas.openxmlformats.org/officeDocument/2006/relationships" xmlns:p="http://schemas.openxmlformats.org/presentationml/2006/main">
   <p:cSld>
     <p:bg>
       <p:bgPr>
         <a:solidFill>
           <a:schemeClr val="lt2"/>
         </a:solidFill>
+        <a:effectLst/>
       </p:bgPr>
     </p:bg>
     <p:spTree>
@@ -1125,15 +1336,15 @@
       </p:grpSpPr>
       <p:pic>
         <p:nvPicPr>
-          <p:cNvPr id="13" name="Google Shape;37;p7" descr=""/>
+          <p:cNvPr id="13" name="Google Shape;37;p7"/>
           <p:cNvPicPr/>
           <p:nvPr/>
         </p:nvPicPr>
         <p:blipFill>
-          <a:blip r:embed="rId2">
+          <a:blip r:embed="rId3">
             <a:alphaModFix amt="28000"/>
           </a:blip>
-          <a:srcRect l="0" t="3044" r="0" b="39505"/>
+          <a:srcRect t="3044" b="39505"/>
           <a:stretch/>
         </p:blipFill>
         <p:spPr>
@@ -1152,12 +1363,12 @@
       </p:pic>
       <p:pic>
         <p:nvPicPr>
-          <p:cNvPr id="14" name="Google Shape;38;p7" descr=""/>
+          <p:cNvPr id="14" name="Google Shape;38;p7"/>
           <p:cNvPicPr/>
           <p:nvPr/>
         </p:nvPicPr>
         <p:blipFill>
-          <a:blip r:embed="rId3"/>
+          <a:blip r:embed="rId4"/>
           <a:stretch/>
         </p:blipFill>
         <p:spPr>
@@ -1198,9 +1409,10 @@
           </a:ln>
         </p:spPr>
         <p:txBody>
-          <a:bodyPr lIns="91440" rIns="91440" tIns="91440" bIns="91440" anchor="t">
+          <a:bodyPr lIns="91440" tIns="91440" rIns="91440" bIns="91440" anchor="t">
             <a:noAutofit/>
           </a:bodyPr>
+          <a:lstStyle/>
           <a:p>
             <a:pPr marL="432000" indent="-324000">
               <a:spcBef>
@@ -1214,7 +1426,7 @@
               <a:buChar char=""/>
             </a:pPr>
             <a:r>
-              <a:rPr b="0" lang="ru-RU" sz="1600" strike="noStrike" u="none">
+              <a:rPr lang="ru-RU" sz="1600" b="0" u="none" strike="noStrike">
                 <a:solidFill>
                   <a:srgbClr val="000000"/>
                 </a:solidFill>
@@ -1223,16 +1435,9 @@
               </a:rPr>
               <a:t>Для правки структуры щёлкните мышью</a:t>
             </a:r>
-            <a:endParaRPr b="0" lang="ru-RU" sz="1600" strike="noStrike" u="none">
-              <a:solidFill>
-                <a:srgbClr val="000000"/>
-              </a:solidFill>
-              <a:uFillTx/>
-              <a:latin typeface="Arial"/>
-            </a:endParaRPr>
           </a:p>
           <a:p>
-            <a:pPr lvl="1" marL="864000" indent="-324000">
+            <a:pPr marL="864000" lvl="1" indent="-324000">
               <a:spcBef>
                 <a:spcPts val="1247"/>
               </a:spcBef>
@@ -1244,7 +1449,7 @@
               <a:buChar char=""/>
             </a:pPr>
             <a:r>
-              <a:rPr b="0" lang="ru-RU" sz="1600" strike="noStrike" u="none">
+              <a:rPr lang="ru-RU" sz="1600" b="0" u="none" strike="noStrike">
                 <a:solidFill>
                   <a:srgbClr val="000000"/>
                 </a:solidFill>
@@ -1253,16 +1458,9 @@
               </a:rPr>
               <a:t>Второй уровень структуры</a:t>
             </a:r>
-            <a:endParaRPr b="0" lang="ru-RU" sz="1600" strike="noStrike" u="none">
-              <a:solidFill>
-                <a:srgbClr val="000000"/>
-              </a:solidFill>
-              <a:uFillTx/>
-              <a:latin typeface="Arial"/>
-            </a:endParaRPr>
           </a:p>
           <a:p>
-            <a:pPr lvl="2" marL="1296000" indent="-288000">
+            <a:pPr marL="1296000" lvl="2" indent="-288000">
               <a:spcBef>
                 <a:spcPts val="935"/>
               </a:spcBef>
@@ -1274,7 +1472,7 @@
               <a:buChar char=""/>
             </a:pPr>
             <a:r>
-              <a:rPr b="0" lang="ru-RU" sz="1600" strike="noStrike" u="none">
+              <a:rPr lang="ru-RU" sz="1600" b="0" u="none" strike="noStrike">
                 <a:solidFill>
                   <a:srgbClr val="000000"/>
                 </a:solidFill>
@@ -1283,16 +1481,9 @@
               </a:rPr>
               <a:t>Третий уровень структуры</a:t>
             </a:r>
-            <a:endParaRPr b="0" lang="ru-RU" sz="1600" strike="noStrike" u="none">
-              <a:solidFill>
-                <a:srgbClr val="000000"/>
-              </a:solidFill>
-              <a:uFillTx/>
-              <a:latin typeface="Arial"/>
-            </a:endParaRPr>
           </a:p>
           <a:p>
-            <a:pPr lvl="3" marL="1728000" indent="-216000">
+            <a:pPr marL="1728000" lvl="3" indent="-216000">
               <a:spcBef>
                 <a:spcPts val="624"/>
               </a:spcBef>
@@ -1304,7 +1495,7 @@
               <a:buChar char=""/>
             </a:pPr>
             <a:r>
-              <a:rPr b="0" lang="ru-RU" sz="1600" strike="noStrike" u="none">
+              <a:rPr lang="ru-RU" sz="1600" b="0" u="none" strike="noStrike">
                 <a:solidFill>
                   <a:srgbClr val="000000"/>
                 </a:solidFill>
@@ -1313,16 +1504,9 @@
               </a:rPr>
               <a:t>Четвёртый уровень структуры</a:t>
             </a:r>
-            <a:endParaRPr b="0" lang="ru-RU" sz="1600" strike="noStrike" u="none">
-              <a:solidFill>
-                <a:srgbClr val="000000"/>
-              </a:solidFill>
-              <a:uFillTx/>
-              <a:latin typeface="Arial"/>
-            </a:endParaRPr>
           </a:p>
           <a:p>
-            <a:pPr lvl="4" marL="2160000" indent="-216000">
+            <a:pPr marL="2160000" lvl="4" indent="-216000">
               <a:spcBef>
                 <a:spcPts val="312"/>
               </a:spcBef>
@@ -1334,7 +1518,7 @@
               <a:buChar char=""/>
             </a:pPr>
             <a:r>
-              <a:rPr b="0" lang="ru-RU" sz="1600" strike="noStrike" u="none">
+              <a:rPr lang="ru-RU" sz="1600" b="0" u="none" strike="noStrike">
                 <a:solidFill>
                   <a:srgbClr val="000000"/>
                 </a:solidFill>
@@ -1343,16 +1527,9 @@
               </a:rPr>
               <a:t>Пятый уровень структуры</a:t>
             </a:r>
-            <a:endParaRPr b="0" lang="ru-RU" sz="1600" strike="noStrike" u="none">
-              <a:solidFill>
-                <a:srgbClr val="000000"/>
-              </a:solidFill>
-              <a:uFillTx/>
-              <a:latin typeface="Arial"/>
-            </a:endParaRPr>
           </a:p>
           <a:p>
-            <a:pPr lvl="5" marL="2592000" indent="-216000">
+            <a:pPr marL="2592000" lvl="5" indent="-216000">
               <a:spcBef>
                 <a:spcPts val="312"/>
               </a:spcBef>
@@ -1364,7 +1541,7 @@
               <a:buChar char=""/>
             </a:pPr>
             <a:r>
-              <a:rPr b="0" lang="ru-RU" sz="1600" strike="noStrike" u="none">
+              <a:rPr lang="ru-RU" sz="1600" b="0" u="none" strike="noStrike">
                 <a:solidFill>
                   <a:srgbClr val="000000"/>
                 </a:solidFill>
@@ -1373,16 +1550,9 @@
               </a:rPr>
               <a:t>Шестой уровень структуры</a:t>
             </a:r>
-            <a:endParaRPr b="0" lang="ru-RU" sz="1600" strike="noStrike" u="none">
-              <a:solidFill>
-                <a:srgbClr val="000000"/>
-              </a:solidFill>
-              <a:uFillTx/>
-              <a:latin typeface="Arial"/>
-            </a:endParaRPr>
           </a:p>
           <a:p>
-            <a:pPr lvl="6" marL="3024000" indent="-216000">
+            <a:pPr marL="3024000" lvl="6" indent="-216000">
               <a:spcBef>
                 <a:spcPts val="312"/>
               </a:spcBef>
@@ -1394,7 +1564,7 @@
               <a:buChar char=""/>
             </a:pPr>
             <a:r>
-              <a:rPr b="0" lang="ru-RU" sz="1600" strike="noStrike" u="none">
+              <a:rPr lang="ru-RU" sz="1600" b="0" u="none" strike="noStrike">
                 <a:solidFill>
                   <a:srgbClr val="000000"/>
                 </a:solidFill>
@@ -1403,13 +1573,6 @@
               </a:rPr>
               <a:t>Седьмой уровень структуры</a:t>
             </a:r>
-            <a:endParaRPr b="0" lang="ru-RU" sz="1600" strike="noStrike" u="none">
-              <a:solidFill>
-                <a:srgbClr val="000000"/>
-              </a:solidFill>
-              <a:uFillTx/>
-              <a:latin typeface="Arial"/>
-            </a:endParaRPr>
           </a:p>
         </p:txBody>
       </p:sp>
@@ -1437,15 +1600,16 @@
           </a:ln>
         </p:spPr>
         <p:txBody>
-          <a:bodyPr lIns="91440" rIns="91440" tIns="91440" bIns="91440" anchor="t">
+          <a:bodyPr lIns="91440" tIns="91440" rIns="91440" bIns="91440" anchor="t">
             <a:noAutofit/>
           </a:bodyPr>
+          <a:lstStyle/>
           <a:p>
             <a:pPr indent="0">
               <a:buNone/>
             </a:pPr>
             <a:r>
-              <a:rPr b="0" lang="ru-RU" sz="2800" strike="noStrike" u="none">
+              <a:rPr lang="ru-RU" sz="2800" b="0" u="none" strike="noStrike">
                 <a:solidFill>
                   <a:srgbClr val="000000"/>
                 </a:solidFill>
@@ -1454,13 +1618,6 @@
               </a:rPr>
               <a:t>Для правки текста заглавия щёлкните мышью</a:t>
             </a:r>
-            <a:endParaRPr b="0" lang="ru-RU" sz="2800" strike="noStrike" u="none">
-              <a:solidFill>
-                <a:srgbClr val="000000"/>
-              </a:solidFill>
-              <a:uFillTx/>
-              <a:latin typeface="Arial"/>
-            </a:endParaRPr>
           </a:p>
         </p:txBody>
       </p:sp>
@@ -1468,19 +1625,300 @@
   </p:cSld>
   <p:clrMap bg1="lt1" tx1="dk1" bg2="lt2" tx2="dk2" accent1="accent1" accent2="accent2" accent3="accent3" accent4="accent4" accent5="accent5" accent6="accent6" hlink="hlink" folHlink="folHlink"/>
   <p:sldLayoutIdLst>
-    <p:sldLayoutId id="2147483652" r:id="rId4"/>
+    <p:sldLayoutId id="2147483652" r:id="rId1"/>
   </p:sldLayoutIdLst>
+  <p:txStyles>
+    <p:titleStyle>
+      <a:lvl1pPr algn="l" defTabSz="914400" rtl="0" eaLnBrk="1" latinLnBrk="0" hangingPunct="1">
+        <a:lnSpc>
+          <a:spcPct val="90000"/>
+        </a:lnSpc>
+        <a:spcBef>
+          <a:spcPct val="0"/>
+        </a:spcBef>
+        <a:buNone/>
+        <a:defRPr sz="4400" kern="1200">
+          <a:solidFill>
+            <a:schemeClr val="tx1"/>
+          </a:solidFill>
+          <a:latin typeface="+mj-lt"/>
+          <a:ea typeface="+mj-ea"/>
+          <a:cs typeface="+mj-cs"/>
+        </a:defRPr>
+      </a:lvl1pPr>
+    </p:titleStyle>
+    <p:bodyStyle>
+      <a:lvl1pPr marL="228600" indent="-228600" algn="l" defTabSz="914400" rtl="0" eaLnBrk="1" latinLnBrk="0" hangingPunct="1">
+        <a:lnSpc>
+          <a:spcPct val="90000"/>
+        </a:lnSpc>
+        <a:spcBef>
+          <a:spcPts val="1000"/>
+        </a:spcBef>
+        <a:buFont typeface="Arial" panose="020B0604020202020204" pitchFamily="34" charset="0"/>
+        <a:buChar char="•"/>
+        <a:defRPr sz="2800" kern="1200">
+          <a:solidFill>
+            <a:schemeClr val="tx1"/>
+          </a:solidFill>
+          <a:latin typeface="+mn-lt"/>
+          <a:ea typeface="+mn-ea"/>
+          <a:cs typeface="+mn-cs"/>
+        </a:defRPr>
+      </a:lvl1pPr>
+      <a:lvl2pPr marL="685800" indent="-228600" algn="l" defTabSz="914400" rtl="0" eaLnBrk="1" latinLnBrk="0" hangingPunct="1">
+        <a:lnSpc>
+          <a:spcPct val="90000"/>
+        </a:lnSpc>
+        <a:spcBef>
+          <a:spcPts val="500"/>
+        </a:spcBef>
+        <a:buFont typeface="Arial" panose="020B0604020202020204" pitchFamily="34" charset="0"/>
+        <a:buChar char="•"/>
+        <a:defRPr sz="2400" kern="1200">
+          <a:solidFill>
+            <a:schemeClr val="tx1"/>
+          </a:solidFill>
+          <a:latin typeface="+mn-lt"/>
+          <a:ea typeface="+mn-ea"/>
+          <a:cs typeface="+mn-cs"/>
+        </a:defRPr>
+      </a:lvl2pPr>
+      <a:lvl3pPr marL="1143000" indent="-228600" algn="l" defTabSz="914400" rtl="0" eaLnBrk="1" latinLnBrk="0" hangingPunct="1">
+        <a:lnSpc>
+          <a:spcPct val="90000"/>
+        </a:lnSpc>
+        <a:spcBef>
+          <a:spcPts val="500"/>
+        </a:spcBef>
+        <a:buFont typeface="Arial" panose="020B0604020202020204" pitchFamily="34" charset="0"/>
+        <a:buChar char="•"/>
+        <a:defRPr sz="2000" kern="1200">
+          <a:solidFill>
+            <a:schemeClr val="tx1"/>
+          </a:solidFill>
+          <a:latin typeface="+mn-lt"/>
+          <a:ea typeface="+mn-ea"/>
+          <a:cs typeface="+mn-cs"/>
+        </a:defRPr>
+      </a:lvl3pPr>
+      <a:lvl4pPr marL="1600200" indent="-228600" algn="l" defTabSz="914400" rtl="0" eaLnBrk="1" latinLnBrk="0" hangingPunct="1">
+        <a:lnSpc>
+          <a:spcPct val="90000"/>
+        </a:lnSpc>
+        <a:spcBef>
+          <a:spcPts val="500"/>
+        </a:spcBef>
+        <a:buFont typeface="Arial" panose="020B0604020202020204" pitchFamily="34" charset="0"/>
+        <a:buChar char="•"/>
+        <a:defRPr sz="1800" kern="1200">
+          <a:solidFill>
+            <a:schemeClr val="tx1"/>
+          </a:solidFill>
+          <a:latin typeface="+mn-lt"/>
+          <a:ea typeface="+mn-ea"/>
+          <a:cs typeface="+mn-cs"/>
+        </a:defRPr>
+      </a:lvl4pPr>
+      <a:lvl5pPr marL="2057400" indent="-228600" algn="l" defTabSz="914400" rtl="0" eaLnBrk="1" latinLnBrk="0" hangingPunct="1">
+        <a:lnSpc>
+          <a:spcPct val="90000"/>
+        </a:lnSpc>
+        <a:spcBef>
+          <a:spcPts val="500"/>
+        </a:spcBef>
+        <a:buFont typeface="Arial" panose="020B0604020202020204" pitchFamily="34" charset="0"/>
+        <a:buChar char="•"/>
+        <a:defRPr sz="1800" kern="1200">
+          <a:solidFill>
+            <a:schemeClr val="tx1"/>
+          </a:solidFill>
+          <a:latin typeface="+mn-lt"/>
+          <a:ea typeface="+mn-ea"/>
+          <a:cs typeface="+mn-cs"/>
+        </a:defRPr>
+      </a:lvl5pPr>
+      <a:lvl6pPr marL="2514600" indent="-228600" algn="l" defTabSz="914400" rtl="0" eaLnBrk="1" latinLnBrk="0" hangingPunct="1">
+        <a:lnSpc>
+          <a:spcPct val="90000"/>
+        </a:lnSpc>
+        <a:spcBef>
+          <a:spcPts val="500"/>
+        </a:spcBef>
+        <a:buFont typeface="Arial" panose="020B0604020202020204" pitchFamily="34" charset="0"/>
+        <a:buChar char="•"/>
+        <a:defRPr sz="1800" kern="1200">
+          <a:solidFill>
+            <a:schemeClr val="tx1"/>
+          </a:solidFill>
+          <a:latin typeface="+mn-lt"/>
+          <a:ea typeface="+mn-ea"/>
+          <a:cs typeface="+mn-cs"/>
+        </a:defRPr>
+      </a:lvl6pPr>
+      <a:lvl7pPr marL="2971800" indent="-228600" algn="l" defTabSz="914400" rtl="0" eaLnBrk="1" latinLnBrk="0" hangingPunct="1">
+        <a:lnSpc>
+          <a:spcPct val="90000"/>
+        </a:lnSpc>
+        <a:spcBef>
+          <a:spcPts val="500"/>
+        </a:spcBef>
+        <a:buFont typeface="Arial" panose="020B0604020202020204" pitchFamily="34" charset="0"/>
+        <a:buChar char="•"/>
+        <a:defRPr sz="1800" kern="1200">
+          <a:solidFill>
+            <a:schemeClr val="tx1"/>
+          </a:solidFill>
+          <a:latin typeface="+mn-lt"/>
+          <a:ea typeface="+mn-ea"/>
+          <a:cs typeface="+mn-cs"/>
+        </a:defRPr>
+      </a:lvl7pPr>
+      <a:lvl8pPr marL="3429000" indent="-228600" algn="l" defTabSz="914400" rtl="0" eaLnBrk="1" latinLnBrk="0" hangingPunct="1">
+        <a:lnSpc>
+          <a:spcPct val="90000"/>
+        </a:lnSpc>
+        <a:spcBef>
+          <a:spcPts val="500"/>
+        </a:spcBef>
+        <a:buFont typeface="Arial" panose="020B0604020202020204" pitchFamily="34" charset="0"/>
+        <a:buChar char="•"/>
+        <a:defRPr sz="1800" kern="1200">
+          <a:solidFill>
+            <a:schemeClr val="tx1"/>
+          </a:solidFill>
+          <a:latin typeface="+mn-lt"/>
+          <a:ea typeface="+mn-ea"/>
+          <a:cs typeface="+mn-cs"/>
+        </a:defRPr>
+      </a:lvl8pPr>
+      <a:lvl9pPr marL="3886200" indent="-228600" algn="l" defTabSz="914400" rtl="0" eaLnBrk="1" latinLnBrk="0" hangingPunct="1">
+        <a:lnSpc>
+          <a:spcPct val="90000"/>
+        </a:lnSpc>
+        <a:spcBef>
+          <a:spcPts val="500"/>
+        </a:spcBef>
+        <a:buFont typeface="Arial" panose="020B0604020202020204" pitchFamily="34" charset="0"/>
+        <a:buChar char="•"/>
+        <a:defRPr sz="1800" kern="1200">
+          <a:solidFill>
+            <a:schemeClr val="tx1"/>
+          </a:solidFill>
+          <a:latin typeface="+mn-lt"/>
+          <a:ea typeface="+mn-ea"/>
+          <a:cs typeface="+mn-cs"/>
+        </a:defRPr>
+      </a:lvl9pPr>
+    </p:bodyStyle>
+    <p:otherStyle>
+      <a:defPPr>
+        <a:defRPr lang="ru-RU"/>
+      </a:defPPr>
+      <a:lvl1pPr marL="0" algn="l" defTabSz="914400" rtl="0" eaLnBrk="1" latinLnBrk="0" hangingPunct="1">
+        <a:defRPr sz="1800" kern="1200">
+          <a:solidFill>
+            <a:schemeClr val="tx1"/>
+          </a:solidFill>
+          <a:latin typeface="+mn-lt"/>
+          <a:ea typeface="+mn-ea"/>
+          <a:cs typeface="+mn-cs"/>
+        </a:defRPr>
+      </a:lvl1pPr>
+      <a:lvl2pPr marL="457200" algn="l" defTabSz="914400" rtl="0" eaLnBrk="1" latinLnBrk="0" hangingPunct="1">
+        <a:defRPr sz="1800" kern="1200">
+          <a:solidFill>
+            <a:schemeClr val="tx1"/>
+          </a:solidFill>
+          <a:latin typeface="+mn-lt"/>
+          <a:ea typeface="+mn-ea"/>
+          <a:cs typeface="+mn-cs"/>
+        </a:defRPr>
+      </a:lvl2pPr>
+      <a:lvl3pPr marL="914400" algn="l" defTabSz="914400" rtl="0" eaLnBrk="1" latinLnBrk="0" hangingPunct="1">
+        <a:defRPr sz="1800" kern="1200">
+          <a:solidFill>
+            <a:schemeClr val="tx1"/>
+          </a:solidFill>
+          <a:latin typeface="+mn-lt"/>
+          <a:ea typeface="+mn-ea"/>
+          <a:cs typeface="+mn-cs"/>
+        </a:defRPr>
+      </a:lvl3pPr>
+      <a:lvl4pPr marL="1371600" algn="l" defTabSz="914400" rtl="0" eaLnBrk="1" latinLnBrk="0" hangingPunct="1">
+        <a:defRPr sz="1800" kern="1200">
+          <a:solidFill>
+            <a:schemeClr val="tx1"/>
+          </a:solidFill>
+          <a:latin typeface="+mn-lt"/>
+          <a:ea typeface="+mn-ea"/>
+          <a:cs typeface="+mn-cs"/>
+        </a:defRPr>
+      </a:lvl4pPr>
+      <a:lvl5pPr marL="1828800" algn="l" defTabSz="914400" rtl="0" eaLnBrk="1" latinLnBrk="0" hangingPunct="1">
+        <a:defRPr sz="1800" kern="1200">
+          <a:solidFill>
+            <a:schemeClr val="tx1"/>
+          </a:solidFill>
+          <a:latin typeface="+mn-lt"/>
+          <a:ea typeface="+mn-ea"/>
+          <a:cs typeface="+mn-cs"/>
+        </a:defRPr>
+      </a:lvl5pPr>
+      <a:lvl6pPr marL="2286000" algn="l" defTabSz="914400" rtl="0" eaLnBrk="1" latinLnBrk="0" hangingPunct="1">
+        <a:defRPr sz="1800" kern="1200">
+          <a:solidFill>
+            <a:schemeClr val="tx1"/>
+          </a:solidFill>
+          <a:latin typeface="+mn-lt"/>
+          <a:ea typeface="+mn-ea"/>
+          <a:cs typeface="+mn-cs"/>
+        </a:defRPr>
+      </a:lvl6pPr>
+      <a:lvl7pPr marL="2743200" algn="l" defTabSz="914400" rtl="0" eaLnBrk="1" latinLnBrk="0" hangingPunct="1">
+        <a:defRPr sz="1800" kern="1200">
+          <a:solidFill>
+            <a:schemeClr val="tx1"/>
+          </a:solidFill>
+          <a:latin typeface="+mn-lt"/>
+          <a:ea typeface="+mn-ea"/>
+          <a:cs typeface="+mn-cs"/>
+        </a:defRPr>
+      </a:lvl7pPr>
+      <a:lvl8pPr marL="3200400" algn="l" defTabSz="914400" rtl="0" eaLnBrk="1" latinLnBrk="0" hangingPunct="1">
+        <a:defRPr sz="1800" kern="1200">
+          <a:solidFill>
+            <a:schemeClr val="tx1"/>
+          </a:solidFill>
+          <a:latin typeface="+mn-lt"/>
+          <a:ea typeface="+mn-ea"/>
+          <a:cs typeface="+mn-cs"/>
+        </a:defRPr>
+      </a:lvl8pPr>
+      <a:lvl9pPr marL="3657600" algn="l" defTabSz="914400" rtl="0" eaLnBrk="1" latinLnBrk="0" hangingPunct="1">
+        <a:defRPr sz="1800" kern="1200">
+          <a:solidFill>
+            <a:schemeClr val="tx1"/>
+          </a:solidFill>
+          <a:latin typeface="+mn-lt"/>
+          <a:ea typeface="+mn-ea"/>
+          <a:cs typeface="+mn-cs"/>
+        </a:defRPr>
+      </a:lvl9pPr>
+    </p:otherStyle>
+  </p:txStyles>
 </p:sldMaster>
 </file>
 
-<file path=ppt/slideMasters/slideMaster4.xml><?xml version="1.0" encoding="utf-8"?>
-<p:sldMaster xmlns:a="http://schemas.openxmlformats.org/drawingml/2006/main" xmlns:p="http://schemas.openxmlformats.org/presentationml/2006/main" xmlns:r="http://schemas.openxmlformats.org/officeDocument/2006/relationships" xmlns:p14="http://schemas.microsoft.com/office/powerpoint/2010/main" xmlns:p15="http://schemas.microsoft.com/office/powerpoint/2012/main" xmlns:mc="http://schemas.openxmlformats.org/markup-compatibility/2006">
+<file path=ppt/slideMasters/slideMaster3.xml><?xml version="1.0" encoding="utf-8"?>
+<p:sldMaster xmlns:a="http://schemas.openxmlformats.org/drawingml/2006/main" xmlns:r="http://schemas.openxmlformats.org/officeDocument/2006/relationships" xmlns:p="http://schemas.openxmlformats.org/presentationml/2006/main">
   <p:cSld>
     <p:bg>
       <p:bgPr>
         <a:solidFill>
           <a:schemeClr val="lt2"/>
         </a:solidFill>
+        <a:effectLst/>
       </p:bgPr>
     </p:bg>
     <p:spTree>
@@ -1499,15 +1937,15 @@
       </p:grpSpPr>
       <p:pic>
         <p:nvPicPr>
-          <p:cNvPr id="17" name="Google Shape;147;p26" descr=""/>
+          <p:cNvPr id="17" name="Google Shape;147;p26"/>
           <p:cNvPicPr/>
           <p:nvPr/>
         </p:nvPicPr>
         <p:blipFill>
-          <a:blip r:embed="rId2">
+          <a:blip r:embed="rId3">
             <a:alphaModFix amt="28000"/>
           </a:blip>
-          <a:srcRect l="0" t="3044" r="0" b="39505"/>
+          <a:srcRect t="3044" b="39505"/>
           <a:stretch/>
         </p:blipFill>
         <p:spPr>
@@ -1526,13 +1964,13 @@
       </p:pic>
       <p:pic>
         <p:nvPicPr>
-          <p:cNvPr id="18" name="Google Shape;148;p26" descr=""/>
+          <p:cNvPr id="18" name="Google Shape;148;p26"/>
           <p:cNvPicPr/>
           <p:nvPr/>
         </p:nvPicPr>
         <p:blipFill>
-          <a:blip r:embed="rId3"/>
-          <a:srcRect l="0" t="16731" r="8891" b="18303"/>
+          <a:blip r:embed="rId4"/>
+          <a:srcRect t="16731" r="8891" b="18303"/>
           <a:stretch/>
         </p:blipFill>
         <p:spPr>
@@ -1551,13 +1989,13 @@
       </p:pic>
       <p:pic>
         <p:nvPicPr>
-          <p:cNvPr id="19" name="Google Shape;149;p26" descr=""/>
+          <p:cNvPr id="19" name="Google Shape;149;p26"/>
           <p:cNvPicPr/>
           <p:nvPr/>
         </p:nvPicPr>
         <p:blipFill>
           <a:blip r:embed="rId4"/>
-          <a:srcRect l="0" t="16731" r="8891" b="18303"/>
+          <a:srcRect t="16731" r="8891" b="18303"/>
           <a:stretch/>
         </p:blipFill>
         <p:spPr>
@@ -1576,13 +2014,13 @@
       </p:pic>
       <p:pic>
         <p:nvPicPr>
-          <p:cNvPr id="20" name="Google Shape;150;p26" descr=""/>
+          <p:cNvPr id="20" name="Google Shape;150;p26"/>
           <p:cNvPicPr/>
           <p:nvPr/>
         </p:nvPicPr>
         <p:blipFill>
           <a:blip r:embed="rId5"/>
-          <a:srcRect l="0" t="0" r="1544" b="6837"/>
+          <a:srcRect r="1544" b="6837"/>
           <a:stretch/>
         </p:blipFill>
         <p:spPr>
@@ -1623,15 +2061,16 @@
           </a:ln>
         </p:spPr>
         <p:txBody>
-          <a:bodyPr lIns="91440" rIns="91440" tIns="91440" bIns="91440" anchor="t">
+          <a:bodyPr lIns="91440" tIns="91440" rIns="91440" bIns="91440" anchor="t">
             <a:noAutofit/>
           </a:bodyPr>
+          <a:lstStyle/>
           <a:p>
             <a:pPr indent="0">
               <a:buNone/>
             </a:pPr>
             <a:r>
-              <a:rPr b="0" lang="ru-RU" sz="1600" strike="noStrike" u="none">
+              <a:rPr lang="ru-RU" sz="1600" b="0" u="none" strike="noStrike">
                 <a:solidFill>
                   <a:srgbClr val="000000"/>
                 </a:solidFill>
@@ -1640,13 +2079,6 @@
               </a:rPr>
               <a:t>Для правки текста заглавия щёлкните мышью</a:t>
             </a:r>
-            <a:endParaRPr b="0" lang="ru-RU" sz="1600" strike="noStrike" u="none">
-              <a:solidFill>
-                <a:srgbClr val="000000"/>
-              </a:solidFill>
-              <a:uFillTx/>
-              <a:latin typeface="Arial"/>
-            </a:endParaRPr>
           </a:p>
         </p:txBody>
       </p:sp>
@@ -1674,9 +2106,10 @@
           </a:ln>
         </p:spPr>
         <p:txBody>
-          <a:bodyPr lIns="0" rIns="0" tIns="0" bIns="0" anchor="t">
+          <a:bodyPr lIns="0" tIns="0" rIns="0" bIns="0" anchor="t">
             <a:normAutofit/>
           </a:bodyPr>
+          <a:lstStyle/>
           <a:p>
             <a:pPr marL="432000" indent="-324000">
               <a:spcBef>
@@ -1690,7 +2123,7 @@
               <a:buChar char=""/>
             </a:pPr>
             <a:r>
-              <a:rPr b="0" lang="ru-RU" sz="1540" strike="noStrike" u="none">
+              <a:rPr lang="ru-RU" sz="1540" b="0" u="none" strike="noStrike">
                 <a:solidFill>
                   <a:srgbClr val="000000"/>
                 </a:solidFill>
@@ -1699,16 +2132,9 @@
               </a:rPr>
               <a:t>Для правки структуры щёлкните мышью</a:t>
             </a:r>
-            <a:endParaRPr b="0" lang="ru-RU" sz="1540" strike="noStrike" u="none">
-              <a:solidFill>
-                <a:srgbClr val="000000"/>
-              </a:solidFill>
-              <a:uFillTx/>
-              <a:latin typeface="Arial"/>
-            </a:endParaRPr>
           </a:p>
           <a:p>
-            <a:pPr lvl="1" marL="864000" indent="-324000">
+            <a:pPr marL="864000" lvl="1" indent="-324000">
               <a:spcBef>
                 <a:spcPts val="1247"/>
               </a:spcBef>
@@ -1720,7 +2146,7 @@
               <a:buChar char=""/>
             </a:pPr>
             <a:r>
-              <a:rPr b="0" lang="ru-RU" sz="1540" strike="noStrike" u="none">
+              <a:rPr lang="ru-RU" sz="1540" b="0" u="none" strike="noStrike">
                 <a:solidFill>
                   <a:srgbClr val="000000"/>
                 </a:solidFill>
@@ -1729,16 +2155,9 @@
               </a:rPr>
               <a:t>Второй уровень структуры</a:t>
             </a:r>
-            <a:endParaRPr b="0" lang="ru-RU" sz="1540" strike="noStrike" u="none">
-              <a:solidFill>
-                <a:srgbClr val="000000"/>
-              </a:solidFill>
-              <a:uFillTx/>
-              <a:latin typeface="Arial"/>
-            </a:endParaRPr>
           </a:p>
           <a:p>
-            <a:pPr lvl="2" marL="1296000" indent="-288000">
+            <a:pPr marL="1296000" lvl="2" indent="-288000">
               <a:spcBef>
                 <a:spcPts val="935"/>
               </a:spcBef>
@@ -1750,7 +2169,7 @@
               <a:buChar char=""/>
             </a:pPr>
             <a:r>
-              <a:rPr b="0" lang="ru-RU" sz="1540" strike="noStrike" u="none">
+              <a:rPr lang="ru-RU" sz="1540" b="0" u="none" strike="noStrike">
                 <a:solidFill>
                   <a:srgbClr val="000000"/>
                 </a:solidFill>
@@ -1759,16 +2178,9 @@
               </a:rPr>
               <a:t>Третий уровень структуры</a:t>
             </a:r>
-            <a:endParaRPr b="0" lang="ru-RU" sz="1540" strike="noStrike" u="none">
-              <a:solidFill>
-                <a:srgbClr val="000000"/>
-              </a:solidFill>
-              <a:uFillTx/>
-              <a:latin typeface="Arial"/>
-            </a:endParaRPr>
           </a:p>
           <a:p>
-            <a:pPr lvl="3" marL="1728000" indent="-216000">
+            <a:pPr marL="1728000" lvl="3" indent="-216000">
               <a:spcBef>
                 <a:spcPts val="624"/>
               </a:spcBef>
@@ -1780,7 +2192,7 @@
               <a:buChar char=""/>
             </a:pPr>
             <a:r>
-              <a:rPr b="0" lang="ru-RU" sz="1540" strike="noStrike" u="none">
+              <a:rPr lang="ru-RU" sz="1540" b="0" u="none" strike="noStrike">
                 <a:solidFill>
                   <a:srgbClr val="000000"/>
                 </a:solidFill>
@@ -1789,16 +2201,9 @@
               </a:rPr>
               <a:t>Четвёртый уровень структуры</a:t>
             </a:r>
-            <a:endParaRPr b="0" lang="ru-RU" sz="1540" strike="noStrike" u="none">
-              <a:solidFill>
-                <a:srgbClr val="000000"/>
-              </a:solidFill>
-              <a:uFillTx/>
-              <a:latin typeface="Arial"/>
-            </a:endParaRPr>
           </a:p>
           <a:p>
-            <a:pPr lvl="4" marL="2160000" indent="-216000">
+            <a:pPr marL="2160000" lvl="4" indent="-216000">
               <a:spcBef>
                 <a:spcPts val="312"/>
               </a:spcBef>
@@ -1810,7 +2215,7 @@
               <a:buChar char=""/>
             </a:pPr>
             <a:r>
-              <a:rPr b="0" lang="ru-RU" sz="2210" strike="noStrike" u="none">
+              <a:rPr lang="ru-RU" sz="2210" b="0" u="none" strike="noStrike">
                 <a:solidFill>
                   <a:srgbClr val="000000"/>
                 </a:solidFill>
@@ -1819,16 +2224,9 @@
               </a:rPr>
               <a:t>Пятый уровень структуры</a:t>
             </a:r>
-            <a:endParaRPr b="0" lang="ru-RU" sz="2210" strike="noStrike" u="none">
-              <a:solidFill>
-                <a:srgbClr val="000000"/>
-              </a:solidFill>
-              <a:uFillTx/>
-              <a:latin typeface="Arial"/>
-            </a:endParaRPr>
           </a:p>
           <a:p>
-            <a:pPr lvl="5" marL="2592000" indent="-216000">
+            <a:pPr marL="2592000" lvl="5" indent="-216000">
               <a:spcBef>
                 <a:spcPts val="312"/>
               </a:spcBef>
@@ -1840,7 +2238,7 @@
               <a:buChar char=""/>
             </a:pPr>
             <a:r>
-              <a:rPr b="0" lang="ru-RU" sz="2210" strike="noStrike" u="none">
+              <a:rPr lang="ru-RU" sz="2210" b="0" u="none" strike="noStrike">
                 <a:solidFill>
                   <a:srgbClr val="000000"/>
                 </a:solidFill>
@@ -1849,16 +2247,9 @@
               </a:rPr>
               <a:t>Шестой уровень структуры</a:t>
             </a:r>
-            <a:endParaRPr b="0" lang="ru-RU" sz="2210" strike="noStrike" u="none">
-              <a:solidFill>
-                <a:srgbClr val="000000"/>
-              </a:solidFill>
-              <a:uFillTx/>
-              <a:latin typeface="Arial"/>
-            </a:endParaRPr>
           </a:p>
           <a:p>
-            <a:pPr lvl="6" marL="3024000" indent="-216000">
+            <a:pPr marL="3024000" lvl="6" indent="-216000">
               <a:spcBef>
                 <a:spcPts val="312"/>
               </a:spcBef>
@@ -1870,7 +2261,7 @@
               <a:buChar char=""/>
             </a:pPr>
             <a:r>
-              <a:rPr b="0" lang="ru-RU" sz="2210" strike="noStrike" u="none">
+              <a:rPr lang="ru-RU" sz="2210" b="0" u="none" strike="noStrike">
                 <a:solidFill>
                   <a:srgbClr val="000000"/>
                 </a:solidFill>
@@ -1879,13 +2270,6 @@
               </a:rPr>
               <a:t>Седьмой уровень структуры</a:t>
             </a:r>
-            <a:endParaRPr b="0" lang="ru-RU" sz="2210" strike="noStrike" u="none">
-              <a:solidFill>
-                <a:srgbClr val="000000"/>
-              </a:solidFill>
-              <a:uFillTx/>
-              <a:latin typeface="Arial"/>
-            </a:endParaRPr>
           </a:p>
         </p:txBody>
       </p:sp>
@@ -1893,13 +2277,293 @@
   </p:cSld>
   <p:clrMap bg1="lt1" tx1="dk1" bg2="lt2" tx2="dk2" accent1="accent1" accent2="accent2" accent3="accent3" accent4="accent4" accent5="accent5" accent6="accent6" hlink="hlink" folHlink="folHlink"/>
   <p:sldLayoutIdLst>
-    <p:sldLayoutId id="2147483654" r:id="rId6"/>
+    <p:sldLayoutId id="2147483654" r:id="rId1"/>
   </p:sldLayoutIdLst>
+  <p:txStyles>
+    <p:titleStyle>
+      <a:lvl1pPr algn="l" defTabSz="914400" rtl="0" eaLnBrk="1" latinLnBrk="0" hangingPunct="1">
+        <a:lnSpc>
+          <a:spcPct val="90000"/>
+        </a:lnSpc>
+        <a:spcBef>
+          <a:spcPct val="0"/>
+        </a:spcBef>
+        <a:buNone/>
+        <a:defRPr sz="4400" kern="1200">
+          <a:solidFill>
+            <a:schemeClr val="tx1"/>
+          </a:solidFill>
+          <a:latin typeface="+mj-lt"/>
+          <a:ea typeface="+mj-ea"/>
+          <a:cs typeface="+mj-cs"/>
+        </a:defRPr>
+      </a:lvl1pPr>
+    </p:titleStyle>
+    <p:bodyStyle>
+      <a:lvl1pPr marL="228600" indent="-228600" algn="l" defTabSz="914400" rtl="0" eaLnBrk="1" latinLnBrk="0" hangingPunct="1">
+        <a:lnSpc>
+          <a:spcPct val="90000"/>
+        </a:lnSpc>
+        <a:spcBef>
+          <a:spcPts val="1000"/>
+        </a:spcBef>
+        <a:buFont typeface="Arial" panose="020B0604020202020204" pitchFamily="34" charset="0"/>
+        <a:buChar char="•"/>
+        <a:defRPr sz="2800" kern="1200">
+          <a:solidFill>
+            <a:schemeClr val="tx1"/>
+          </a:solidFill>
+          <a:latin typeface="+mn-lt"/>
+          <a:ea typeface="+mn-ea"/>
+          <a:cs typeface="+mn-cs"/>
+        </a:defRPr>
+      </a:lvl1pPr>
+      <a:lvl2pPr marL="685800" indent="-228600" algn="l" defTabSz="914400" rtl="0" eaLnBrk="1" latinLnBrk="0" hangingPunct="1">
+        <a:lnSpc>
+          <a:spcPct val="90000"/>
+        </a:lnSpc>
+        <a:spcBef>
+          <a:spcPts val="500"/>
+        </a:spcBef>
+        <a:buFont typeface="Arial" panose="020B0604020202020204" pitchFamily="34" charset="0"/>
+        <a:buChar char="•"/>
+        <a:defRPr sz="2400" kern="1200">
+          <a:solidFill>
+            <a:schemeClr val="tx1"/>
+          </a:solidFill>
+          <a:latin typeface="+mn-lt"/>
+          <a:ea typeface="+mn-ea"/>
+          <a:cs typeface="+mn-cs"/>
+        </a:defRPr>
+      </a:lvl2pPr>
+      <a:lvl3pPr marL="1143000" indent="-228600" algn="l" defTabSz="914400" rtl="0" eaLnBrk="1" latinLnBrk="0" hangingPunct="1">
+        <a:lnSpc>
+          <a:spcPct val="90000"/>
+        </a:lnSpc>
+        <a:spcBef>
+          <a:spcPts val="500"/>
+        </a:spcBef>
+        <a:buFont typeface="Arial" panose="020B0604020202020204" pitchFamily="34" charset="0"/>
+        <a:buChar char="•"/>
+        <a:defRPr sz="2000" kern="1200">
+          <a:solidFill>
+            <a:schemeClr val="tx1"/>
+          </a:solidFill>
+          <a:latin typeface="+mn-lt"/>
+          <a:ea typeface="+mn-ea"/>
+          <a:cs typeface="+mn-cs"/>
+        </a:defRPr>
+      </a:lvl3pPr>
+      <a:lvl4pPr marL="1600200" indent="-228600" algn="l" defTabSz="914400" rtl="0" eaLnBrk="1" latinLnBrk="0" hangingPunct="1">
+        <a:lnSpc>
+          <a:spcPct val="90000"/>
+        </a:lnSpc>
+        <a:spcBef>
+          <a:spcPts val="500"/>
+        </a:spcBef>
+        <a:buFont typeface="Arial" panose="020B0604020202020204" pitchFamily="34" charset="0"/>
+        <a:buChar char="•"/>
+        <a:defRPr sz="1800" kern="1200">
+          <a:solidFill>
+            <a:schemeClr val="tx1"/>
+          </a:solidFill>
+          <a:latin typeface="+mn-lt"/>
+          <a:ea typeface="+mn-ea"/>
+          <a:cs typeface="+mn-cs"/>
+        </a:defRPr>
+      </a:lvl4pPr>
+      <a:lvl5pPr marL="2057400" indent="-228600" algn="l" defTabSz="914400" rtl="0" eaLnBrk="1" latinLnBrk="0" hangingPunct="1">
+        <a:lnSpc>
+          <a:spcPct val="90000"/>
+        </a:lnSpc>
+        <a:spcBef>
+          <a:spcPts val="500"/>
+        </a:spcBef>
+        <a:buFont typeface="Arial" panose="020B0604020202020204" pitchFamily="34" charset="0"/>
+        <a:buChar char="•"/>
+        <a:defRPr sz="1800" kern="1200">
+          <a:solidFill>
+            <a:schemeClr val="tx1"/>
+          </a:solidFill>
+          <a:latin typeface="+mn-lt"/>
+          <a:ea typeface="+mn-ea"/>
+          <a:cs typeface="+mn-cs"/>
+        </a:defRPr>
+      </a:lvl5pPr>
+      <a:lvl6pPr marL="2514600" indent="-228600" algn="l" defTabSz="914400" rtl="0" eaLnBrk="1" latinLnBrk="0" hangingPunct="1">
+        <a:lnSpc>
+          <a:spcPct val="90000"/>
+        </a:lnSpc>
+        <a:spcBef>
+          <a:spcPts val="500"/>
+        </a:spcBef>
+        <a:buFont typeface="Arial" panose="020B0604020202020204" pitchFamily="34" charset="0"/>
+        <a:buChar char="•"/>
+        <a:defRPr sz="1800" kern="1200">
+          <a:solidFill>
+            <a:schemeClr val="tx1"/>
+          </a:solidFill>
+          <a:latin typeface="+mn-lt"/>
+          <a:ea typeface="+mn-ea"/>
+          <a:cs typeface="+mn-cs"/>
+        </a:defRPr>
+      </a:lvl6pPr>
+      <a:lvl7pPr marL="2971800" indent="-228600" algn="l" defTabSz="914400" rtl="0" eaLnBrk="1" latinLnBrk="0" hangingPunct="1">
+        <a:lnSpc>
+          <a:spcPct val="90000"/>
+        </a:lnSpc>
+        <a:spcBef>
+          <a:spcPts val="500"/>
+        </a:spcBef>
+        <a:buFont typeface="Arial" panose="020B0604020202020204" pitchFamily="34" charset="0"/>
+        <a:buChar char="•"/>
+        <a:defRPr sz="1800" kern="1200">
+          <a:solidFill>
+            <a:schemeClr val="tx1"/>
+          </a:solidFill>
+          <a:latin typeface="+mn-lt"/>
+          <a:ea typeface="+mn-ea"/>
+          <a:cs typeface="+mn-cs"/>
+        </a:defRPr>
+      </a:lvl7pPr>
+      <a:lvl8pPr marL="3429000" indent="-228600" algn="l" defTabSz="914400" rtl="0" eaLnBrk="1" latinLnBrk="0" hangingPunct="1">
+        <a:lnSpc>
+          <a:spcPct val="90000"/>
+        </a:lnSpc>
+        <a:spcBef>
+          <a:spcPts val="500"/>
+        </a:spcBef>
+        <a:buFont typeface="Arial" panose="020B0604020202020204" pitchFamily="34" charset="0"/>
+        <a:buChar char="•"/>
+        <a:defRPr sz="1800" kern="1200">
+          <a:solidFill>
+            <a:schemeClr val="tx1"/>
+          </a:solidFill>
+          <a:latin typeface="+mn-lt"/>
+          <a:ea typeface="+mn-ea"/>
+          <a:cs typeface="+mn-cs"/>
+        </a:defRPr>
+      </a:lvl8pPr>
+      <a:lvl9pPr marL="3886200" indent="-228600" algn="l" defTabSz="914400" rtl="0" eaLnBrk="1" latinLnBrk="0" hangingPunct="1">
+        <a:lnSpc>
+          <a:spcPct val="90000"/>
+        </a:lnSpc>
+        <a:spcBef>
+          <a:spcPts val="500"/>
+        </a:spcBef>
+        <a:buFont typeface="Arial" panose="020B0604020202020204" pitchFamily="34" charset="0"/>
+        <a:buChar char="•"/>
+        <a:defRPr sz="1800" kern="1200">
+          <a:solidFill>
+            <a:schemeClr val="tx1"/>
+          </a:solidFill>
+          <a:latin typeface="+mn-lt"/>
+          <a:ea typeface="+mn-ea"/>
+          <a:cs typeface="+mn-cs"/>
+        </a:defRPr>
+      </a:lvl9pPr>
+    </p:bodyStyle>
+    <p:otherStyle>
+      <a:defPPr>
+        <a:defRPr lang="ru-RU"/>
+      </a:defPPr>
+      <a:lvl1pPr marL="0" algn="l" defTabSz="914400" rtl="0" eaLnBrk="1" latinLnBrk="0" hangingPunct="1">
+        <a:defRPr sz="1800" kern="1200">
+          <a:solidFill>
+            <a:schemeClr val="tx1"/>
+          </a:solidFill>
+          <a:latin typeface="+mn-lt"/>
+          <a:ea typeface="+mn-ea"/>
+          <a:cs typeface="+mn-cs"/>
+        </a:defRPr>
+      </a:lvl1pPr>
+      <a:lvl2pPr marL="457200" algn="l" defTabSz="914400" rtl="0" eaLnBrk="1" latinLnBrk="0" hangingPunct="1">
+        <a:defRPr sz="1800" kern="1200">
+          <a:solidFill>
+            <a:schemeClr val="tx1"/>
+          </a:solidFill>
+          <a:latin typeface="+mn-lt"/>
+          <a:ea typeface="+mn-ea"/>
+          <a:cs typeface="+mn-cs"/>
+        </a:defRPr>
+      </a:lvl2pPr>
+      <a:lvl3pPr marL="914400" algn="l" defTabSz="914400" rtl="0" eaLnBrk="1" latinLnBrk="0" hangingPunct="1">
+        <a:defRPr sz="1800" kern="1200">
+          <a:solidFill>
+            <a:schemeClr val="tx1"/>
+          </a:solidFill>
+          <a:latin typeface="+mn-lt"/>
+          <a:ea typeface="+mn-ea"/>
+          <a:cs typeface="+mn-cs"/>
+        </a:defRPr>
+      </a:lvl3pPr>
+      <a:lvl4pPr marL="1371600" algn="l" defTabSz="914400" rtl="0" eaLnBrk="1" latinLnBrk="0" hangingPunct="1">
+        <a:defRPr sz="1800" kern="1200">
+          <a:solidFill>
+            <a:schemeClr val="tx1"/>
+          </a:solidFill>
+          <a:latin typeface="+mn-lt"/>
+          <a:ea typeface="+mn-ea"/>
+          <a:cs typeface="+mn-cs"/>
+        </a:defRPr>
+      </a:lvl4pPr>
+      <a:lvl5pPr marL="1828800" algn="l" defTabSz="914400" rtl="0" eaLnBrk="1" latinLnBrk="0" hangingPunct="1">
+        <a:defRPr sz="1800" kern="1200">
+          <a:solidFill>
+            <a:schemeClr val="tx1"/>
+          </a:solidFill>
+          <a:latin typeface="+mn-lt"/>
+          <a:ea typeface="+mn-ea"/>
+          <a:cs typeface="+mn-cs"/>
+        </a:defRPr>
+      </a:lvl5pPr>
+      <a:lvl6pPr marL="2286000" algn="l" defTabSz="914400" rtl="0" eaLnBrk="1" latinLnBrk="0" hangingPunct="1">
+        <a:defRPr sz="1800" kern="1200">
+          <a:solidFill>
+            <a:schemeClr val="tx1"/>
+          </a:solidFill>
+          <a:latin typeface="+mn-lt"/>
+          <a:ea typeface="+mn-ea"/>
+          <a:cs typeface="+mn-cs"/>
+        </a:defRPr>
+      </a:lvl6pPr>
+      <a:lvl7pPr marL="2743200" algn="l" defTabSz="914400" rtl="0" eaLnBrk="1" latinLnBrk="0" hangingPunct="1">
+        <a:defRPr sz="1800" kern="1200">
+          <a:solidFill>
+            <a:schemeClr val="tx1"/>
+          </a:solidFill>
+          <a:latin typeface="+mn-lt"/>
+          <a:ea typeface="+mn-ea"/>
+          <a:cs typeface="+mn-cs"/>
+        </a:defRPr>
+      </a:lvl7pPr>
+      <a:lvl8pPr marL="3200400" algn="l" defTabSz="914400" rtl="0" eaLnBrk="1" latinLnBrk="0" hangingPunct="1">
+        <a:defRPr sz="1800" kern="1200">
+          <a:solidFill>
+            <a:schemeClr val="tx1"/>
+          </a:solidFill>
+          <a:latin typeface="+mn-lt"/>
+          <a:ea typeface="+mn-ea"/>
+          <a:cs typeface="+mn-cs"/>
+        </a:defRPr>
+      </a:lvl8pPr>
+      <a:lvl9pPr marL="3657600" algn="l" defTabSz="914400" rtl="0" eaLnBrk="1" latinLnBrk="0" hangingPunct="1">
+        <a:defRPr sz="1800" kern="1200">
+          <a:solidFill>
+            <a:schemeClr val="tx1"/>
+          </a:solidFill>
+          <a:latin typeface="+mn-lt"/>
+          <a:ea typeface="+mn-ea"/>
+          <a:cs typeface="+mn-cs"/>
+        </a:defRPr>
+      </a:lvl9pPr>
+    </p:otherStyle>
+  </p:txStyles>
 </p:sldMaster>
 </file>
 
 <file path=ppt/slides/slide1.xml><?xml version="1.0" encoding="utf-8"?>
-<p:sld xmlns:a="http://schemas.openxmlformats.org/drawingml/2006/main" xmlns:p="http://schemas.openxmlformats.org/presentationml/2006/main" xmlns:r="http://schemas.openxmlformats.org/officeDocument/2006/relationships" xmlns:p14="http://schemas.microsoft.com/office/powerpoint/2010/main" xmlns:p15="http://schemas.microsoft.com/office/powerpoint/2012/main" xmlns:mc="http://schemas.openxmlformats.org/markup-compatibility/2006">
+<p:sld xmlns:a="http://schemas.openxmlformats.org/drawingml/2006/main" xmlns:r="http://schemas.openxmlformats.org/officeDocument/2006/relationships" xmlns:p="http://schemas.openxmlformats.org/presentationml/2006/main">
   <p:cSld>
     <p:spTree>
       <p:nvGrpSpPr>
@@ -1939,9 +2603,10 @@
           </a:ln>
         </p:spPr>
         <p:txBody>
-          <a:bodyPr lIns="91440" rIns="91440" tIns="91440" bIns="91440" anchor="b">
+          <a:bodyPr lIns="91440" tIns="91440" rIns="91440" bIns="91440" anchor="b">
             <a:noAutofit/>
           </a:bodyPr>
+          <a:lstStyle/>
           <a:p>
             <a:pPr indent="0" algn="ctr">
               <a:lnSpc>
@@ -1949,11 +2614,11 @@
               </a:lnSpc>
               <a:buNone/>
               <a:tabLst>
-                <a:tab algn="l" pos="0"/>
+                <a:tab pos="0" algn="l"/>
               </a:tabLst>
             </a:pPr>
             <a:r>
-              <a:rPr b="1" lang="en" sz="6000" strike="noStrike" u="none">
+              <a:rPr lang="en" sz="6000" b="1" u="none" strike="noStrike" dirty="0">
                 <a:solidFill>
                   <a:schemeClr val="accent2"/>
                 </a:solidFill>
@@ -1963,11 +2628,15 @@
               </a:rPr>
               <a:t>CHIKEN</a:t>
             </a:r>
+            <a:r>
+              <a:rPr sz="6000" dirty="0"/>
+              <a:t/>
+            </a:r>
             <a:br>
-              <a:rPr sz="6000"/>
+              <a:rPr sz="6000" dirty="0"/>
             </a:br>
             <a:r>
-              <a:rPr b="1" lang="en" sz="6000" strike="noStrike" u="none">
+              <a:rPr lang="en" sz="6000" b="1" u="none" strike="noStrike" dirty="0">
                 <a:solidFill>
                   <a:schemeClr val="accent2"/>
                 </a:solidFill>
@@ -1977,7 +2646,7 @@
               </a:rPr>
               <a:t>JUMPER</a:t>
             </a:r>
-            <a:endParaRPr b="0" lang="ru-RU" sz="6000" strike="noStrike" u="none">
+            <a:endParaRPr lang="ru-RU" sz="6000" b="0" u="none" strike="noStrike" dirty="0">
               <a:solidFill>
                 <a:srgbClr val="000000"/>
               </a:solidFill>
@@ -2011,9 +2680,10 @@
           </a:ln>
         </p:spPr>
         <p:txBody>
-          <a:bodyPr lIns="91440" rIns="91440" tIns="91440" bIns="91440" anchor="t">
+          <a:bodyPr lIns="91440" tIns="91440" rIns="91440" bIns="91440" anchor="t">
             <a:noAutofit/>
           </a:bodyPr>
+          <a:lstStyle/>
           <a:p>
             <a:pPr indent="0" algn="ctr">
               <a:lnSpc>
@@ -2021,11 +2691,11 @@
               </a:lnSpc>
               <a:buNone/>
               <a:tabLst>
-                <a:tab algn="l" pos="0"/>
+                <a:tab pos="0" algn="l"/>
               </a:tabLst>
             </a:pPr>
             <a:r>
-              <a:rPr b="0" lang="en" sz="1400" strike="noStrike" u="none">
+              <a:rPr lang="en" sz="1400" b="0" u="none" strike="noStrike">
                 <a:solidFill>
                   <a:schemeClr val="dk2"/>
                 </a:solidFill>
@@ -2035,11 +2705,15 @@
               </a:rPr>
               <a:t>Сделано:</a:t>
             </a:r>
+            <a:r>
+              <a:rPr sz="1400"/>
+              <a:t/>
+            </a:r>
             <a:br>
               <a:rPr sz="1400"/>
             </a:br>
             <a:r>
-              <a:rPr b="0" lang="en" sz="1400" strike="noStrike" u="none">
+              <a:rPr lang="en" sz="1400" b="0" u="none" strike="noStrike">
                 <a:solidFill>
                   <a:schemeClr val="dk2"/>
                 </a:solidFill>
@@ -2049,11 +2723,15 @@
               </a:rPr>
               <a:t>seTc1</a:t>
             </a:r>
+            <a:r>
+              <a:rPr sz="1400"/>
+              <a:t/>
+            </a:r>
             <a:br>
               <a:rPr sz="1400"/>
             </a:br>
             <a:r>
-              <a:rPr b="0" lang="en" sz="1400" strike="noStrike" u="none">
+              <a:rPr lang="en" sz="1400" b="0" u="none" strike="noStrike">
                 <a:solidFill>
                   <a:schemeClr val="dk2"/>
                 </a:solidFill>
@@ -2063,7 +2741,7 @@
               </a:rPr>
               <a:t>Bobrikko</a:t>
             </a:r>
-            <a:endParaRPr b="0" lang="ru-RU" sz="1400" strike="noStrike" u="none">
+            <a:endParaRPr lang="ru-RU" sz="1400" b="0" u="none" strike="noStrike">
               <a:solidFill>
                 <a:srgbClr val="000000"/>
               </a:solidFill>
@@ -2093,6 +2771,7 @@
               <a:gd name="textAreaBottom" fmla="*/ 17280 h 16920"/>
             </a:gdLst>
             <a:ahLst/>
+            <a:cxnLst/>
             <a:rect l="textAreaLeft" t="textAreaTop" r="textAreaRight" b="textAreaBottom"/>
             <a:pathLst>
               <a:path w="24683" h="635">
@@ -2110,23 +2789,30 @@
           <a:noFill/>
           <a:ln w="76200">
             <a:solidFill>
-              <a:srgbClr val="f1c232"/>
+              <a:srgbClr val="F1C232"/>
             </a:solidFill>
             <a:round/>
           </a:ln>
         </p:spPr>
         <p:style>
-          <a:lnRef idx="0"/>
-          <a:fillRef idx="0"/>
-          <a:effectRef idx="0"/>
+          <a:lnRef idx="0">
+            <a:scrgbClr r="0" g="0" b="0"/>
+          </a:lnRef>
+          <a:fillRef idx="0">
+            <a:scrgbClr r="0" g="0" b="0"/>
+          </a:fillRef>
+          <a:effectRef idx="0">
+            <a:scrgbClr r="0" g="0" b="0"/>
+          </a:effectRef>
           <a:fontRef idx="minor"/>
         </p:style>
         <p:txBody>
-          <a:bodyPr lIns="90000" rIns="90000" tIns="-27720" bIns="-27720" anchor="t">
+          <a:bodyPr lIns="90000" tIns="-27720" rIns="90000" bIns="-27720" anchor="t">
             <a:noAutofit/>
           </a:bodyPr>
+          <a:lstStyle/>
           <a:p>
-            <a:endParaRPr b="0" lang="ru-RU" sz="1800" strike="noStrike" u="none">
+            <a:endParaRPr lang="ru-RU" sz="1800" b="0" u="none" strike="noStrike">
               <a:solidFill>
                 <a:srgbClr val="000000"/>
               </a:solidFill>
@@ -2156,6 +2842,7 @@
               <a:gd name="textAreaBottom" fmla="*/ 15120 h 14760"/>
             </a:gdLst>
             <a:ahLst/>
+            <a:cxnLst/>
             <a:rect l="textAreaLeft" t="textAreaTop" r="textAreaRight" b="textAreaBottom"/>
             <a:pathLst>
               <a:path w="24546" h="551">
@@ -2173,23 +2860,30 @@
           <a:noFill/>
           <a:ln w="76200">
             <a:solidFill>
-              <a:srgbClr val="f1c232"/>
+              <a:srgbClr val="F1C232"/>
             </a:solidFill>
             <a:round/>
           </a:ln>
         </p:spPr>
         <p:style>
-          <a:lnRef idx="0"/>
-          <a:fillRef idx="0"/>
-          <a:effectRef idx="0"/>
+          <a:lnRef idx="0">
+            <a:scrgbClr r="0" g="0" b="0"/>
+          </a:lnRef>
+          <a:fillRef idx="0">
+            <a:scrgbClr r="0" g="0" b="0"/>
+          </a:fillRef>
+          <a:effectRef idx="0">
+            <a:scrgbClr r="0" g="0" b="0"/>
+          </a:effectRef>
           <a:fontRef idx="minor"/>
         </p:style>
         <p:txBody>
-          <a:bodyPr lIns="90000" rIns="90000" tIns="-29880" bIns="-29880" anchor="t">
+          <a:bodyPr lIns="90000" tIns="-29880" rIns="90000" bIns="-29880" anchor="t">
             <a:noAutofit/>
           </a:bodyPr>
+          <a:lstStyle/>
           <a:p>
-            <a:endParaRPr b="0" lang="ru-RU" sz="1800" strike="noStrike" u="none">
+            <a:endParaRPr lang="ru-RU" sz="1800" b="0" u="none" strike="noStrike">
               <a:solidFill>
                 <a:srgbClr val="000000"/>
               </a:solidFill>
@@ -2219,6 +2913,7 @@
               <a:gd name="textAreaBottom" fmla="*/ 113040 h 112680"/>
             </a:gdLst>
             <a:ahLst/>
+            <a:cxnLst/>
             <a:rect l="textAreaLeft" t="textAreaTop" r="textAreaRight" b="textAreaBottom"/>
             <a:pathLst>
               <a:path w="39714" h="4104">
@@ -2236,23 +2931,30 @@
           <a:noFill/>
           <a:ln w="28575">
             <a:solidFill>
-              <a:srgbClr val="df7070"/>
+              <a:srgbClr val="DF7070"/>
             </a:solidFill>
             <a:round/>
           </a:ln>
         </p:spPr>
         <p:style>
-          <a:lnRef idx="0"/>
-          <a:fillRef idx="0"/>
-          <a:effectRef idx="0"/>
+          <a:lnRef idx="0">
+            <a:scrgbClr r="0" g="0" b="0"/>
+          </a:lnRef>
+          <a:fillRef idx="0">
+            <a:scrgbClr r="0" g="0" b="0"/>
+          </a:fillRef>
+          <a:effectRef idx="0">
+            <a:scrgbClr r="0" g="0" b="0"/>
+          </a:effectRef>
           <a:fontRef idx="minor"/>
         </p:style>
         <p:txBody>
-          <a:bodyPr lIns="90000" rIns="90000" tIns="45000" bIns="45000" anchor="t">
+          <a:bodyPr lIns="90000" tIns="45000" rIns="90000" bIns="45000" anchor="t">
             <a:noAutofit/>
           </a:bodyPr>
+          <a:lstStyle/>
           <a:p>
-            <a:endParaRPr b="0" lang="ru-RU" sz="1800" strike="noStrike" u="none">
+            <a:endParaRPr lang="ru-RU" sz="1800" b="0" u="none" strike="noStrike">
               <a:solidFill>
                 <a:srgbClr val="000000"/>
               </a:solidFill>
@@ -2264,13 +2966,13 @@
       </p:sp>
       <p:pic>
         <p:nvPicPr>
-          <p:cNvPr id="28" name="Google Shape;319;p 2" descr=""/>
+          <p:cNvPr id="28" name="Google Shape;319;p 2"/>
           <p:cNvPicPr/>
           <p:nvPr/>
         </p:nvPicPr>
         <p:blipFill>
-          <a:blip r:embed="rId1"/>
-          <a:srcRect l="0" t="16974" r="8891" b="21017"/>
+          <a:blip r:embed="rId2"/>
+          <a:srcRect t="16974" r="8891" b="21017"/>
           <a:stretch/>
         </p:blipFill>
         <p:spPr>
@@ -2289,13 +2991,13 @@
       </p:pic>
       <p:pic>
         <p:nvPicPr>
-          <p:cNvPr id="29" name="Google Shape;320;p 2" descr=""/>
+          <p:cNvPr id="29" name="Google Shape;320;p 2"/>
           <p:cNvPicPr/>
           <p:nvPr/>
         </p:nvPicPr>
         <p:blipFill>
-          <a:blip r:embed="rId2"/>
-          <a:srcRect l="0" t="16731" r="8891" b="18303"/>
+          <a:blip r:embed="rId3"/>
+          <a:srcRect t="16731" r="8891" b="18303"/>
           <a:stretch/>
         </p:blipFill>
         <p:spPr>
@@ -2314,7 +3016,7 @@
       </p:pic>
       <p:sp>
         <p:nvSpPr>
-          <p:cNvPr id="30" name=""/>
+          <p:cNvPr id="30" name="TextBox 29"/>
           <p:cNvSpPr txBox="1"/>
           <p:nvPr/>
         </p:nvSpPr>
@@ -2332,12 +3034,13 @@
           </a:ln>
         </p:spPr>
         <p:txBody>
-          <a:bodyPr lIns="90000" rIns="90000" tIns="45000" bIns="45000" anchor="t">
+          <a:bodyPr lIns="90000" tIns="45000" rIns="90000" bIns="45000" anchor="t">
             <a:noAutofit/>
           </a:bodyPr>
+          <a:lstStyle/>
           <a:p>
             <a:r>
-              <a:rPr b="0" lang="en" sz="1400" strike="noStrike" u="none">
+              <a:rPr lang="en" sz="1400" b="0" u="none" strike="noStrike">
                 <a:solidFill>
                   <a:schemeClr val="dk2"/>
                 </a:solidFill>
@@ -2347,7 +3050,7 @@
               </a:rPr>
               <a:t>Проект для ****** *****</a:t>
             </a:r>
-            <a:endParaRPr b="0" lang="ru-RU" sz="1400" strike="noStrike" u="none">
+            <a:endParaRPr lang="ru-RU" sz="1400" b="0" u="none" strike="noStrike">
               <a:solidFill>
                 <a:srgbClr val="000000"/>
               </a:solidFill>
@@ -2356,7 +3059,7 @@
             </a:endParaRPr>
           </a:p>
           <a:p>
-            <a:endParaRPr b="0" lang="ru-RU" sz="1400" strike="noStrike" u="none">
+            <a:endParaRPr lang="ru-RU" sz="1400" b="0" u="none" strike="noStrike">
               <a:solidFill>
                 <a:srgbClr val="000000"/>
               </a:solidFill>
@@ -2368,11 +3071,14 @@
       </p:sp>
     </p:spTree>
   </p:cSld>
-  <mc:AlternateContent>
+  <p:clrMapOvr>
+    <a:masterClrMapping/>
+  </p:clrMapOvr>
+  <mc:AlternateContent xmlns:mc="http://schemas.openxmlformats.org/markup-compatibility/2006" xmlns:p14="http://schemas.microsoft.com/office/powerpoint/2010/main">
     <mc:Choice Requires="p14">
       <p:transition spd="slow" p14:dur="2000"/>
     </mc:Choice>
-    <mc:Fallback>
+    <mc:Fallback xmlns:p15="http://schemas.microsoft.com/office/powerpoint/2012/main" xmlns="">
       <p:transition spd="slow"/>
     </mc:Fallback>
   </mc:AlternateContent>
@@ -2397,7 +3103,7 @@
                             </p:stCondLst>
                             <p:childTnLst>
                               <p:par>
-                                <p:cTn id="5" nodeType="afterEffect" fill="hold" presetClass="entr" presetID="2" presetSubtype="1">
+                                <p:cTn id="5" presetID="2" presetClass="entr" presetSubtype="1" fill="hold" nodeType="afterEffect">
                                   <p:stCondLst>
                                     <p:cond delay="0"/>
                                   </p:stCondLst>
@@ -2455,14 +3161,14 @@
                 </p:childTnLst>
               </p:cTn>
               <p:prevCondLst>
-                <p:cond evt="onPrev">
+                <p:cond evt="onPrev" delay="0">
                   <p:tgtEl>
                     <p:sldTgt/>
                   </p:tgtEl>
                 </p:cond>
               </p:prevCondLst>
               <p:nextCondLst>
-                <p:cond evt="onNext">
+                <p:cond evt="onNext" delay="0">
                   <p:tgtEl>
                     <p:sldTgt/>
                   </p:tgtEl>
@@ -2478,7 +3184,7 @@
 </file>
 
 <file path=ppt/slides/slide2.xml><?xml version="1.0" encoding="utf-8"?>
-<p:sld xmlns:a="http://schemas.openxmlformats.org/drawingml/2006/main" xmlns:p="http://schemas.openxmlformats.org/presentationml/2006/main" xmlns:r="http://schemas.openxmlformats.org/officeDocument/2006/relationships" xmlns:p14="http://schemas.microsoft.com/office/powerpoint/2010/main" xmlns:p15="http://schemas.microsoft.com/office/powerpoint/2012/main" xmlns:mc="http://schemas.openxmlformats.org/markup-compatibility/2006">
+<p:sld xmlns:a="http://schemas.openxmlformats.org/drawingml/2006/main" xmlns:r="http://schemas.openxmlformats.org/officeDocument/2006/relationships" xmlns:p="http://schemas.openxmlformats.org/presentationml/2006/main">
   <p:cSld>
     <p:spTree>
       <p:nvGrpSpPr>
@@ -2496,12 +3202,12 @@
       </p:grpSpPr>
       <p:pic>
         <p:nvPicPr>
-          <p:cNvPr id="31" name="" descr=""/>
+          <p:cNvPr id="31" name="Рисунок 30"/>
           <p:cNvPicPr/>
           <p:nvPr/>
         </p:nvPicPr>
         <p:blipFill>
-          <a:blip r:embed="rId1"/>
+          <a:blip r:embed="rId2"/>
           <a:stretch/>
         </p:blipFill>
         <p:spPr>
@@ -2542,9 +3248,10 @@
           </a:ln>
         </p:spPr>
         <p:txBody>
-          <a:bodyPr lIns="91440" rIns="91440" tIns="91440" bIns="91440" anchor="t">
+          <a:bodyPr lIns="91440" tIns="91440" rIns="91440" bIns="91440" anchor="t">
             <a:noAutofit/>
           </a:bodyPr>
+          <a:lstStyle/>
           <a:p>
             <a:pPr indent="0">
               <a:lnSpc>
@@ -2558,11 +3265,11 @@
               </a:spcAft>
               <a:buNone/>
               <a:tabLst>
-                <a:tab algn="l" pos="0"/>
+                <a:tab pos="0" algn="l"/>
               </a:tabLst>
             </a:pPr>
             <a:r>
-              <a:rPr b="0" lang="en" sz="1400" strike="noStrike" u="none">
+              <a:rPr lang="en" sz="1400" b="0" u="none" strike="noStrike">
                 <a:solidFill>
                   <a:schemeClr val="dk2"/>
                 </a:solidFill>
@@ -2572,7 +3279,7 @@
               </a:rPr>
               <a:t>Chicken Jumper - это увлекательная аркадная игра, в которой ваша задача - провести курочку до семян. Каждая клетка на игровом поле имеет своё значение, которое влияет на здоровье курочки. Будьте внимательны и продумывайте маршруты для курочки, чтобы успешно пройти игру.</a:t>
             </a:r>
-            <a:endParaRPr b="0" lang="ru-RU" sz="1400" strike="noStrike" u="none">
+            <a:endParaRPr lang="ru-RU" sz="1400" b="0" u="none" strike="noStrike">
               <a:solidFill>
                 <a:srgbClr val="000000"/>
               </a:solidFill>
@@ -2593,10 +3300,10 @@
               </a:spcAft>
               <a:buNone/>
               <a:tabLst>
-                <a:tab algn="l" pos="0"/>
+                <a:tab pos="0" algn="l"/>
               </a:tabLst>
             </a:pPr>
-            <a:endParaRPr b="0" lang="ru-RU" sz="1600" strike="noStrike" u="none">
+            <a:endParaRPr lang="ru-RU" sz="1600" b="0" u="none" strike="noStrike">
               <a:solidFill>
                 <a:srgbClr val="000000"/>
               </a:solidFill>
@@ -2630,9 +3337,10 @@
           </a:ln>
         </p:spPr>
         <p:txBody>
-          <a:bodyPr lIns="91440" rIns="91440" tIns="91440" bIns="91440" anchor="t">
+          <a:bodyPr lIns="91440" tIns="91440" rIns="91440" bIns="91440" anchor="t">
             <a:noAutofit/>
           </a:bodyPr>
+          <a:lstStyle/>
           <a:p>
             <a:pPr indent="0">
               <a:lnSpc>
@@ -2640,11 +3348,11 @@
               </a:lnSpc>
               <a:buNone/>
               <a:tabLst>
-                <a:tab algn="l" pos="0"/>
+                <a:tab pos="0" algn="l"/>
               </a:tabLst>
             </a:pPr>
             <a:r>
-              <a:rPr b="1" lang="en" sz="2400" strike="noStrike" u="none">
+              <a:rPr lang="en" sz="2400" b="1" u="none" strike="noStrike" dirty="0">
                 <a:solidFill>
                   <a:schemeClr val="accent2"/>
                 </a:solidFill>
@@ -2654,7 +3362,7 @@
               </a:rPr>
               <a:t>Описание</a:t>
             </a:r>
-            <a:endParaRPr b="0" lang="ru-RU" sz="2400" strike="noStrike" u="none">
+            <a:endParaRPr lang="ru-RU" sz="2400" b="0" u="none" strike="noStrike" dirty="0">
               <a:solidFill>
                 <a:srgbClr val="000000"/>
               </a:solidFill>
@@ -2666,12 +3374,12 @@
       </p:sp>
       <p:pic>
         <p:nvPicPr>
-          <p:cNvPr id="34" name="Google Shape;360;p 2" descr=""/>
+          <p:cNvPr id="34" name="Google Shape;360;p 2"/>
           <p:cNvPicPr/>
           <p:nvPr/>
         </p:nvPicPr>
         <p:blipFill>
-          <a:blip r:embed="rId2">
+          <a:blip r:embed="rId3">
             <a:alphaModFix amt="56000"/>
           </a:blip>
           <a:stretch/>
@@ -2692,18 +3400,18 @@
       </p:pic>
       <p:pic>
         <p:nvPicPr>
-          <p:cNvPr id="35" name="Google Shape;366;p 2" descr=""/>
+          <p:cNvPr id="35" name="Google Shape;366;p 2"/>
           <p:cNvPicPr/>
           <p:nvPr/>
         </p:nvPicPr>
         <p:blipFill>
-          <a:blip r:embed="rId3">
+          <a:blip r:embed="rId4">
             <a:alphaModFix amt="80000"/>
           </a:blip>
           <a:stretch/>
         </p:blipFill>
         <p:spPr>
-          <a:xfrm flipH="1" rot="6023400">
+          <a:xfrm rot="6023400" flipH="1">
             <a:off x="5254920" y="3538080"/>
             <a:ext cx="1740240" cy="789120"/>
           </a:xfrm>
@@ -2736,6 +3444,7 @@
               <a:gd name="textAreaBottom" fmla="*/ 293400 h 293040"/>
             </a:gdLst>
             <a:ahLst/>
+            <a:cxnLst/>
             <a:rect l="textAreaLeft" t="textAreaTop" r="textAreaRight" b="textAreaBottom"/>
             <a:pathLst>
               <a:path w="36226" h="14902">
@@ -2816,7 +3525,7 @@
             <a:noFill/>
           </a:ln>
           <a:effectLst>
-            <a:outerShdw algn="bl" blurRad="57240" dir="5400000" dist="19080" rotWithShape="0">
+            <a:outerShdw blurRad="57240" dist="19080" dir="5400000" algn="bl" rotWithShape="0">
               <a:srgbClr val="000000">
                 <a:alpha val="31000"/>
               </a:srgbClr>
@@ -2824,19 +3533,26 @@
           </a:effectLst>
         </p:spPr>
         <p:style>
-          <a:lnRef idx="0"/>
-          <a:fillRef idx="0"/>
-          <a:effectRef idx="0"/>
+          <a:lnRef idx="0">
+            <a:scrgbClr r="0" g="0" b="0"/>
+          </a:lnRef>
+          <a:fillRef idx="0">
+            <a:scrgbClr r="0" g="0" b="0"/>
+          </a:fillRef>
+          <a:effectRef idx="0">
+            <a:scrgbClr r="0" g="0" b="0"/>
+          </a:effectRef>
           <a:fontRef idx="minor"/>
         </p:style>
         <p:txBody>
           <a:bodyPr tIns="91440" bIns="91440" anchor="ctr">
             <a:noAutofit/>
           </a:bodyPr>
+          <a:lstStyle/>
           <a:p>
-            <a:endParaRPr b="0" lang="ru-RU" sz="1400" strike="noStrike" u="none">
+            <a:endParaRPr lang="ru-RU" sz="1400" b="0" u="none" strike="noStrike">
               <a:solidFill>
-                <a:srgbClr val="ffffff"/>
+                <a:srgbClr val="FFFFFF"/>
               </a:solidFill>
               <a:uFillTx/>
               <a:latin typeface="Arial"/>
@@ -2864,6 +3580,7 @@
               <a:gd name="textAreaBottom" fmla="*/ 723960 h 723600"/>
             </a:gdLst>
             <a:ahLst/>
+            <a:cxnLst/>
             <a:rect l="textAreaLeft" t="textAreaTop" r="textAreaRight" b="textAreaBottom"/>
             <a:pathLst>
               <a:path w="28231" h="36727">
@@ -2978,19 +3695,26 @@
           </a:ln>
         </p:spPr>
         <p:style>
-          <a:lnRef idx="0"/>
-          <a:fillRef idx="0"/>
-          <a:effectRef idx="0"/>
+          <a:lnRef idx="0">
+            <a:scrgbClr r="0" g="0" b="0"/>
+          </a:lnRef>
+          <a:fillRef idx="0">
+            <a:scrgbClr r="0" g="0" b="0"/>
+          </a:fillRef>
+          <a:effectRef idx="0">
+            <a:scrgbClr r="0" g="0" b="0"/>
+          </a:effectRef>
           <a:fontRef idx="minor"/>
         </p:style>
         <p:txBody>
           <a:bodyPr tIns="91440" bIns="91440" anchor="ctr">
             <a:noAutofit/>
           </a:bodyPr>
+          <a:lstStyle/>
           <a:p>
-            <a:endParaRPr b="0" lang="ru-RU" sz="1400" strike="noStrike" u="none">
+            <a:endParaRPr lang="ru-RU" sz="1400" b="0" u="none" strike="noStrike">
               <a:solidFill>
-                <a:srgbClr val="ffffff"/>
+                <a:srgbClr val="FFFFFF"/>
               </a:solidFill>
               <a:uFillTx/>
               <a:latin typeface="Arial"/>
@@ -3000,12 +3724,12 @@
       </p:sp>
       <p:pic>
         <p:nvPicPr>
-          <p:cNvPr id="38" name="" descr=""/>
+          <p:cNvPr id="38" name="Рисунок 37"/>
           <p:cNvPicPr/>
           <p:nvPr/>
         </p:nvPicPr>
         <p:blipFill>
-          <a:blip r:embed="rId4"/>
+          <a:blip r:embed="rId5"/>
           <a:stretch/>
         </p:blipFill>
         <p:spPr>
@@ -3042,6 +3766,7 @@
               <a:gd name="textAreaBottom" fmla="*/ 715680 h 715320"/>
             </a:gdLst>
             <a:ahLst/>
+            <a:cxnLst/>
             <a:rect l="textAreaLeft" t="textAreaTop" r="textAreaRight" b="textAreaBottom"/>
             <a:pathLst>
               <a:path w="44052" h="25961">
@@ -3123,19 +3848,26 @@
           </a:ln>
         </p:spPr>
         <p:style>
-          <a:lnRef idx="0"/>
-          <a:fillRef idx="0"/>
-          <a:effectRef idx="0"/>
+          <a:lnRef idx="0">
+            <a:scrgbClr r="0" g="0" b="0"/>
+          </a:lnRef>
+          <a:fillRef idx="0">
+            <a:scrgbClr r="0" g="0" b="0"/>
+          </a:fillRef>
+          <a:effectRef idx="0">
+            <a:scrgbClr r="0" g="0" b="0"/>
+          </a:effectRef>
           <a:fontRef idx="minor"/>
         </p:style>
         <p:txBody>
           <a:bodyPr tIns="91440" bIns="91440" anchor="ctr">
             <a:noAutofit/>
           </a:bodyPr>
+          <a:lstStyle/>
           <a:p>
-            <a:endParaRPr b="0" lang="ru-RU" sz="1400" strike="noStrike" u="none">
+            <a:endParaRPr lang="ru-RU" sz="1400" b="0" u="none" strike="noStrike">
               <a:solidFill>
-                <a:srgbClr val="ffffff"/>
+                <a:srgbClr val="FFFFFF"/>
               </a:solidFill>
               <a:uFillTx/>
               <a:latin typeface="Arial"/>
@@ -3145,43 +3877,46 @@
       </p:sp>
     </p:spTree>
   </p:cSld>
-  <mc:AlternateContent>
+  <p:clrMapOvr>
+    <a:masterClrMapping/>
+  </p:clrMapOvr>
+  <mc:AlternateContent xmlns:mc="http://schemas.openxmlformats.org/markup-compatibility/2006" xmlns:p14="http://schemas.microsoft.com/office/powerpoint/2010/main">
     <mc:Choice Requires="p14">
       <p:transition spd="slow" p14:dur="2000"/>
     </mc:Choice>
-    <mc:Fallback>
+    <mc:Fallback xmlns:p15="http://schemas.microsoft.com/office/powerpoint/2012/main" xmlns="">
       <p:transition spd="slow"/>
     </mc:Fallback>
   </mc:AlternateContent>
   <p:timing>
     <p:tnLst>
       <p:par>
-        <p:cTn id="8" dur="indefinite" restart="never" nodeType="tmRoot">
+        <p:cTn id="1" dur="indefinite" restart="never" nodeType="tmRoot">
           <p:childTnLst>
             <p:seq>
-              <p:cTn id="9" dur="indefinite" nodeType="mainSeq">
+              <p:cTn id="2" dur="indefinite" nodeType="mainSeq">
                 <p:childTnLst>
                   <p:par>
-                    <p:cTn id="10" fill="hold">
+                    <p:cTn id="3" fill="hold">
                       <p:stCondLst>
                         <p:cond delay="0"/>
                       </p:stCondLst>
                       <p:childTnLst>
                         <p:par>
-                          <p:cTn id="11" fill="hold">
+                          <p:cTn id="4" fill="hold">
                             <p:stCondLst>
                               <p:cond delay="0"/>
                             </p:stCondLst>
                             <p:childTnLst>
                               <p:par>
-                                <p:cTn id="12" nodeType="withEffect" fill="hold" presetClass="entr" presetID="10">
+                                <p:cTn id="5" presetID="10" presetClass="entr" fill="hold" nodeType="withEffect">
                                   <p:stCondLst>
                                     <p:cond delay="0"/>
                                   </p:stCondLst>
                                   <p:childTnLst>
                                     <p:set>
                                       <p:cBhvr>
-                                        <p:cTn id="13" dur="1" fill="hold">
+                                        <p:cTn id="6" dur="1" fill="hold">
                                           <p:stCondLst>
                                             <p:cond delay="0"/>
                                           </p:stCondLst>
@@ -3197,9 +3932,9 @@
                                         <p:strVal val="visible"/>
                                       </p:to>
                                     </p:set>
-                                    <p:animEffect filter="fade" transition="in">
+                                    <p:animEffect transition="in" filter="fade">
                                       <p:cBhvr additive="repl">
-                                        <p:cTn id="14" dur="1000"/>
+                                        <p:cTn id="7" dur="1000"/>
                                         <p:tgtEl>
                                           <p:spTgt spid="39"/>
                                         </p:tgtEl>
@@ -3209,14 +3944,14 @@
                                 </p:cTn>
                               </p:par>
                               <p:par>
-                                <p:cTn id="15" nodeType="withEffect" fill="hold" presetClass="entr" presetID="10">
+                                <p:cTn id="8" presetID="10" presetClass="entr" fill="hold" nodeType="withEffect">
                                   <p:stCondLst>
                                     <p:cond delay="0"/>
                                   </p:stCondLst>
                                   <p:childTnLst>
                                     <p:set>
                                       <p:cBhvr>
-                                        <p:cTn id="16" dur="1" fill="hold">
+                                        <p:cTn id="9" dur="1" fill="hold">
                                           <p:stCondLst>
                                             <p:cond delay="0"/>
                                           </p:stCondLst>
@@ -3232,9 +3967,9 @@
                                         <p:strVal val="visible"/>
                                       </p:to>
                                     </p:set>
-                                    <p:animEffect filter="fade" transition="in">
+                                    <p:animEffect transition="in" filter="fade">
                                       <p:cBhvr additive="repl">
-                                        <p:cTn id="17" dur="1000"/>
+                                        <p:cTn id="10" dur="1000"/>
                                         <p:tgtEl>
                                           <p:spTgt spid="36"/>
                                         </p:tgtEl>
@@ -3244,14 +3979,14 @@
                                 </p:cTn>
                               </p:par>
                               <p:par>
-                                <p:cTn id="18" nodeType="withEffect" fill="hold" presetClass="entr" presetID="10">
+                                <p:cTn id="11" presetID="10" presetClass="entr" fill="hold" nodeType="withEffect">
                                   <p:stCondLst>
                                     <p:cond delay="0"/>
                                   </p:stCondLst>
                                   <p:childTnLst>
                                     <p:set>
                                       <p:cBhvr>
-                                        <p:cTn id="19" dur="1" fill="hold">
+                                        <p:cTn id="12" dur="1" fill="hold">
                                           <p:stCondLst>
                                             <p:cond delay="0"/>
                                           </p:stCondLst>
@@ -3267,9 +4002,9 @@
                                         <p:strVal val="visible"/>
                                       </p:to>
                                     </p:set>
-                                    <p:animEffect filter="fade" transition="in">
+                                    <p:animEffect transition="in" filter="fade">
                                       <p:cBhvr additive="repl">
-                                        <p:cTn id="20" dur="1000"/>
+                                        <p:cTn id="13" dur="1000"/>
                                         <p:tgtEl>
                                           <p:spTgt spid="37"/>
                                         </p:tgtEl>
@@ -3287,14 +4022,14 @@
                 </p:childTnLst>
               </p:cTn>
               <p:prevCondLst>
-                <p:cond evt="onPrev">
+                <p:cond evt="onPrev" delay="0">
                   <p:tgtEl>
                     <p:sldTgt/>
                   </p:tgtEl>
                 </p:cond>
               </p:prevCondLst>
               <p:nextCondLst>
-                <p:cond evt="onNext">
+                <p:cond evt="onNext" delay="0">
                   <p:tgtEl>
                     <p:sldTgt/>
                   </p:tgtEl>
@@ -3310,7 +4045,7 @@
 </file>
 
 <file path=ppt/slides/slide3.xml><?xml version="1.0" encoding="utf-8"?>
-<p:sld xmlns:a="http://schemas.openxmlformats.org/drawingml/2006/main" xmlns:p="http://schemas.openxmlformats.org/presentationml/2006/main" xmlns:r="http://schemas.openxmlformats.org/officeDocument/2006/relationships" xmlns:p14="http://schemas.microsoft.com/office/powerpoint/2010/main" xmlns:p15="http://schemas.microsoft.com/office/powerpoint/2012/main" xmlns:mc="http://schemas.openxmlformats.org/markup-compatibility/2006">
+<p:sld xmlns:a="http://schemas.openxmlformats.org/drawingml/2006/main" xmlns:r="http://schemas.openxmlformats.org/officeDocument/2006/relationships" xmlns:p="http://schemas.openxmlformats.org/presentationml/2006/main">
   <p:cSld>
     <p:spTree>
       <p:nvGrpSpPr>
@@ -3326,75 +4061,6 @@
           <a:chExt cx="0" cy="0"/>
         </a:xfrm>
       </p:grpSpPr>
-      <p:sp>
-        <p:nvSpPr>
-          <p:cNvPr id="40" name="PlaceHolder 1"/>
-          <p:cNvSpPr>
-            <a:spLocks noGrp="1"/>
-          </p:cNvSpPr>
-          <p:nvPr>
-            <p:ph type="title"/>
-          </p:nvPr>
-        </p:nvSpPr>
-        <p:spPr>
-          <a:xfrm>
-            <a:off x="1758960" y="2340000"/>
-            <a:ext cx="3281040" cy="538200"/>
-          </a:xfrm>
-          <a:prstGeom prst="rect">
-            <a:avLst/>
-          </a:prstGeom>
-          <a:noFill/>
-          <a:ln w="0">
-            <a:noFill/>
-          </a:ln>
-        </p:spPr>
-        <p:txBody>
-          <a:bodyPr lIns="91440" rIns="91440" tIns="91440" bIns="91440" anchor="t">
-            <a:noAutofit/>
-          </a:bodyPr>
-          <a:p>
-            <a:pPr indent="0">
-              <a:lnSpc>
-                <a:spcPct val="100000"/>
-              </a:lnSpc>
-              <a:buNone/>
-              <a:tabLst>
-                <a:tab algn="l" pos="0"/>
-              </a:tabLst>
-            </a:pPr>
-            <a:r>
-              <a:rPr b="0" lang="en" sz="1600" strike="noStrike" u="none">
-                <a:solidFill>
-                  <a:schemeClr val="dk2"/>
-                </a:solidFill>
-                <a:uFillTx/>
-                <a:latin typeface="Roboto Mono Medium"/>
-                <a:ea typeface="Roboto Mono Medium"/>
-              </a:rPr>
-              <a:t>— </a:t>
-            </a:r>
-            <a:r>
-              <a:rPr b="0" lang="en" sz="1600" strike="noStrike" u="none">
-                <a:solidFill>
-                  <a:schemeClr val="dk2"/>
-                </a:solidFill>
-                <a:uFillTx/>
-                <a:latin typeface="Roboto Mono Medium"/>
-                <a:ea typeface="Roboto Mono Medium"/>
-              </a:rPr>
-              <a:t>Гениальный Геймдизайнер</a:t>
-            </a:r>
-            <a:endParaRPr b="0" lang="ru-RU" sz="1600" strike="noStrike" u="none">
-              <a:solidFill>
-                <a:srgbClr val="000000"/>
-              </a:solidFill>
-              <a:uFillTx/>
-              <a:latin typeface="Arial"/>
-            </a:endParaRPr>
-          </a:p>
-        </p:txBody>
-      </p:sp>
       <p:sp>
         <p:nvSpPr>
           <p:cNvPr id="41" name="PlaceHolder 2"/>
@@ -3419,9 +4085,10 @@
           </a:ln>
         </p:spPr>
         <p:txBody>
-          <a:bodyPr lIns="91440" rIns="91440" tIns="91440" bIns="91440" anchor="t">
+          <a:bodyPr lIns="91440" tIns="91440" rIns="91440" bIns="91440" anchor="t">
             <a:noAutofit/>
           </a:bodyPr>
+          <a:lstStyle/>
           <a:p>
             <a:pPr indent="0">
               <a:lnSpc>
@@ -3429,21 +4096,19 @@
               </a:lnSpc>
               <a:buNone/>
               <a:tabLst>
-                <a:tab algn="l" pos="0"/>
+                <a:tab pos="0" algn="l"/>
               </a:tabLst>
             </a:pPr>
             <a:r>
-              <a:rPr b="1" lang="en" sz="4200" strike="noStrike" u="none">
+              <a:rPr lang="ru-RU" sz="4200" b="1" dirty="0" smtClean="0">
                 <a:solidFill>
                   <a:schemeClr val="accent2"/>
                 </a:solidFill>
-                <a:uFillTx/>
-                <a:latin typeface="Concert One"/>
-                <a:ea typeface="Concert One"/>
+                <a:latin typeface="Arial"/>
               </a:rPr>
-              <a:t>«Easy to learn – hard to master»</a:t>
+              <a:t>Как играть?</a:t>
             </a:r>
-            <a:endParaRPr b="0" lang="ru-RU" sz="4200" strike="noStrike" u="none">
+            <a:endParaRPr lang="ru-RU" sz="4200" b="0" u="none" strike="noStrike" dirty="0">
               <a:solidFill>
                 <a:srgbClr val="000000"/>
               </a:solidFill>
@@ -3455,12 +4120,12 @@
       </p:sp>
       <p:pic>
         <p:nvPicPr>
-          <p:cNvPr id="42" name="Google Shape;382;p 2" descr=""/>
+          <p:cNvPr id="42" name="Google Shape;382;p 2"/>
           <p:cNvPicPr/>
           <p:nvPr/>
         </p:nvPicPr>
         <p:blipFill>
-          <a:blip r:embed="rId1"/>
+          <a:blip r:embed="rId2"/>
           <a:stretch/>
         </p:blipFill>
         <p:spPr>
@@ -3476,7 +4141,7 @@
             <a:noFill/>
           </a:ln>
           <a:effectLst>
-            <a:outerShdw algn="bl" blurRad="57240" dir="5400000" dist="19080" rotWithShape="0">
+            <a:outerShdw blurRad="57240" dist="19080" dir="5400000" algn="bl" rotWithShape="0">
               <a:srgbClr val="000000">
                 <a:alpha val="50000"/>
               </a:srgbClr>
@@ -3518,6 +4183,7 @@
                 <a:gd name="textAreaBottom" fmla="*/ 396720 h 396360"/>
               </a:gdLst>
               <a:ahLst/>
+              <a:cxnLst/>
               <a:rect l="textAreaLeft" t="textAreaTop" r="textAreaRight" b="textAreaBottom"/>
               <a:pathLst>
                 <a:path w="11242" h="8043">
@@ -3688,19 +4354,26 @@
             </a:ln>
           </p:spPr>
           <p:style>
-            <a:lnRef idx="0"/>
-            <a:fillRef idx="0"/>
-            <a:effectRef idx="0"/>
+            <a:lnRef idx="0">
+              <a:scrgbClr r="0" g="0" b="0"/>
+            </a:lnRef>
+            <a:fillRef idx="0">
+              <a:scrgbClr r="0" g="0" b="0"/>
+            </a:fillRef>
+            <a:effectRef idx="0">
+              <a:scrgbClr r="0" g="0" b="0"/>
+            </a:effectRef>
             <a:fontRef idx="minor"/>
           </p:style>
           <p:txBody>
             <a:bodyPr tIns="91440" bIns="91440" anchor="ctr">
               <a:noAutofit/>
             </a:bodyPr>
+            <a:lstStyle/>
             <a:p>
-              <a:endParaRPr b="0" lang="ru-RU" sz="1400" strike="noStrike" u="none">
+              <a:endParaRPr lang="ru-RU" sz="1400" b="0" u="none" strike="noStrike">
                 <a:solidFill>
-                  <a:srgbClr val="ffffff"/>
+                  <a:srgbClr val="FFFFFF"/>
                 </a:solidFill>
                 <a:uFillTx/>
                 <a:latin typeface="Arial"/>
@@ -3728,6 +4401,7 @@
                 <a:gd name="textAreaBottom" fmla="*/ 94320 h 93960"/>
               </a:gdLst>
               <a:ahLst/>
+              <a:cxnLst/>
               <a:rect l="textAreaLeft" t="textAreaTop" r="textAreaRight" b="textAreaBottom"/>
               <a:pathLst>
                 <a:path w="1930" h="1918">
@@ -3810,19 +4484,26 @@
             </a:ln>
           </p:spPr>
           <p:style>
-            <a:lnRef idx="0"/>
-            <a:fillRef idx="0"/>
-            <a:effectRef idx="0"/>
+            <a:lnRef idx="0">
+              <a:scrgbClr r="0" g="0" b="0"/>
+            </a:lnRef>
+            <a:fillRef idx="0">
+              <a:scrgbClr r="0" g="0" b="0"/>
+            </a:fillRef>
+            <a:effectRef idx="0">
+              <a:scrgbClr r="0" g="0" b="0"/>
+            </a:effectRef>
             <a:fontRef idx="minor"/>
           </p:style>
           <p:txBody>
             <a:bodyPr tIns="28800" bIns="28800" anchor="ctr">
               <a:noAutofit/>
             </a:bodyPr>
+            <a:lstStyle/>
             <a:p>
-              <a:endParaRPr b="0" lang="ru-RU" sz="1400" strike="noStrike" u="none">
+              <a:endParaRPr lang="ru-RU" sz="1400" b="0" u="none" strike="noStrike">
                 <a:solidFill>
-                  <a:srgbClr val="ffffff"/>
+                  <a:srgbClr val="FFFFFF"/>
                 </a:solidFill>
                 <a:uFillTx/>
                 <a:latin typeface="Arial"/>
@@ -3850,6 +4531,7 @@
                 <a:gd name="textAreaBottom" fmla="*/ 93960 h 93600"/>
               </a:gdLst>
               <a:ahLst/>
+              <a:cxnLst/>
               <a:rect l="textAreaLeft" t="textAreaTop" r="textAreaRight" b="textAreaBottom"/>
               <a:pathLst>
                 <a:path w="1906" h="1916">
@@ -3940,19 +4622,26 @@
             </a:ln>
           </p:spPr>
           <p:style>
-            <a:lnRef idx="0"/>
-            <a:fillRef idx="0"/>
-            <a:effectRef idx="0"/>
+            <a:lnRef idx="0">
+              <a:scrgbClr r="0" g="0" b="0"/>
+            </a:lnRef>
+            <a:fillRef idx="0">
+              <a:scrgbClr r="0" g="0" b="0"/>
+            </a:fillRef>
+            <a:effectRef idx="0">
+              <a:scrgbClr r="0" g="0" b="0"/>
+            </a:effectRef>
             <a:fontRef idx="minor"/>
           </p:style>
           <p:txBody>
             <a:bodyPr tIns="28800" bIns="28800" anchor="ctr">
               <a:noAutofit/>
             </a:bodyPr>
+            <a:lstStyle/>
             <a:p>
-              <a:endParaRPr b="0" lang="ru-RU" sz="1400" strike="noStrike" u="none">
+              <a:endParaRPr lang="ru-RU" sz="1400" b="0" u="none" strike="noStrike">
                 <a:solidFill>
-                  <a:srgbClr val="ffffff"/>
+                  <a:srgbClr val="FFFFFF"/>
                 </a:solidFill>
                 <a:uFillTx/>
                 <a:latin typeface="Arial"/>
@@ -3995,6 +4684,7 @@
                 <a:gd name="textAreaBottom" fmla="*/ 484200 h 483840"/>
               </a:gdLst>
               <a:ahLst/>
+              <a:cxnLst/>
               <a:rect l="textAreaLeft" t="textAreaTop" r="textAreaRight" b="textAreaBottom"/>
               <a:pathLst>
                 <a:path w="9669" h="9143">
@@ -4289,19 +4979,26 @@
             </a:ln>
           </p:spPr>
           <p:style>
-            <a:lnRef idx="0"/>
-            <a:fillRef idx="0"/>
-            <a:effectRef idx="0"/>
+            <a:lnRef idx="0">
+              <a:scrgbClr r="0" g="0" b="0"/>
+            </a:lnRef>
+            <a:fillRef idx="0">
+              <a:scrgbClr r="0" g="0" b="0"/>
+            </a:fillRef>
+            <a:effectRef idx="0">
+              <a:scrgbClr r="0" g="0" b="0"/>
+            </a:effectRef>
             <a:fontRef idx="minor"/>
           </p:style>
           <p:txBody>
             <a:bodyPr tIns="91440" bIns="91440" anchor="ctr">
               <a:noAutofit/>
             </a:bodyPr>
+            <a:lstStyle/>
             <a:p>
-              <a:endParaRPr b="0" lang="ru-RU" sz="1400" strike="noStrike" u="none">
+              <a:endParaRPr lang="ru-RU" sz="1400" b="0" u="none" strike="noStrike">
                 <a:solidFill>
-                  <a:srgbClr val="ffffff"/>
+                  <a:srgbClr val="FFFFFF"/>
                 </a:solidFill>
                 <a:uFillTx/>
                 <a:latin typeface="Arial"/>
@@ -4329,6 +5026,7 @@
                 <a:gd name="textAreaBottom" fmla="*/ 89640 h 89280"/>
               </a:gdLst>
               <a:ahLst/>
+              <a:cxnLst/>
               <a:rect l="textAreaLeft" t="textAreaTop" r="textAreaRight" b="textAreaBottom"/>
               <a:pathLst>
                 <a:path w="553" h="1693">
@@ -4377,19 +5075,26 @@
             </a:ln>
           </p:spPr>
           <p:style>
-            <a:lnRef idx="0"/>
-            <a:fillRef idx="0"/>
-            <a:effectRef idx="0"/>
+            <a:lnRef idx="0">
+              <a:scrgbClr r="0" g="0" b="0"/>
+            </a:lnRef>
+            <a:fillRef idx="0">
+              <a:scrgbClr r="0" g="0" b="0"/>
+            </a:fillRef>
+            <a:effectRef idx="0">
+              <a:scrgbClr r="0" g="0" b="0"/>
+            </a:effectRef>
             <a:fontRef idx="minor"/>
           </p:style>
           <p:txBody>
             <a:bodyPr tIns="25560" bIns="25560" anchor="ctr">
               <a:noAutofit/>
             </a:bodyPr>
+            <a:lstStyle/>
             <a:p>
-              <a:endParaRPr b="0" lang="ru-RU" sz="1400" strike="noStrike" u="none">
+              <a:endParaRPr lang="ru-RU" sz="1400" b="0" u="none" strike="noStrike">
                 <a:solidFill>
-                  <a:srgbClr val="ffffff"/>
+                  <a:srgbClr val="FFFFFF"/>
                 </a:solidFill>
                 <a:uFillTx/>
                 <a:latin typeface="Arial"/>
@@ -4432,6 +5137,7 @@
                 <a:gd name="textAreaBottom" fmla="*/ 80640 h 80280"/>
               </a:gdLst>
               <a:ahLst/>
+              <a:cxnLst/>
               <a:rect l="textAreaLeft" t="textAreaTop" r="textAreaRight" b="textAreaBottom"/>
               <a:pathLst>
                 <a:path w="2111" h="1653">
@@ -4480,19 +5186,26 @@
             </a:ln>
           </p:spPr>
           <p:style>
-            <a:lnRef idx="0"/>
-            <a:fillRef idx="0"/>
-            <a:effectRef idx="0"/>
+            <a:lnRef idx="0">
+              <a:scrgbClr r="0" g="0" b="0"/>
+            </a:lnRef>
+            <a:fillRef idx="0">
+              <a:scrgbClr r="0" g="0" b="0"/>
+            </a:fillRef>
+            <a:effectRef idx="0">
+              <a:scrgbClr r="0" g="0" b="0"/>
+            </a:effectRef>
             <a:fontRef idx="minor"/>
           </p:style>
           <p:txBody>
             <a:bodyPr tIns="24840" bIns="24840" anchor="ctr">
               <a:noAutofit/>
             </a:bodyPr>
+            <a:lstStyle/>
             <a:p>
-              <a:endParaRPr b="0" lang="ru-RU" sz="1400" strike="noStrike" u="none">
+              <a:endParaRPr lang="ru-RU" sz="1400" b="0" u="none" strike="noStrike">
                 <a:solidFill>
-                  <a:srgbClr val="ffffff"/>
+                  <a:srgbClr val="FFFFFF"/>
                 </a:solidFill>
                 <a:uFillTx/>
                 <a:latin typeface="Arial"/>
@@ -4520,6 +5233,7 @@
                 <a:gd name="textAreaBottom" fmla="*/ 82080 h 81720"/>
               </a:gdLst>
               <a:ahLst/>
+              <a:cxnLst/>
               <a:rect l="textAreaLeft" t="textAreaTop" r="textAreaRight" b="textAreaBottom"/>
               <a:pathLst>
                 <a:path w="2112" h="1673">
@@ -4568,19 +5282,26 @@
             </a:ln>
           </p:spPr>
           <p:style>
-            <a:lnRef idx="0"/>
-            <a:fillRef idx="0"/>
-            <a:effectRef idx="0"/>
+            <a:lnRef idx="0">
+              <a:scrgbClr r="0" g="0" b="0"/>
+            </a:lnRef>
+            <a:fillRef idx="0">
+              <a:scrgbClr r="0" g="0" b="0"/>
+            </a:fillRef>
+            <a:effectRef idx="0">
+              <a:scrgbClr r="0" g="0" b="0"/>
+            </a:effectRef>
             <a:fontRef idx="minor"/>
           </p:style>
           <p:txBody>
             <a:bodyPr tIns="25200" bIns="25200" anchor="ctr">
               <a:noAutofit/>
             </a:bodyPr>
+            <a:lstStyle/>
             <a:p>
-              <a:endParaRPr b="0" lang="ru-RU" sz="1400" strike="noStrike" u="none">
+              <a:endParaRPr lang="ru-RU" sz="1400" b="0" u="none" strike="noStrike">
                 <a:solidFill>
-                  <a:srgbClr val="ffffff"/>
+                  <a:srgbClr val="FFFFFF"/>
                 </a:solidFill>
                 <a:uFillTx/>
                 <a:latin typeface="Arial"/>
@@ -4608,6 +5329,7 @@
                 <a:gd name="textAreaBottom" fmla="*/ 82080 h 81720"/>
               </a:gdLst>
               <a:ahLst/>
+              <a:cxnLst/>
               <a:rect l="textAreaLeft" t="textAreaTop" r="textAreaRight" b="textAreaBottom"/>
               <a:pathLst>
                 <a:path w="2110" h="1676">
@@ -4656,19 +5378,26 @@
             </a:ln>
           </p:spPr>
           <p:style>
-            <a:lnRef idx="0"/>
-            <a:fillRef idx="0"/>
-            <a:effectRef idx="0"/>
+            <a:lnRef idx="0">
+              <a:scrgbClr r="0" g="0" b="0"/>
+            </a:lnRef>
+            <a:fillRef idx="0">
+              <a:scrgbClr r="0" g="0" b="0"/>
+            </a:fillRef>
+            <a:effectRef idx="0">
+              <a:scrgbClr r="0" g="0" b="0"/>
+            </a:effectRef>
             <a:fontRef idx="minor"/>
           </p:style>
           <p:txBody>
             <a:bodyPr tIns="25200" bIns="25200" anchor="ctr">
               <a:noAutofit/>
             </a:bodyPr>
+            <a:lstStyle/>
             <a:p>
-              <a:endParaRPr b="0" lang="ru-RU" sz="1400" strike="noStrike" u="none">
+              <a:endParaRPr lang="ru-RU" sz="1400" b="0" u="none" strike="noStrike">
                 <a:solidFill>
-                  <a:srgbClr val="ffffff"/>
+                  <a:srgbClr val="FFFFFF"/>
                 </a:solidFill>
                 <a:uFillTx/>
                 <a:latin typeface="Arial"/>
@@ -4696,6 +5425,7 @@
                 <a:gd name="textAreaBottom" fmla="*/ 117000 h 116640"/>
               </a:gdLst>
               <a:ahLst/>
+              <a:cxnLst/>
               <a:rect l="textAreaLeft" t="textAreaTop" r="textAreaRight" b="textAreaBottom"/>
               <a:pathLst>
                 <a:path w="3065" h="2389">
@@ -4744,19 +5474,26 @@
             </a:ln>
           </p:spPr>
           <p:style>
-            <a:lnRef idx="0"/>
-            <a:fillRef idx="0"/>
-            <a:effectRef idx="0"/>
+            <a:lnRef idx="0">
+              <a:scrgbClr r="0" g="0" b="0"/>
+            </a:lnRef>
+            <a:fillRef idx="0">
+              <a:scrgbClr r="0" g="0" b="0"/>
+            </a:fillRef>
+            <a:effectRef idx="0">
+              <a:scrgbClr r="0" g="0" b="0"/>
+            </a:effectRef>
             <a:fontRef idx="minor"/>
           </p:style>
           <p:txBody>
             <a:bodyPr tIns="36000" bIns="36000" anchor="ctr">
               <a:noAutofit/>
             </a:bodyPr>
+            <a:lstStyle/>
             <a:p>
-              <a:endParaRPr b="0" lang="ru-RU" sz="1400" strike="noStrike" u="none">
+              <a:endParaRPr lang="ru-RU" sz="1400" b="0" u="none" strike="noStrike">
                 <a:solidFill>
-                  <a:srgbClr val="ffffff"/>
+                  <a:srgbClr val="FFFFFF"/>
                 </a:solidFill>
                 <a:uFillTx/>
                 <a:latin typeface="Arial"/>
@@ -4784,6 +5521,7 @@
                 <a:gd name="textAreaBottom" fmla="*/ 466560 h 466200"/>
               </a:gdLst>
               <a:ahLst/>
+              <a:cxnLst/>
               <a:rect l="textAreaLeft" t="textAreaTop" r="textAreaRight" b="textAreaBottom"/>
               <a:pathLst>
                 <a:path w="11313" h="9523">
@@ -4936,19 +5674,26 @@
             </a:ln>
           </p:spPr>
           <p:style>
-            <a:lnRef idx="0"/>
-            <a:fillRef idx="0"/>
-            <a:effectRef idx="0"/>
+            <a:lnRef idx="0">
+              <a:scrgbClr r="0" g="0" b="0"/>
+            </a:lnRef>
+            <a:fillRef idx="0">
+              <a:scrgbClr r="0" g="0" b="0"/>
+            </a:fillRef>
+            <a:effectRef idx="0">
+              <a:scrgbClr r="0" g="0" b="0"/>
+            </a:effectRef>
             <a:fontRef idx="minor"/>
           </p:style>
           <p:txBody>
             <a:bodyPr tIns="91440" bIns="91440" anchor="ctr">
               <a:noAutofit/>
             </a:bodyPr>
+            <a:lstStyle/>
             <a:p>
-              <a:endParaRPr b="0" lang="ru-RU" sz="1400" strike="noStrike" u="none">
+              <a:endParaRPr lang="ru-RU" sz="1400" b="0" u="none" strike="noStrike">
                 <a:solidFill>
-                  <a:srgbClr val="ffffff"/>
+                  <a:srgbClr val="FFFFFF"/>
                 </a:solidFill>
                 <a:uFillTx/>
                 <a:latin typeface="Arial"/>
@@ -4957,45 +5702,393 @@
           </p:txBody>
         </p:sp>
       </p:grpSp>
+      <p:sp>
+        <p:nvSpPr>
+          <p:cNvPr id="2" name="Rectangle 1"/>
+          <p:cNvSpPr>
+            <a:spLocks noGrp="1" noChangeArrowheads="1"/>
+          </p:cNvSpPr>
+          <p:nvPr>
+            <p:ph type="title"/>
+          </p:nvPr>
+        </p:nvSpPr>
+        <p:spPr bwMode="auto">
+          <a:xfrm>
+            <a:off x="1563645" y="1616343"/>
+            <a:ext cx="4160604" cy="3077766"/>
+          </a:xfrm>
+          <a:prstGeom prst="rect">
+            <a:avLst/>
+          </a:prstGeom>
+          <a:noFill/>
+          <a:ln>
+            <a:noFill/>
+          </a:ln>
+          <a:effectLst/>
+          <a:extLst>
+            <a:ext uri="{909E8E84-426E-40DD-AFC4-6F175D3DCCD1}">
+              <a14:hiddenFill xmlns:a14="http://schemas.microsoft.com/office/drawing/2010/main">
+                <a:solidFill>
+                  <a:schemeClr val="accent1"/>
+                </a:solidFill>
+              </a14:hiddenFill>
+            </a:ext>
+            <a:ext uri="{91240B29-F687-4F45-9708-019B960494DF}">
+              <a14:hiddenLine xmlns:a14="http://schemas.microsoft.com/office/drawing/2010/main" w="9525">
+                <a:solidFill>
+                  <a:schemeClr val="tx1"/>
+                </a:solidFill>
+                <a:miter lim="800000"/>
+                <a:headEnd/>
+                <a:tailEnd/>
+              </a14:hiddenLine>
+            </a:ext>
+            <a:ext uri="{AF507438-7753-43E0-B8FC-AC1667EBCBE1}">
+              <a14:hiddenEffects xmlns:a14="http://schemas.microsoft.com/office/drawing/2010/main">
+                <a:effectLst>
+                  <a:outerShdw dist="35921" dir="2700000" algn="ctr" rotWithShape="0">
+                    <a:schemeClr val="bg2"/>
+                  </a:outerShdw>
+                </a:effectLst>
+              </a14:hiddenEffects>
+            </a:ext>
+          </a:extLst>
+        </p:spPr>
+        <p:txBody>
+          <a:bodyPr vert="horz" wrap="square" lIns="91440" tIns="45720" rIns="91440" bIns="45720" numCol="1" anchor="ctr" anchorCtr="0" compatLnSpc="1">
+            <a:prstTxWarp prst="textNoShape">
+              <a:avLst/>
+            </a:prstTxWarp>
+            <a:spAutoFit/>
+          </a:bodyPr>
+          <a:lstStyle/>
+          <a:p>
+            <a:pPr marL="0" marR="0" lvl="0" indent="0" algn="l" defTabSz="914400" rtl="0" eaLnBrk="0" fontAlgn="base" latinLnBrk="0" hangingPunct="0">
+              <a:lnSpc>
+                <a:spcPct val="100000"/>
+              </a:lnSpc>
+              <a:spcBef>
+                <a:spcPct val="0"/>
+              </a:spcBef>
+              <a:spcAft>
+                <a:spcPct val="0"/>
+              </a:spcAft>
+              <a:buClrTx/>
+              <a:buSzTx/>
+              <a:buFontTx/>
+              <a:buNone/>
+              <a:tabLst/>
+            </a:pPr>
+            <a:endParaRPr kumimoji="0" lang="ru-RU" altLang="ru-RU" sz="1400" b="0" i="0" u="none" strike="noStrike" cap="none" normalizeH="0" baseline="0" dirty="0" smtClean="0">
+              <a:ln>
+                <a:noFill/>
+              </a:ln>
+              <a:solidFill>
+                <a:schemeClr val="tx1"/>
+              </a:solidFill>
+              <a:effectLst/>
+              <a:latin typeface="Arial" panose="020B0604020202020204" pitchFamily="34" charset="0"/>
+            </a:endParaRPr>
+          </a:p>
+          <a:p>
+            <a:pPr marL="0" marR="0" lvl="0" indent="0" algn="l" defTabSz="914400" rtl="0" eaLnBrk="0" fontAlgn="base" latinLnBrk="0" hangingPunct="0">
+              <a:lnSpc>
+                <a:spcPct val="100000"/>
+              </a:lnSpc>
+              <a:spcBef>
+                <a:spcPct val="0"/>
+              </a:spcBef>
+              <a:spcAft>
+                <a:spcPct val="0"/>
+              </a:spcAft>
+              <a:buClrTx/>
+              <a:buSzTx/>
+              <a:buFontTx/>
+              <a:buChar char="•"/>
+              <a:tabLst/>
+            </a:pPr>
+            <a:r>
+              <a:rPr kumimoji="0" lang="ru-RU" altLang="ru-RU" sz="1500" b="0" i="0" u="none" strike="noStrike" cap="none" normalizeH="0" baseline="0" dirty="0" smtClean="0">
+                <a:ln>
+                  <a:noFill/>
+                </a:ln>
+                <a:solidFill>
+                  <a:schemeClr val="tx1"/>
+                </a:solidFill>
+                <a:effectLst/>
+                <a:latin typeface="Arial" panose="020B0604020202020204" pitchFamily="34" charset="0"/>
+              </a:rPr>
+              <a:t>Передвигайтесь по клеткам с помощью клавиш </a:t>
+            </a:r>
+            <a:r>
+              <a:rPr kumimoji="0" lang="ru-RU" altLang="ru-RU" sz="1500" b="1" i="0" u="none" strike="noStrike" cap="none" normalizeH="0" baseline="0" dirty="0" smtClean="0">
+                <a:ln>
+                  <a:noFill/>
+                </a:ln>
+                <a:solidFill>
+                  <a:schemeClr val="tx1"/>
+                </a:solidFill>
+                <a:effectLst/>
+                <a:latin typeface="Arial" panose="020B0604020202020204" pitchFamily="34" charset="0"/>
+              </a:rPr>
+              <a:t>W, A, S, D</a:t>
+            </a:r>
+            <a:br>
+              <a:rPr kumimoji="0" lang="ru-RU" altLang="ru-RU" sz="1500" b="1" i="0" u="none" strike="noStrike" cap="none" normalizeH="0" baseline="0" dirty="0" smtClean="0">
+                <a:ln>
+                  <a:noFill/>
+                </a:ln>
+                <a:solidFill>
+                  <a:schemeClr val="tx1"/>
+                </a:solidFill>
+                <a:effectLst/>
+                <a:latin typeface="Arial" panose="020B0604020202020204" pitchFamily="34" charset="0"/>
+              </a:rPr>
+            </a:br>
+            <a:endParaRPr kumimoji="0" lang="ru-RU" altLang="ru-RU" sz="1500" b="0" i="0" u="none" strike="noStrike" cap="none" normalizeH="0" baseline="0" dirty="0" smtClean="0">
+              <a:ln>
+                <a:noFill/>
+              </a:ln>
+              <a:solidFill>
+                <a:schemeClr val="tx1"/>
+              </a:solidFill>
+              <a:effectLst/>
+              <a:latin typeface="Arial" panose="020B0604020202020204" pitchFamily="34" charset="0"/>
+            </a:endParaRPr>
+          </a:p>
+          <a:p>
+            <a:pPr marL="0" marR="0" lvl="0" indent="0" algn="l" defTabSz="914400" rtl="0" eaLnBrk="0" fontAlgn="base" latinLnBrk="0" hangingPunct="0">
+              <a:lnSpc>
+                <a:spcPct val="100000"/>
+              </a:lnSpc>
+              <a:spcBef>
+                <a:spcPct val="0"/>
+              </a:spcBef>
+              <a:spcAft>
+                <a:spcPct val="0"/>
+              </a:spcAft>
+              <a:buClrTx/>
+              <a:buSzTx/>
+              <a:buFontTx/>
+              <a:buChar char="•"/>
+              <a:tabLst/>
+            </a:pPr>
+            <a:r>
+              <a:rPr kumimoji="0" lang="ru-RU" altLang="ru-RU" sz="1500" b="0" i="0" u="none" strike="noStrike" cap="none" normalizeH="0" baseline="0" dirty="0" smtClean="0">
+                <a:ln>
+                  <a:noFill/>
+                </a:ln>
+                <a:solidFill>
+                  <a:schemeClr val="tx1"/>
+                </a:solidFill>
+                <a:effectLst/>
+                <a:latin typeface="Arial" panose="020B0604020202020204" pitchFamily="34" charset="0"/>
+              </a:rPr>
+              <a:t>Разные клетки влияют на курицу: </a:t>
+            </a:r>
+            <a:r>
+              <a:rPr kumimoji="0" lang="ru-RU" altLang="ru-RU" sz="1500" b="1" i="0" u="none" strike="noStrike" cap="none" normalizeH="0" baseline="0" dirty="0" smtClean="0">
+                <a:ln>
+                  <a:noFill/>
+                </a:ln>
+                <a:solidFill>
+                  <a:schemeClr val="tx1"/>
+                </a:solidFill>
+                <a:effectLst/>
+                <a:latin typeface="Arial" panose="020B0604020202020204" pitchFamily="34" charset="0"/>
+              </a:rPr>
+              <a:t>положительные</a:t>
+            </a:r>
+            <a:r>
+              <a:rPr kumimoji="0" lang="ru-RU" altLang="ru-RU" sz="1500" b="0" i="0" u="none" strike="noStrike" cap="none" normalizeH="0" baseline="0" dirty="0" smtClean="0">
+                <a:ln>
+                  <a:noFill/>
+                </a:ln>
+                <a:solidFill>
+                  <a:schemeClr val="tx1"/>
+                </a:solidFill>
+                <a:effectLst/>
+                <a:latin typeface="Arial" panose="020B0604020202020204" pitchFamily="34" charset="0"/>
+              </a:rPr>
+              <a:t> (дают бонусы) и </a:t>
+            </a:r>
+            <a:r>
+              <a:rPr kumimoji="0" lang="ru-RU" altLang="ru-RU" sz="1500" b="1" i="0" u="none" strike="noStrike" cap="none" normalizeH="0" baseline="0" dirty="0" smtClean="0">
+                <a:ln>
+                  <a:noFill/>
+                </a:ln>
+                <a:solidFill>
+                  <a:schemeClr val="tx1"/>
+                </a:solidFill>
+                <a:effectLst/>
+                <a:latin typeface="Arial" panose="020B0604020202020204" pitchFamily="34" charset="0"/>
+              </a:rPr>
+              <a:t>отрицательные</a:t>
+            </a:r>
+            <a:r>
+              <a:rPr kumimoji="0" lang="ru-RU" altLang="ru-RU" sz="1500" b="0" i="0" u="none" strike="noStrike" cap="none" normalizeH="0" baseline="0" dirty="0" smtClean="0">
+                <a:ln>
+                  <a:noFill/>
+                </a:ln>
+                <a:solidFill>
+                  <a:schemeClr val="tx1"/>
+                </a:solidFill>
+                <a:effectLst/>
+                <a:latin typeface="Arial" panose="020B0604020202020204" pitchFamily="34" charset="0"/>
+              </a:rPr>
+              <a:t> (отнимают здоровье)</a:t>
+            </a:r>
+            <a:br>
+              <a:rPr kumimoji="0" lang="ru-RU" altLang="ru-RU" sz="1500" b="0" i="0" u="none" strike="noStrike" cap="none" normalizeH="0" baseline="0" dirty="0" smtClean="0">
+                <a:ln>
+                  <a:noFill/>
+                </a:ln>
+                <a:solidFill>
+                  <a:schemeClr val="tx1"/>
+                </a:solidFill>
+                <a:effectLst/>
+                <a:latin typeface="Arial" panose="020B0604020202020204" pitchFamily="34" charset="0"/>
+              </a:rPr>
+            </a:br>
+            <a:endParaRPr kumimoji="0" lang="ru-RU" altLang="ru-RU" sz="1500" b="0" i="0" u="none" strike="noStrike" cap="none" normalizeH="0" baseline="0" dirty="0" smtClean="0">
+              <a:ln>
+                <a:noFill/>
+              </a:ln>
+              <a:solidFill>
+                <a:schemeClr val="tx1"/>
+              </a:solidFill>
+              <a:effectLst/>
+              <a:latin typeface="Arial" panose="020B0604020202020204" pitchFamily="34" charset="0"/>
+            </a:endParaRPr>
+          </a:p>
+          <a:p>
+            <a:pPr marL="0" marR="0" lvl="0" indent="0" algn="l" defTabSz="914400" rtl="0" eaLnBrk="0" fontAlgn="base" latinLnBrk="0" hangingPunct="0">
+              <a:lnSpc>
+                <a:spcPct val="100000"/>
+              </a:lnSpc>
+              <a:spcBef>
+                <a:spcPct val="0"/>
+              </a:spcBef>
+              <a:spcAft>
+                <a:spcPct val="0"/>
+              </a:spcAft>
+              <a:buClrTx/>
+              <a:buSzTx/>
+              <a:buFontTx/>
+              <a:buChar char="•"/>
+              <a:tabLst/>
+            </a:pPr>
+            <a:r>
+              <a:rPr kumimoji="0" lang="ru-RU" altLang="ru-RU" sz="1500" b="0" i="0" u="none" strike="noStrike" cap="none" normalizeH="0" baseline="0" dirty="0" smtClean="0">
+                <a:ln>
+                  <a:noFill/>
+                </a:ln>
+                <a:solidFill>
+                  <a:schemeClr val="tx1"/>
+                </a:solidFill>
+                <a:effectLst/>
+                <a:latin typeface="Arial" panose="020B0604020202020204" pitchFamily="34" charset="0"/>
+              </a:rPr>
+              <a:t>Дойдите до мешка с зернами, чтобы пройти уровень!</a:t>
+            </a:r>
+            <a:br>
+              <a:rPr kumimoji="0" lang="ru-RU" altLang="ru-RU" sz="1500" b="0" i="0" u="none" strike="noStrike" cap="none" normalizeH="0" baseline="0" dirty="0" smtClean="0">
+                <a:ln>
+                  <a:noFill/>
+                </a:ln>
+                <a:solidFill>
+                  <a:schemeClr val="tx1"/>
+                </a:solidFill>
+                <a:effectLst/>
+                <a:latin typeface="Arial" panose="020B0604020202020204" pitchFamily="34" charset="0"/>
+              </a:rPr>
+            </a:br>
+            <a:endParaRPr kumimoji="0" lang="ru-RU" altLang="ru-RU" sz="1500" b="0" i="0" u="none" strike="noStrike" cap="none" normalizeH="0" baseline="0" dirty="0" smtClean="0">
+              <a:ln>
+                <a:noFill/>
+              </a:ln>
+              <a:solidFill>
+                <a:schemeClr val="tx1"/>
+              </a:solidFill>
+              <a:effectLst/>
+              <a:latin typeface="Arial" panose="020B0604020202020204" pitchFamily="34" charset="0"/>
+            </a:endParaRPr>
+          </a:p>
+          <a:p>
+            <a:pPr marL="0" marR="0" lvl="0" indent="0" algn="l" defTabSz="914400" rtl="0" eaLnBrk="0" fontAlgn="base" latinLnBrk="0" hangingPunct="0">
+              <a:lnSpc>
+                <a:spcPct val="100000"/>
+              </a:lnSpc>
+              <a:spcBef>
+                <a:spcPct val="0"/>
+              </a:spcBef>
+              <a:spcAft>
+                <a:spcPct val="0"/>
+              </a:spcAft>
+              <a:buClrTx/>
+              <a:buSzTx/>
+              <a:buFontTx/>
+              <a:buChar char="•"/>
+              <a:tabLst/>
+            </a:pPr>
+            <a:r>
+              <a:rPr kumimoji="0" lang="ru-RU" altLang="ru-RU" sz="1500" b="0" i="0" u="none" strike="noStrike" cap="none" normalizeH="0" baseline="0" dirty="0" smtClean="0">
+                <a:ln>
+                  <a:noFill/>
+                </a:ln>
+                <a:solidFill>
+                  <a:schemeClr val="tx1"/>
+                </a:solidFill>
+                <a:effectLst/>
+                <a:latin typeface="Arial" panose="020B0604020202020204" pitchFamily="34" charset="0"/>
+              </a:rPr>
+              <a:t>Будьте осторожны: неправильный шаг может стоить вам жизни </a:t>
+            </a:r>
+          </a:p>
+        </p:txBody>
+      </p:sp>
     </p:spTree>
   </p:cSld>
-  <mc:AlternateContent>
+  <p:clrMapOvr>
+    <a:masterClrMapping/>
+  </p:clrMapOvr>
+  <mc:AlternateContent xmlns:mc="http://schemas.openxmlformats.org/markup-compatibility/2006" xmlns:p14="http://schemas.microsoft.com/office/powerpoint/2010/main">
     <mc:Choice Requires="p14">
       <p:transition spd="slow" p14:dur="2000"/>
     </mc:Choice>
-    <mc:Fallback>
+    <mc:Fallback xmlns:p15="http://schemas.microsoft.com/office/powerpoint/2012/main" xmlns="">
       <p:transition spd="slow"/>
     </mc:Fallback>
   </mc:AlternateContent>
   <p:timing>
     <p:tnLst>
       <p:par>
-        <p:cTn id="21" dur="indefinite" restart="never" nodeType="tmRoot">
+        <p:cTn id="1" dur="indefinite" restart="never" nodeType="tmRoot">
           <p:childTnLst>
             <p:seq>
-              <p:cTn id="22" dur="indefinite" nodeType="mainSeq">
+              <p:cTn id="2" dur="indefinite" nodeType="mainSeq">
                 <p:childTnLst>
                   <p:par>
-                    <p:cTn id="23" fill="hold">
+                    <p:cTn id="3" fill="hold">
                       <p:stCondLst>
                         <p:cond delay="0"/>
                       </p:stCondLst>
                       <p:childTnLst>
                         <p:par>
-                          <p:cTn id="24" fill="hold">
+                          <p:cTn id="4" fill="hold">
                             <p:stCondLst>
                               <p:cond delay="0"/>
                             </p:stCondLst>
                             <p:childTnLst>
                               <p:par>
-                                <p:cTn id="25" nodeType="afterEffect" fill="hold" presetClass="entr" presetID="2" presetSubtype="1">
+                                <p:cTn id="5" presetID="2" presetClass="entr" presetSubtype="1" fill="hold" nodeType="afterEffect">
                                   <p:stCondLst>
                                     <p:cond delay="0"/>
                                   </p:stCondLst>
                                   <p:childTnLst>
                                     <p:set>
                                       <p:cBhvr>
-                                        <p:cTn id="26" dur="1" fill="hold">
+                                        <p:cTn id="6" dur="1" fill="hold">
                                           <p:stCondLst>
                                             <p:cond delay="0"/>
                                           </p:stCondLst>
@@ -5013,7 +6106,7 @@
                                     </p:set>
                                     <p:anim calcmode="lin" valueType="num">
                                       <p:cBhvr additive="repl">
-                                        <p:cTn id="27" dur="1000"/>
+                                        <p:cTn id="7" dur="1000"/>
                                         <p:tgtEl>
                                           <p:spTgt spid="41"/>
                                         </p:tgtEl>
@@ -5046,14 +6139,14 @@
                 </p:childTnLst>
               </p:cTn>
               <p:prevCondLst>
-                <p:cond evt="onPrev">
+                <p:cond evt="onPrev" delay="0">
                   <p:tgtEl>
                     <p:sldTgt/>
                   </p:tgtEl>
                 </p:cond>
               </p:prevCondLst>
               <p:nextCondLst>
-                <p:cond evt="onNext">
+                <p:cond evt="onNext" delay="0">
                   <p:tgtEl>
                     <p:sldTgt/>
                   </p:tgtEl>
@@ -5068,142 +6161,507 @@
 </p:sld>
 </file>
 
-<file path=ppt/theme/theme1.xml><?xml version="1.0" encoding="utf-8"?>
-<a:theme xmlns:a="http://schemas.openxmlformats.org/drawingml/2006/main" xmlns:r="http://schemas.openxmlformats.org/officeDocument/2006/relationships" name="Office">
-  <a:themeElements>
-    <a:clrScheme name="LibreOffice">
-      <a:dk1>
-        <a:srgbClr val="000000"/>
-      </a:dk1>
-      <a:lt1>
-        <a:srgbClr val="ffffff"/>
-      </a:lt1>
-      <a:dk2>
-        <a:srgbClr val="000000"/>
-      </a:dk2>
-      <a:lt2>
-        <a:srgbClr val="ffffff"/>
-      </a:lt2>
-      <a:accent1>
-        <a:srgbClr val="18a303"/>
-      </a:accent1>
-      <a:accent2>
-        <a:srgbClr val="0369a3"/>
-      </a:accent2>
-      <a:accent3>
-        <a:srgbClr val="a33e03"/>
-      </a:accent3>
-      <a:accent4>
-        <a:srgbClr val="8e03a3"/>
-      </a:accent4>
-      <a:accent5>
-        <a:srgbClr val="c99c00"/>
-      </a:accent5>
-      <a:accent6>
-        <a:srgbClr val="c9211e"/>
-      </a:accent6>
-      <a:hlink>
-        <a:srgbClr val="0000ee"/>
-      </a:hlink>
-      <a:folHlink>
-        <a:srgbClr val="551a8b"/>
-      </a:folHlink>
-    </a:clrScheme>
-    <a:fontScheme name="Office">
-      <a:majorFont>
-        <a:latin typeface="Arial" pitchFamily="0" charset="1"/>
-        <a:ea typeface="DejaVu Sans" pitchFamily="0" charset="1"/>
-        <a:cs typeface="DejaVu Sans" pitchFamily="0" charset="1"/>
-      </a:majorFont>
-      <a:minorFont>
-        <a:latin typeface="Arial" pitchFamily="0" charset="1"/>
-        <a:ea typeface="DejaVu Sans" pitchFamily="0" charset="1"/>
-        <a:cs typeface="DejaVu Sans" pitchFamily="0" charset="1"/>
-      </a:minorFont>
-    </a:fontScheme>
-    <a:fmtScheme>
-      <a:fillStyleLst>
-        <a:solidFill>
-          <a:schemeClr val="phClr"/>
-        </a:solidFill>
-        <a:solidFill>
-          <a:schemeClr val="phClr"/>
-        </a:solidFill>
-        <a:solidFill>
-          <a:schemeClr val="phClr"/>
-        </a:solidFill>
-      </a:fillStyleLst>
-      <a:lnStyleLst>
-        <a:ln w="6350" cap="flat" cmpd="sng" algn="ctr">
-          <a:prstDash val="solid"/>
-          <a:miter/>
-        </a:ln>
-        <a:ln w="6350" cap="flat" cmpd="sng" algn="ctr">
-          <a:prstDash val="solid"/>
-          <a:miter/>
-        </a:ln>
-        <a:ln w="6350" cap="flat" cmpd="sng" algn="ctr">
-          <a:prstDash val="solid"/>
-          <a:miter/>
-        </a:ln>
-      </a:lnStyleLst>
-      <a:effectStyleLst>
-        <a:effectStyle>
+<file path=ppt/slides/slide4.xml><?xml version="1.0" encoding="utf-8"?>
+<p:sld xmlns:a="http://schemas.openxmlformats.org/drawingml/2006/main" xmlns:r="http://schemas.openxmlformats.org/officeDocument/2006/relationships" xmlns:p="http://schemas.openxmlformats.org/presentationml/2006/main">
+  <p:cSld>
+    <p:spTree>
+      <p:nvGrpSpPr>
+        <p:cNvPr id="1" name=""/>
+        <p:cNvGrpSpPr/>
+        <p:nvPr/>
+      </p:nvGrpSpPr>
+      <p:grpSpPr>
+        <a:xfrm>
+          <a:off x="0" y="0"/>
+          <a:ext cx="0" cy="0"/>
+          <a:chOff x="0" y="0"/>
+          <a:chExt cx="0" cy="0"/>
+        </a:xfrm>
+      </p:grpSpPr>
+      <p:sp>
+        <p:nvSpPr>
+          <p:cNvPr id="5" name="TextBox 4"/>
+          <p:cNvSpPr txBox="1"/>
+          <p:nvPr/>
+        </p:nvSpPr>
+        <p:spPr>
+          <a:xfrm>
+            <a:off x="1586975" y="657460"/>
+            <a:ext cx="4791154" cy="738664"/>
+          </a:xfrm>
+          <a:prstGeom prst="rect">
+            <a:avLst/>
+          </a:prstGeom>
+          <a:noFill/>
+        </p:spPr>
+        <p:txBody>
+          <a:bodyPr wrap="square" rtlCol="0">
+            <a:spAutoFit/>
+          </a:bodyPr>
+          <a:lstStyle/>
+          <a:p>
+            <a:r>
+              <a:rPr lang="ru-RU" sz="4200" b="1" dirty="0" smtClean="0">
+                <a:solidFill>
+                  <a:schemeClr val="accent2"/>
+                </a:solidFill>
+              </a:rPr>
+              <a:t>Разработка игры</a:t>
+            </a:r>
+            <a:endParaRPr lang="ru-RU" sz="4200" b="1" dirty="0">
+              <a:solidFill>
+                <a:schemeClr val="accent2"/>
+              </a:solidFill>
+            </a:endParaRPr>
+          </a:p>
+        </p:txBody>
+      </p:sp>
+      <p:pic>
+        <p:nvPicPr>
+          <p:cNvPr id="6" name="Google Shape;360;p 2"/>
+          <p:cNvPicPr/>
+          <p:nvPr/>
+        </p:nvPicPr>
+        <p:blipFill>
+          <a:blip r:embed="rId2">
+            <a:alphaModFix amt="56000"/>
+          </a:blip>
+          <a:stretch/>
+        </p:blipFill>
+        <p:spPr>
+          <a:xfrm rot="10800000">
+            <a:off x="3015253" y="1396124"/>
+            <a:ext cx="3574345" cy="237960"/>
+          </a:xfrm>
+          <a:prstGeom prst="rect">
+            <a:avLst/>
+          </a:prstGeom>
+          <a:noFill/>
+          <a:ln w="0">
+            <a:noFill/>
+          </a:ln>
+        </p:spPr>
+      </p:pic>
+      <p:sp>
+        <p:nvSpPr>
+          <p:cNvPr id="7" name="TextBox 6"/>
+          <p:cNvSpPr txBox="1"/>
+          <p:nvPr/>
+        </p:nvSpPr>
+        <p:spPr>
+          <a:xfrm>
+            <a:off x="3748284" y="3226850"/>
+            <a:ext cx="184731" cy="369332"/>
+          </a:xfrm>
+          <a:prstGeom prst="rect">
+            <a:avLst/>
+          </a:prstGeom>
+          <a:noFill/>
+        </p:spPr>
+        <p:txBody>
+          <a:bodyPr wrap="none" rtlCol="0">
+            <a:spAutoFit/>
+          </a:bodyPr>
+          <a:lstStyle/>
+          <a:p>
+            <a:endParaRPr lang="ru-RU" dirty="0"/>
+          </a:p>
+        </p:txBody>
+      </p:sp>
+      <p:sp>
+        <p:nvSpPr>
+          <p:cNvPr id="10" name="Rectangle 2"/>
+          <p:cNvSpPr>
+            <a:spLocks noChangeArrowheads="1"/>
+          </p:cNvSpPr>
+          <p:nvPr/>
+        </p:nvSpPr>
+        <p:spPr bwMode="auto">
+          <a:xfrm>
+            <a:off x="1670103" y="2175737"/>
+            <a:ext cx="4022448" cy="923330"/>
+          </a:xfrm>
+          <a:prstGeom prst="rect">
+            <a:avLst/>
+          </a:prstGeom>
+          <a:noFill/>
+          <a:ln>
+            <a:noFill/>
+          </a:ln>
           <a:effectLst/>
-        </a:effectStyle>
-        <a:effectStyle>
-          <a:effectLst/>
-        </a:effectStyle>
-        <a:effectStyle>
-          <a:effectLst/>
-        </a:effectStyle>
-      </a:effectStyleLst>
-      <a:bgFillStyleLst>
-        <a:solidFill>
-          <a:schemeClr val="phClr"/>
-        </a:solidFill>
-        <a:solidFill>
-          <a:schemeClr val="phClr"/>
-        </a:solidFill>
-        <a:solidFill>
-          <a:schemeClr val="phClr"/>
-        </a:solidFill>
-      </a:bgFillStyleLst>
-    </a:fmtScheme>
-  </a:themeElements>
-</a:theme>
+          <a:extLst>
+            <a:ext uri="{909E8E84-426E-40DD-AFC4-6F175D3DCCD1}">
+              <a14:hiddenFill xmlns:a14="http://schemas.microsoft.com/office/drawing/2010/main">
+                <a:solidFill>
+                  <a:schemeClr val="accent1"/>
+                </a:solidFill>
+              </a14:hiddenFill>
+            </a:ext>
+            <a:ext uri="{91240B29-F687-4F45-9708-019B960494DF}">
+              <a14:hiddenLine xmlns:a14="http://schemas.microsoft.com/office/drawing/2010/main" w="9525">
+                <a:solidFill>
+                  <a:schemeClr val="tx1"/>
+                </a:solidFill>
+                <a:miter lim="800000"/>
+                <a:headEnd/>
+                <a:tailEnd/>
+              </a14:hiddenLine>
+            </a:ext>
+            <a:ext uri="{AF507438-7753-43E0-B8FC-AC1667EBCBE1}">
+              <a14:hiddenEffects xmlns:a14="http://schemas.microsoft.com/office/drawing/2010/main">
+                <a:effectLst>
+                  <a:outerShdw dist="35921" dir="2700000" algn="ctr" rotWithShape="0">
+                    <a:schemeClr val="bg2"/>
+                  </a:outerShdw>
+                </a:effectLst>
+              </a14:hiddenEffects>
+            </a:ext>
+          </a:extLst>
+        </p:spPr>
+        <p:txBody>
+          <a:bodyPr vert="horz" wrap="none" lIns="91440" tIns="45720" rIns="91440" bIns="45720" numCol="1" anchor="ctr" anchorCtr="0" compatLnSpc="1">
+            <a:prstTxWarp prst="textNoShape">
+              <a:avLst/>
+            </a:prstTxWarp>
+            <a:spAutoFit/>
+          </a:bodyPr>
+          <a:lstStyle/>
+          <a:p>
+            <a:pPr marL="0" marR="0" lvl="0" indent="0" algn="l" defTabSz="914400" rtl="0" eaLnBrk="0" fontAlgn="base" latinLnBrk="0" hangingPunct="0">
+              <a:lnSpc>
+                <a:spcPct val="100000"/>
+              </a:lnSpc>
+              <a:spcBef>
+                <a:spcPct val="0"/>
+              </a:spcBef>
+              <a:spcAft>
+                <a:spcPct val="0"/>
+              </a:spcAft>
+              <a:buClrTx/>
+              <a:buSzTx/>
+              <a:buFontTx/>
+              <a:buChar char="•"/>
+              <a:tabLst/>
+            </a:pPr>
+            <a:r>
+              <a:rPr kumimoji="0" lang="ru-RU" altLang="ru-RU" sz="1800" b="1" i="0" u="none" strike="noStrike" cap="none" normalizeH="0" baseline="0" dirty="0" smtClean="0">
+                <a:ln>
+                  <a:noFill/>
+                </a:ln>
+                <a:solidFill>
+                  <a:schemeClr val="tx1"/>
+                </a:solidFill>
+                <a:effectLst/>
+                <a:latin typeface="Arial" panose="020B0604020202020204" pitchFamily="34" charset="0"/>
+              </a:rPr>
+              <a:t>Язык программирования:</a:t>
+            </a:r>
+            <a:r>
+              <a:rPr kumimoji="0" lang="ru-RU" altLang="ru-RU" sz="1800" b="0" i="0" u="none" strike="noStrike" cap="none" normalizeH="0" baseline="0" dirty="0" smtClean="0">
+                <a:ln>
+                  <a:noFill/>
+                </a:ln>
+                <a:solidFill>
+                  <a:schemeClr val="tx1"/>
+                </a:solidFill>
+                <a:effectLst/>
+                <a:latin typeface="Arial" panose="020B0604020202020204" pitchFamily="34" charset="0"/>
+              </a:rPr>
+              <a:t> </a:t>
+            </a:r>
+            <a:r>
+              <a:rPr kumimoji="0" lang="ru-RU" altLang="ru-RU" sz="1800" b="0" i="0" u="none" strike="noStrike" cap="none" normalizeH="0" baseline="0" dirty="0" err="1" smtClean="0">
+                <a:ln>
+                  <a:noFill/>
+                </a:ln>
+                <a:solidFill>
+                  <a:schemeClr val="tx1"/>
+                </a:solidFill>
+                <a:effectLst/>
+                <a:latin typeface="Arial" panose="020B0604020202020204" pitchFamily="34" charset="0"/>
+              </a:rPr>
+              <a:t>Python</a:t>
+            </a:r>
+            <a:endParaRPr kumimoji="0" lang="en-US" altLang="ru-RU" sz="1800" b="0" i="0" u="none" strike="noStrike" cap="none" normalizeH="0" baseline="0" dirty="0" smtClean="0">
+              <a:ln>
+                <a:noFill/>
+              </a:ln>
+              <a:solidFill>
+                <a:schemeClr val="tx1"/>
+              </a:solidFill>
+              <a:effectLst/>
+              <a:latin typeface="Arial" panose="020B0604020202020204" pitchFamily="34" charset="0"/>
+            </a:endParaRPr>
+          </a:p>
+          <a:p>
+            <a:pPr marL="0" marR="0" lvl="0" indent="0" algn="l" defTabSz="914400" rtl="0" eaLnBrk="0" fontAlgn="base" latinLnBrk="0" hangingPunct="0">
+              <a:lnSpc>
+                <a:spcPct val="100000"/>
+              </a:lnSpc>
+              <a:spcBef>
+                <a:spcPct val="0"/>
+              </a:spcBef>
+              <a:spcAft>
+                <a:spcPct val="0"/>
+              </a:spcAft>
+              <a:buClrTx/>
+              <a:buSzTx/>
+              <a:buFontTx/>
+              <a:buChar char="•"/>
+              <a:tabLst/>
+            </a:pPr>
+            <a:endParaRPr kumimoji="0" lang="ru-RU" altLang="ru-RU" sz="1800" b="0" i="0" u="none" strike="noStrike" cap="none" normalizeH="0" baseline="0" dirty="0" smtClean="0">
+              <a:ln>
+                <a:noFill/>
+              </a:ln>
+              <a:solidFill>
+                <a:schemeClr val="tx1"/>
+              </a:solidFill>
+              <a:effectLst/>
+              <a:latin typeface="Arial" panose="020B0604020202020204" pitchFamily="34" charset="0"/>
+            </a:endParaRPr>
+          </a:p>
+          <a:p>
+            <a:pPr marL="0" marR="0" lvl="0" indent="0" algn="l" defTabSz="914400" rtl="0" eaLnBrk="0" fontAlgn="base" latinLnBrk="0" hangingPunct="0">
+              <a:lnSpc>
+                <a:spcPct val="100000"/>
+              </a:lnSpc>
+              <a:spcBef>
+                <a:spcPct val="0"/>
+              </a:spcBef>
+              <a:spcAft>
+                <a:spcPct val="0"/>
+              </a:spcAft>
+              <a:buClrTx/>
+              <a:buSzTx/>
+              <a:buFontTx/>
+              <a:buChar char="•"/>
+              <a:tabLst/>
+            </a:pPr>
+            <a:r>
+              <a:rPr kumimoji="0" lang="ru-RU" altLang="ru-RU" sz="1800" b="1" i="0" u="none" strike="noStrike" cap="none" normalizeH="0" baseline="0" dirty="0" smtClean="0">
+                <a:ln>
+                  <a:noFill/>
+                </a:ln>
+                <a:solidFill>
+                  <a:schemeClr val="tx1"/>
+                </a:solidFill>
+                <a:effectLst/>
+                <a:latin typeface="Arial" panose="020B0604020202020204" pitchFamily="34" charset="0"/>
+              </a:rPr>
+              <a:t>Библиотек</a:t>
+            </a:r>
+            <a:r>
+              <a:rPr lang="ru-RU" altLang="ru-RU" b="1" dirty="0">
+                <a:latin typeface="Arial" panose="020B0604020202020204" pitchFamily="34" charset="0"/>
+              </a:rPr>
+              <a:t>и</a:t>
+            </a:r>
+            <a:r>
+              <a:rPr kumimoji="0" lang="ru-RU" altLang="ru-RU" sz="1800" b="1" i="0" u="none" strike="noStrike" cap="none" normalizeH="0" baseline="0" dirty="0" smtClean="0">
+                <a:ln>
+                  <a:noFill/>
+                </a:ln>
+                <a:solidFill>
+                  <a:schemeClr val="tx1"/>
+                </a:solidFill>
+                <a:effectLst/>
+                <a:latin typeface="Arial" panose="020B0604020202020204" pitchFamily="34" charset="0"/>
+              </a:rPr>
+              <a:t>:</a:t>
+            </a:r>
+            <a:r>
+              <a:rPr kumimoji="0" lang="ru-RU" altLang="ru-RU" sz="1800" b="0" i="0" u="none" strike="noStrike" cap="none" normalizeH="0" baseline="0" dirty="0" smtClean="0">
+                <a:ln>
+                  <a:noFill/>
+                </a:ln>
+                <a:solidFill>
+                  <a:schemeClr val="tx1"/>
+                </a:solidFill>
+                <a:effectLst/>
+                <a:latin typeface="Arial" panose="020B0604020202020204" pitchFamily="34" charset="0"/>
+              </a:rPr>
+              <a:t> </a:t>
+            </a:r>
+            <a:r>
+              <a:rPr kumimoji="0" lang="ru-RU" altLang="ru-RU" sz="1800" b="0" i="0" u="none" strike="noStrike" cap="none" normalizeH="0" baseline="0" dirty="0" err="1" smtClean="0">
+                <a:ln>
+                  <a:noFill/>
+                </a:ln>
+                <a:solidFill>
+                  <a:schemeClr val="tx1"/>
+                </a:solidFill>
+                <a:effectLst/>
+                <a:latin typeface="Arial" panose="020B0604020202020204" pitchFamily="34" charset="0"/>
+              </a:rPr>
+              <a:t>Pygame</a:t>
+            </a:r>
+            <a:r>
+              <a:rPr lang="en-US" altLang="ru-RU" dirty="0" smtClean="0">
+                <a:latin typeface="Arial" panose="020B0604020202020204" pitchFamily="34" charset="0"/>
+              </a:rPr>
+              <a:t>, </a:t>
+            </a:r>
+            <a:r>
+              <a:rPr lang="en-US" altLang="ru-RU" dirty="0" err="1" smtClean="0">
+                <a:latin typeface="Arial" panose="020B0604020202020204" pitchFamily="34" charset="0"/>
+              </a:rPr>
+              <a:t>os</a:t>
+            </a:r>
+            <a:endParaRPr kumimoji="0" lang="ru-RU" altLang="ru-RU" sz="1800" b="0" i="0" u="none" strike="noStrike" cap="none" normalizeH="0" baseline="0" dirty="0" smtClean="0">
+              <a:ln>
+                <a:noFill/>
+              </a:ln>
+              <a:solidFill>
+                <a:schemeClr val="tx1"/>
+              </a:solidFill>
+              <a:effectLst/>
+              <a:latin typeface="Arial" panose="020B0604020202020204" pitchFamily="34" charset="0"/>
+            </a:endParaRPr>
+          </a:p>
+        </p:txBody>
+      </p:sp>
+      <p:pic>
+        <p:nvPicPr>
+          <p:cNvPr id="11" name="Рисунок 10"/>
+          <p:cNvPicPr>
+            <a:picLocks noChangeAspect="1"/>
+          </p:cNvPicPr>
+          <p:nvPr/>
+        </p:nvPicPr>
+        <p:blipFill>
+          <a:blip r:embed="rId3">
+            <a:extLst>
+              <a:ext uri="{28A0092B-C50C-407E-A947-70E740481C1C}">
+                <a14:useLocalDpi xmlns:a14="http://schemas.microsoft.com/office/drawing/2010/main" val="0"/>
+              </a:ext>
+            </a:extLst>
+          </a:blip>
+          <a:stretch>
+            <a:fillRect/>
+          </a:stretch>
+        </p:blipFill>
+        <p:spPr>
+          <a:xfrm rot="1381174" flipH="1">
+            <a:off x="6532705" y="2398610"/>
+            <a:ext cx="2034714" cy="2034714"/>
+          </a:xfrm>
+          <a:prstGeom prst="rect">
+            <a:avLst/>
+          </a:prstGeom>
+        </p:spPr>
+      </p:pic>
+    </p:spTree>
+    <p:extLst>
+      <p:ext uri="{BB962C8B-B14F-4D97-AF65-F5344CB8AC3E}">
+        <p14:creationId xmlns:p14="http://schemas.microsoft.com/office/powerpoint/2010/main" val="3936365980"/>
+      </p:ext>
+    </p:extLst>
+  </p:cSld>
+  <p:clrMapOvr>
+    <a:masterClrMapping/>
+  </p:clrMapOvr>
+</p:sld>
 </file>
 
-<file path=ppt/theme/theme2.xml><?xml version="1.0" encoding="utf-8"?>
-<a:theme xmlns:a="http://schemas.openxmlformats.org/drawingml/2006/main" xmlns:r="http://schemas.openxmlformats.org/officeDocument/2006/relationships" name="Notebook Lesson by Slidesgo">
+<file path=ppt/slides/slide5.xml><?xml version="1.0" encoding="utf-8"?>
+<p:sld xmlns:a="http://schemas.openxmlformats.org/drawingml/2006/main" xmlns:r="http://schemas.openxmlformats.org/officeDocument/2006/relationships" xmlns:p="http://schemas.openxmlformats.org/presentationml/2006/main">
+  <p:cSld>
+    <p:spTree>
+      <p:nvGrpSpPr>
+        <p:cNvPr id="1" name=""/>
+        <p:cNvGrpSpPr/>
+        <p:nvPr/>
+      </p:nvGrpSpPr>
+      <p:grpSpPr>
+        <a:xfrm>
+          <a:off x="0" y="0"/>
+          <a:ext cx="0" cy="0"/>
+          <a:chOff x="0" y="0"/>
+          <a:chExt cx="0" cy="0"/>
+        </a:xfrm>
+      </p:grpSpPr>
+      <p:sp>
+        <p:nvSpPr>
+          <p:cNvPr id="2" name="TextBox 1"/>
+          <p:cNvSpPr txBox="1"/>
+          <p:nvPr/>
+        </p:nvSpPr>
+        <p:spPr>
+          <a:xfrm>
+            <a:off x="2059320" y="2136161"/>
+            <a:ext cx="6448753" cy="769441"/>
+          </a:xfrm>
+          <a:prstGeom prst="rect">
+            <a:avLst/>
+          </a:prstGeom>
+          <a:noFill/>
+        </p:spPr>
+        <p:txBody>
+          <a:bodyPr wrap="none" rtlCol="0">
+            <a:spAutoFit/>
+          </a:bodyPr>
+          <a:lstStyle/>
+          <a:p>
+            <a:r>
+              <a:rPr lang="ru-RU" sz="4400" b="1" dirty="0" smtClean="0">
+                <a:solidFill>
+                  <a:schemeClr val="accent2"/>
+                </a:solidFill>
+              </a:rPr>
+              <a:t>Спасибо за внимание!</a:t>
+            </a:r>
+            <a:endParaRPr lang="ru-RU" sz="4400" b="1" dirty="0">
+              <a:solidFill>
+                <a:schemeClr val="accent2"/>
+              </a:solidFill>
+            </a:endParaRPr>
+          </a:p>
+        </p:txBody>
+      </p:sp>
+    </p:spTree>
+    <p:extLst>
+      <p:ext uri="{BB962C8B-B14F-4D97-AF65-F5344CB8AC3E}">
+        <p14:creationId xmlns:p14="http://schemas.microsoft.com/office/powerpoint/2010/main" val="822111314"/>
+      </p:ext>
+    </p:extLst>
+  </p:cSld>
+  <p:clrMapOvr>
+    <a:masterClrMapping/>
+  </p:clrMapOvr>
+</p:sld>
+</file>
+
+<file path=ppt/theme/theme1.xml><?xml version="1.0" encoding="utf-8"?>
+<a:theme xmlns:a="http://schemas.openxmlformats.org/drawingml/2006/main" name="Notebook Lesson by Slidesgo">
   <a:themeElements>
     <a:clrScheme name="Simple Light">
       <a:dk1>
         <a:srgbClr val="595959"/>
       </a:dk1>
       <a:lt1>
-        <a:srgbClr val="f1c232"/>
+        <a:srgbClr val="F1C232"/>
       </a:lt1>
       <a:dk2>
         <a:srgbClr val="595959"/>
       </a:dk2>
       <a:lt2>
-        <a:srgbClr val="a8d68c"/>
+        <a:srgbClr val="A8D68C"/>
       </a:lt2>
       <a:accent1>
-        <a:srgbClr val="f1c232"/>
+        <a:srgbClr val="F1C232"/>
       </a:accent1>
       <a:accent2>
-        <a:srgbClr val="b44141"/>
+        <a:srgbClr val="B44141"/>
       </a:accent2>
       <a:accent3>
-        <a:srgbClr val="f1c232"/>
+        <a:srgbClr val="F1C232"/>
       </a:accent3>
       <a:accent4>
-        <a:srgbClr val="df7070"/>
+        <a:srgbClr val="DF7070"/>
       </a:accent4>
       <a:accent5>
-        <a:srgbClr val="7a9e64"/>
+        <a:srgbClr val="7A9E64"/>
       </a:accent5>
       <a:accent6>
         <a:srgbClr val="595959"/>
@@ -5212,17 +6670,17 @@
         <a:srgbClr val="595959"/>
       </a:hlink>
       <a:folHlink>
-        <a:srgbClr val="0097a7"/>
+        <a:srgbClr val="0097A7"/>
       </a:folHlink>
     </a:clrScheme>
     <a:fontScheme name="Office">
       <a:majorFont>
-        <a:latin typeface="Arial" pitchFamily="0" charset="1"/>
+        <a:latin typeface="Arial"/>
         <a:ea typeface=""/>
         <a:cs typeface=""/>
       </a:majorFont>
       <a:minorFont>
-        <a:latin typeface="Arial" pitchFamily="0" charset="1"/>
+        <a:latin typeface="Arial"/>
         <a:ea typeface=""/>
         <a:cs typeface=""/>
       </a:minorFont>
@@ -5251,7 +6709,7 @@
             </a:gs>
           </a:gsLst>
           <a:lin ang="16200000" scaled="1"/>
-          <a:tileRect l="0" t="0" r="0" b="0"/>
+          <a:tileRect/>
         </a:gradFill>
         <a:gradFill>
           <a:gsLst>
@@ -5269,7 +6727,7 @@
             </a:gs>
           </a:gsLst>
           <a:lin ang="16200000" scaled="0"/>
-          <a:tileRect l="0" t="0" r="0" b="0"/>
+          <a:tileRect/>
         </a:gradFill>
       </a:fillStyleLst>
       <a:lnStyleLst>
@@ -5320,7 +6778,7 @@
           <a:path path="circle">
             <a:fillToRect l="50000" t="-80000" r="50000" b="180000"/>
           </a:path>
-          <a:tileRect l="0" t="0" r="0" b="0"/>
+          <a:tileRect/>
         </a:gradFill>
         <a:gradFill>
           <a:gsLst>
@@ -5338,44 +6796,46 @@
           <a:path path="circle">
             <a:fillToRect l="50000" t="50000" r="50000" b="50000"/>
           </a:path>
-          <a:tileRect l="0" t="0" r="0" b="0"/>
+          <a:tileRect/>
         </a:gradFill>
       </a:bgFillStyleLst>
     </a:fmtScheme>
   </a:themeElements>
+  <a:objectDefaults/>
+  <a:extraClrSchemeLst/>
 </a:theme>
 </file>
 
-<file path=ppt/theme/theme3.xml><?xml version="1.0" encoding="utf-8"?>
-<a:theme xmlns:a="http://schemas.openxmlformats.org/drawingml/2006/main" xmlns:r="http://schemas.openxmlformats.org/officeDocument/2006/relationships" name="Notebook Lesson by Slidesgo">
+<file path=ppt/theme/theme2.xml><?xml version="1.0" encoding="utf-8"?>
+<a:theme xmlns:a="http://schemas.openxmlformats.org/drawingml/2006/main" name="Notebook Lesson by Slidesgo">
   <a:themeElements>
     <a:clrScheme name="Simple Light">
       <a:dk1>
         <a:srgbClr val="595959"/>
       </a:dk1>
       <a:lt1>
-        <a:srgbClr val="f1c232"/>
+        <a:srgbClr val="F1C232"/>
       </a:lt1>
       <a:dk2>
         <a:srgbClr val="595959"/>
       </a:dk2>
       <a:lt2>
-        <a:srgbClr val="a8d68c"/>
+        <a:srgbClr val="A8D68C"/>
       </a:lt2>
       <a:accent1>
-        <a:srgbClr val="f1c232"/>
+        <a:srgbClr val="F1C232"/>
       </a:accent1>
       <a:accent2>
-        <a:srgbClr val="b44141"/>
+        <a:srgbClr val="B44141"/>
       </a:accent2>
       <a:accent3>
-        <a:srgbClr val="f1c232"/>
+        <a:srgbClr val="F1C232"/>
       </a:accent3>
       <a:accent4>
-        <a:srgbClr val="df7070"/>
+        <a:srgbClr val="DF7070"/>
       </a:accent4>
       <a:accent5>
-        <a:srgbClr val="7a9e64"/>
+        <a:srgbClr val="7A9E64"/>
       </a:accent5>
       <a:accent6>
         <a:srgbClr val="595959"/>
@@ -5384,17 +6844,17 @@
         <a:srgbClr val="595959"/>
       </a:hlink>
       <a:folHlink>
-        <a:srgbClr val="0097a7"/>
+        <a:srgbClr val="0097A7"/>
       </a:folHlink>
     </a:clrScheme>
     <a:fontScheme name="Office">
       <a:majorFont>
-        <a:latin typeface="Arial" pitchFamily="0" charset="1"/>
+        <a:latin typeface="Arial"/>
         <a:ea typeface=""/>
         <a:cs typeface=""/>
       </a:majorFont>
       <a:minorFont>
-        <a:latin typeface="Arial" pitchFamily="0" charset="1"/>
+        <a:latin typeface="Arial"/>
         <a:ea typeface=""/>
         <a:cs typeface=""/>
       </a:minorFont>
@@ -5423,7 +6883,7 @@
             </a:gs>
           </a:gsLst>
           <a:lin ang="16200000" scaled="1"/>
-          <a:tileRect l="0" t="0" r="0" b="0"/>
+          <a:tileRect/>
         </a:gradFill>
         <a:gradFill>
           <a:gsLst>
@@ -5441,7 +6901,7 @@
             </a:gs>
           </a:gsLst>
           <a:lin ang="16200000" scaled="0"/>
-          <a:tileRect l="0" t="0" r="0" b="0"/>
+          <a:tileRect/>
         </a:gradFill>
       </a:fillStyleLst>
       <a:lnStyleLst>
@@ -5492,7 +6952,7 @@
           <a:path path="circle">
             <a:fillToRect l="50000" t="-80000" r="50000" b="180000"/>
           </a:path>
-          <a:tileRect l="0" t="0" r="0" b="0"/>
+          <a:tileRect/>
         </a:gradFill>
         <a:gradFill>
           <a:gsLst>
@@ -5510,44 +6970,46 @@
           <a:path path="circle">
             <a:fillToRect l="50000" t="50000" r="50000" b="50000"/>
           </a:path>
-          <a:tileRect l="0" t="0" r="0" b="0"/>
+          <a:tileRect/>
         </a:gradFill>
       </a:bgFillStyleLst>
     </a:fmtScheme>
   </a:themeElements>
+  <a:objectDefaults/>
+  <a:extraClrSchemeLst/>
 </a:theme>
 </file>
 
-<file path=ppt/theme/theme4.xml><?xml version="1.0" encoding="utf-8"?>
-<a:theme xmlns:a="http://schemas.openxmlformats.org/drawingml/2006/main" xmlns:r="http://schemas.openxmlformats.org/officeDocument/2006/relationships" name="Notebook Lesson by Slidesgo">
+<file path=ppt/theme/theme3.xml><?xml version="1.0" encoding="utf-8"?>
+<a:theme xmlns:a="http://schemas.openxmlformats.org/drawingml/2006/main" name="Notebook Lesson by Slidesgo">
   <a:themeElements>
     <a:clrScheme name="Simple Light">
       <a:dk1>
         <a:srgbClr val="595959"/>
       </a:dk1>
       <a:lt1>
-        <a:srgbClr val="f1c232"/>
+        <a:srgbClr val="F1C232"/>
       </a:lt1>
       <a:dk2>
         <a:srgbClr val="595959"/>
       </a:dk2>
       <a:lt2>
-        <a:srgbClr val="a8d68c"/>
+        <a:srgbClr val="A8D68C"/>
       </a:lt2>
       <a:accent1>
-        <a:srgbClr val="f1c232"/>
+        <a:srgbClr val="F1C232"/>
       </a:accent1>
       <a:accent2>
-        <a:srgbClr val="b44141"/>
+        <a:srgbClr val="B44141"/>
       </a:accent2>
       <a:accent3>
-        <a:srgbClr val="f1c232"/>
+        <a:srgbClr val="F1C232"/>
       </a:accent3>
       <a:accent4>
-        <a:srgbClr val="df7070"/>
+        <a:srgbClr val="DF7070"/>
       </a:accent4>
       <a:accent5>
-        <a:srgbClr val="7a9e64"/>
+        <a:srgbClr val="7A9E64"/>
       </a:accent5>
       <a:accent6>
         <a:srgbClr val="595959"/>
@@ -5556,17 +7018,17 @@
         <a:srgbClr val="595959"/>
       </a:hlink>
       <a:folHlink>
-        <a:srgbClr val="0097a7"/>
+        <a:srgbClr val="0097A7"/>
       </a:folHlink>
     </a:clrScheme>
     <a:fontScheme name="Office">
       <a:majorFont>
-        <a:latin typeface="Arial" pitchFamily="0" charset="1"/>
+        <a:latin typeface="Arial"/>
         <a:ea typeface=""/>
         <a:cs typeface=""/>
       </a:majorFont>
       <a:minorFont>
-        <a:latin typeface="Arial" pitchFamily="0" charset="1"/>
+        <a:latin typeface="Arial"/>
         <a:ea typeface=""/>
         <a:cs typeface=""/>
       </a:minorFont>
@@ -5595,7 +7057,7 @@
             </a:gs>
           </a:gsLst>
           <a:lin ang="16200000" scaled="1"/>
-          <a:tileRect l="0" t="0" r="0" b="0"/>
+          <a:tileRect/>
         </a:gradFill>
         <a:gradFill>
           <a:gsLst>
@@ -5613,7 +7075,7 @@
             </a:gs>
           </a:gsLst>
           <a:lin ang="16200000" scaled="0"/>
-          <a:tileRect l="0" t="0" r="0" b="0"/>
+          <a:tileRect/>
         </a:gradFill>
       </a:fillStyleLst>
       <a:lnStyleLst>
@@ -5664,7 +7126,7 @@
           <a:path path="circle">
             <a:fillToRect l="50000" t="-80000" r="50000" b="180000"/>
           </a:path>
-          <a:tileRect l="0" t="0" r="0" b="0"/>
+          <a:tileRect/>
         </a:gradFill>
         <a:gradFill>
           <a:gsLst>
@@ -5682,10 +7144,273 @@
           <a:path path="circle">
             <a:fillToRect l="50000" t="50000" r="50000" b="50000"/>
           </a:path>
-          <a:tileRect l="0" t="0" r="0" b="0"/>
+          <a:tileRect/>
         </a:gradFill>
       </a:bgFillStyleLst>
     </a:fmtScheme>
   </a:themeElements>
+  <a:objectDefaults/>
+  <a:extraClrSchemeLst/>
+</a:theme>
+</file>
+
+<file path=ppt/theme/theme4.xml><?xml version="1.0" encoding="utf-8"?>
+<a:theme xmlns:a="http://schemas.openxmlformats.org/drawingml/2006/main" name="Тема Office">
+  <a:themeElements>
+    <a:clrScheme name="Стандартная">
+      <a:dk1>
+        <a:sysClr val="windowText" lastClr="000000"/>
+      </a:dk1>
+      <a:lt1>
+        <a:sysClr val="window" lastClr="FFFFFF"/>
+      </a:lt1>
+      <a:dk2>
+        <a:srgbClr val="44546A"/>
+      </a:dk2>
+      <a:lt2>
+        <a:srgbClr val="E7E6E6"/>
+      </a:lt2>
+      <a:accent1>
+        <a:srgbClr val="5B9BD5"/>
+      </a:accent1>
+      <a:accent2>
+        <a:srgbClr val="ED7D31"/>
+      </a:accent2>
+      <a:accent3>
+        <a:srgbClr val="A5A5A5"/>
+      </a:accent3>
+      <a:accent4>
+        <a:srgbClr val="FFC000"/>
+      </a:accent4>
+      <a:accent5>
+        <a:srgbClr val="4472C4"/>
+      </a:accent5>
+      <a:accent6>
+        <a:srgbClr val="70AD47"/>
+      </a:accent6>
+      <a:hlink>
+        <a:srgbClr val="0563C1"/>
+      </a:hlink>
+      <a:folHlink>
+        <a:srgbClr val="954F72"/>
+      </a:folHlink>
+    </a:clrScheme>
+    <a:fontScheme name="Стандартная">
+      <a:majorFont>
+        <a:latin typeface="Calibri Light" panose="020F0302020204030204"/>
+        <a:ea typeface=""/>
+        <a:cs typeface=""/>
+        <a:font script="Jpan" typeface="游ゴシック Light"/>
+        <a:font script="Hang" typeface="맑은 고딕"/>
+        <a:font script="Hans" typeface="等线 Light"/>
+        <a:font script="Hant" typeface="新細明體"/>
+        <a:font script="Arab" typeface="Times New Roman"/>
+        <a:font script="Hebr" typeface="Times New Roman"/>
+        <a:font script="Thai" typeface="Angsana New"/>
+        <a:font script="Ethi" typeface="Nyala"/>
+        <a:font script="Beng" typeface="Vrinda"/>
+        <a:font script="Gujr" typeface="Shruti"/>
+        <a:font script="Khmr" typeface="MoolBoran"/>
+        <a:font script="Knda" typeface="Tunga"/>
+        <a:font script="Guru" typeface="Raavi"/>
+        <a:font script="Cans" typeface="Euphemia"/>
+        <a:font script="Cher" typeface="Plantagenet Cherokee"/>
+        <a:font script="Yiii" typeface="Microsoft Yi Baiti"/>
+        <a:font script="Tibt" typeface="Microsoft Himalaya"/>
+        <a:font script="Thaa" typeface="MV Boli"/>
+        <a:font script="Deva" typeface="Mangal"/>
+        <a:font script="Telu" typeface="Gautami"/>
+        <a:font script="Taml" typeface="Latha"/>
+        <a:font script="Syrc" typeface="Estrangelo Edessa"/>
+        <a:font script="Orya" typeface="Kalinga"/>
+        <a:font script="Mlym" typeface="Kartika"/>
+        <a:font script="Laoo" typeface="DokChampa"/>
+        <a:font script="Sinh" typeface="Iskoola Pota"/>
+        <a:font script="Mong" typeface="Mongolian Baiti"/>
+        <a:font script="Viet" typeface="Times New Roman"/>
+        <a:font script="Uigh" typeface="Microsoft Uighur"/>
+        <a:font script="Geor" typeface="Sylfaen"/>
+      </a:majorFont>
+      <a:minorFont>
+        <a:latin typeface="Calibri" panose="020F0502020204030204"/>
+        <a:ea typeface=""/>
+        <a:cs typeface=""/>
+        <a:font script="Jpan" typeface="游ゴシック"/>
+        <a:font script="Hang" typeface="맑은 고딕"/>
+        <a:font script="Hans" typeface="等线"/>
+        <a:font script="Hant" typeface="新細明體"/>
+        <a:font script="Arab" typeface="Arial"/>
+        <a:font script="Hebr" typeface="Arial"/>
+        <a:font script="Thai" typeface="Cordia New"/>
+        <a:font script="Ethi" typeface="Nyala"/>
+        <a:font script="Beng" typeface="Vrinda"/>
+        <a:font script="Gujr" typeface="Shruti"/>
+        <a:font script="Khmr" typeface="DaunPenh"/>
+        <a:font script="Knda" typeface="Tunga"/>
+        <a:font script="Guru" typeface="Raavi"/>
+        <a:font script="Cans" typeface="Euphemia"/>
+        <a:font script="Cher" typeface="Plantagenet Cherokee"/>
+        <a:font script="Yiii" typeface="Microsoft Yi Baiti"/>
+        <a:font script="Tibt" typeface="Microsoft Himalaya"/>
+        <a:font script="Thaa" typeface="MV Boli"/>
+        <a:font script="Deva" typeface="Mangal"/>
+        <a:font script="Telu" typeface="Gautami"/>
+        <a:font script="Taml" typeface="Latha"/>
+        <a:font script="Syrc" typeface="Estrangelo Edessa"/>
+        <a:font script="Orya" typeface="Kalinga"/>
+        <a:font script="Mlym" typeface="Kartika"/>
+        <a:font script="Laoo" typeface="DokChampa"/>
+        <a:font script="Sinh" typeface="Iskoola Pota"/>
+        <a:font script="Mong" typeface="Mongolian Baiti"/>
+        <a:font script="Viet" typeface="Arial"/>
+        <a:font script="Uigh" typeface="Microsoft Uighur"/>
+        <a:font script="Geor" typeface="Sylfaen"/>
+      </a:minorFont>
+    </a:fontScheme>
+    <a:fmtScheme name="Стандартная">
+      <a:fillStyleLst>
+        <a:solidFill>
+          <a:schemeClr val="phClr"/>
+        </a:solidFill>
+        <a:gradFill rotWithShape="1">
+          <a:gsLst>
+            <a:gs pos="0">
+              <a:schemeClr val="phClr">
+                <a:lumMod val="110000"/>
+                <a:satMod val="105000"/>
+                <a:tint val="67000"/>
+              </a:schemeClr>
+            </a:gs>
+            <a:gs pos="50000">
+              <a:schemeClr val="phClr">
+                <a:lumMod val="105000"/>
+                <a:satMod val="103000"/>
+                <a:tint val="73000"/>
+              </a:schemeClr>
+            </a:gs>
+            <a:gs pos="100000">
+              <a:schemeClr val="phClr">
+                <a:lumMod val="105000"/>
+                <a:satMod val="109000"/>
+                <a:tint val="81000"/>
+              </a:schemeClr>
+            </a:gs>
+          </a:gsLst>
+          <a:lin ang="5400000" scaled="0"/>
+        </a:gradFill>
+        <a:gradFill rotWithShape="1">
+          <a:gsLst>
+            <a:gs pos="0">
+              <a:schemeClr val="phClr">
+                <a:satMod val="103000"/>
+                <a:lumMod val="102000"/>
+                <a:tint val="94000"/>
+              </a:schemeClr>
+            </a:gs>
+            <a:gs pos="50000">
+              <a:schemeClr val="phClr">
+                <a:satMod val="110000"/>
+                <a:lumMod val="100000"/>
+                <a:shade val="100000"/>
+              </a:schemeClr>
+            </a:gs>
+            <a:gs pos="100000">
+              <a:schemeClr val="phClr">
+                <a:lumMod val="99000"/>
+                <a:satMod val="120000"/>
+                <a:shade val="78000"/>
+              </a:schemeClr>
+            </a:gs>
+          </a:gsLst>
+          <a:lin ang="5400000" scaled="0"/>
+        </a:gradFill>
+      </a:fillStyleLst>
+      <a:lnStyleLst>
+        <a:ln w="6350" cap="flat" cmpd="sng" algn="ctr">
+          <a:solidFill>
+            <a:schemeClr val="phClr"/>
+          </a:solidFill>
+          <a:prstDash val="solid"/>
+          <a:miter lim="800000"/>
+        </a:ln>
+        <a:ln w="12700" cap="flat" cmpd="sng" algn="ctr">
+          <a:solidFill>
+            <a:schemeClr val="phClr"/>
+          </a:solidFill>
+          <a:prstDash val="solid"/>
+          <a:miter lim="800000"/>
+        </a:ln>
+        <a:ln w="19050" cap="flat" cmpd="sng" algn="ctr">
+          <a:solidFill>
+            <a:schemeClr val="phClr"/>
+          </a:solidFill>
+          <a:prstDash val="solid"/>
+          <a:miter lim="800000"/>
+        </a:ln>
+      </a:lnStyleLst>
+      <a:effectStyleLst>
+        <a:effectStyle>
+          <a:effectLst/>
+        </a:effectStyle>
+        <a:effectStyle>
+          <a:effectLst/>
+        </a:effectStyle>
+        <a:effectStyle>
+          <a:effectLst>
+            <a:outerShdw blurRad="57150" dist="19050" dir="5400000" algn="ctr" rotWithShape="0">
+              <a:srgbClr val="000000">
+                <a:alpha val="63000"/>
+              </a:srgbClr>
+            </a:outerShdw>
+          </a:effectLst>
+        </a:effectStyle>
+      </a:effectStyleLst>
+      <a:bgFillStyleLst>
+        <a:solidFill>
+          <a:schemeClr val="phClr"/>
+        </a:solidFill>
+        <a:solidFill>
+          <a:schemeClr val="phClr">
+            <a:tint val="95000"/>
+            <a:satMod val="170000"/>
+          </a:schemeClr>
+        </a:solidFill>
+        <a:gradFill rotWithShape="1">
+          <a:gsLst>
+            <a:gs pos="0">
+              <a:schemeClr val="phClr">
+                <a:tint val="93000"/>
+                <a:satMod val="150000"/>
+                <a:shade val="98000"/>
+                <a:lumMod val="102000"/>
+              </a:schemeClr>
+            </a:gs>
+            <a:gs pos="50000">
+              <a:schemeClr val="phClr">
+                <a:tint val="98000"/>
+                <a:satMod val="130000"/>
+                <a:shade val="90000"/>
+                <a:lumMod val="103000"/>
+              </a:schemeClr>
+            </a:gs>
+            <a:gs pos="100000">
+              <a:schemeClr val="phClr">
+                <a:shade val="63000"/>
+                <a:satMod val="120000"/>
+              </a:schemeClr>
+            </a:gs>
+          </a:gsLst>
+          <a:lin ang="5400000" scaled="0"/>
+        </a:gradFill>
+      </a:bgFillStyleLst>
+    </a:fmtScheme>
+  </a:themeElements>
+  <a:objectDefaults/>
+  <a:extraClrSchemeLst/>
+  <a:extLst>
+    <a:ext uri="{05A4C25C-085E-4340-85A3-A5531E510DB2}">
+      <thm15:themeFamily xmlns:thm15="http://schemas.microsoft.com/office/thememl/2012/main" name="Office Theme" id="{62F939B6-93AF-4DB8-9C6B-D6C7DFDC589F}" vid="{4A3C46E8-61CC-4603-A589-7422A47A8E4A}"/>
+    </a:ext>
+  </a:extLst>
 </a:theme>
 </file>